--- a/455DE-Ch01_IntroToSpark.pptx
+++ b/455DE-Ch01_IntroToSpark.pptx
@@ -12176,11 +12176,18 @@
           <a:p>
             <a:pPr lvl="1"/>
             <a:r>
+              <a:rPr lang="en-US" dirty="0" err="1">
+                <a:latin typeface="Courier New" panose="02070309020205020404" pitchFamily="49" charset="0"/>
+                <a:cs typeface="Courier New" panose="02070309020205020404" pitchFamily="49" charset="0"/>
+              </a:rPr>
+              <a:t>rdd.saveAsPickleFile</a:t>
+            </a:r>
+            <a:r>
               <a:rPr lang="en-US" dirty="0">
                 <a:latin typeface="Courier New" panose="02070309020205020404" pitchFamily="49" charset="0"/>
                 <a:cs typeface="Courier New" panose="02070309020205020404" pitchFamily="49" charset="0"/>
               </a:rPr>
-              <a:t>rdd.saceAsPickleFile()</a:t>
+              <a:t>()</a:t>
             </a:r>
             <a:r>
               <a:rPr lang="en-US" dirty="0">
@@ -15351,6 +15358,20 @@
 </file>
 
 <file path=customXml/item1.xml><?xml version="1.0" encoding="utf-8"?>
+<p:properties xmlns:p="http://schemas.microsoft.com/office/2006/metadata/properties" xmlns:xsi="http://www.w3.org/2001/XMLSchema-instance" xmlns:pc="http://schemas.microsoft.com/office/infopath/2007/PartnerControls">
+  <documentManagement>
+    <_dlc_DocId xmlns="037063e9-a85e-4c78-8627-f1a9315663e5">EVEA5JW6U4JV-6-9770</_dlc_DocId>
+    <_dlc_DocIdUrl xmlns="037063e9-a85e-4c78-8627-f1a9315663e5">
+      <Url>https://portal.roitraining.com/Courses/_layouts/DocIdRedir.aspx?ID=EVEA5JW6U4JV-6-9770</Url>
+      <Description>EVEA5JW6U4JV-6-9770</Description>
+    </_dlc_DocIdUrl>
+    <Date_x0020_last_x0020_used xmlns="027ed24f-5970-4294-be5c-0919c5aaa214" xsi:nil="true"/>
+    <Customization_x0020_Information xmlns="027ed24f-5970-4294-be5c-0919c5aaa214" xsi:nil="true"/>
+  </documentManagement>
+</p:properties>
+</file>
+
+<file path=customXml/item2.xml><?xml version="1.0" encoding="utf-8"?>
 <ct:contentTypeSchema xmlns:ct="http://schemas.microsoft.com/office/2006/metadata/contentType" xmlns:ma="http://schemas.microsoft.com/office/2006/metadata/properties/metaAttributes" ct:_="" ma:_="" ma:contentTypeName="Document" ma:contentTypeID="0x0101006B08A054FD435346B287BB258D6D8C2A" ma:contentTypeVersion="2" ma:contentTypeDescription="Create a new document." ma:contentTypeScope="" ma:versionID="6146b90b4382322d8952632f355192b7">
   <xsd:schema xmlns:xsd="http://www.w3.org/2001/XMLSchema" xmlns:xs="http://www.w3.org/2001/XMLSchema" xmlns:p="http://schemas.microsoft.com/office/2006/metadata/properties" xmlns:ns2="027ed24f-5970-4294-be5c-0919c5aaa214" xmlns:ns3="037063e9-a85e-4c78-8627-f1a9315663e5" targetNamespace="http://schemas.microsoft.com/office/2006/metadata/properties" ma:root="true" ma:fieldsID="b5d91f802dafd2e22aeea528efbe2d3e" ns2:_="" ns3:_="">
     <xsd:import namespace="027ed24f-5970-4294-be5c-0919c5aaa214"/>
@@ -15516,30 +15537,7 @@
 </ct:contentTypeSchema>
 </file>
 
-<file path=customXml/item2.xml><?xml version="1.0" encoding="utf-8"?>
-<p:properties xmlns:p="http://schemas.microsoft.com/office/2006/metadata/properties" xmlns:xsi="http://www.w3.org/2001/XMLSchema-instance" xmlns:pc="http://schemas.microsoft.com/office/infopath/2007/PartnerControls">
-  <documentManagement>
-    <_dlc_DocId xmlns="037063e9-a85e-4c78-8627-f1a9315663e5">EVEA5JW6U4JV-6-9770</_dlc_DocId>
-    <_dlc_DocIdUrl xmlns="037063e9-a85e-4c78-8627-f1a9315663e5">
-      <Url>https://portal.roitraining.com/Courses/_layouts/DocIdRedir.aspx?ID=EVEA5JW6U4JV-6-9770</Url>
-      <Description>EVEA5JW6U4JV-6-9770</Description>
-    </_dlc_DocIdUrl>
-    <Date_x0020_last_x0020_used xmlns="027ed24f-5970-4294-be5c-0919c5aaa214" xsi:nil="true"/>
-    <Customization_x0020_Information xmlns="027ed24f-5970-4294-be5c-0919c5aaa214" xsi:nil="true"/>
-  </documentManagement>
-</p:properties>
-</file>
-
 <file path=customXml/item3.xml><?xml version="1.0" encoding="utf-8"?>
-<?mso-contentType ?>
-<FormTemplates xmlns="http://schemas.microsoft.com/sharepoint/v3/contenttype/forms">
-  <Display>DocumentLibraryForm</Display>
-  <Edit>DocumentLibraryForm</Edit>
-  <New>DocumentLibraryForm</New>
-</FormTemplates>
-</file>
-
-<file path=customXml/item4.xml><?xml version="1.0" encoding="utf-8"?>
 <?mso-contentType ?>
 <spe:Receivers xmlns:spe="http://schemas.microsoft.com/sharepoint/events">
   <Receiver>
@@ -15585,7 +15583,33 @@
 </spe:Receivers>
 </file>
 
+<file path=customXml/item4.xml><?xml version="1.0" encoding="utf-8"?>
+<?mso-contentType ?>
+<FormTemplates xmlns="http://schemas.microsoft.com/sharepoint/v3/contenttype/forms">
+  <Display>DocumentLibraryForm</Display>
+  <Edit>DocumentLibraryForm</Edit>
+  <New>DocumentLibraryForm</New>
+</FormTemplates>
+</file>
+
 <file path=customXml/itemProps1.xml><?xml version="1.0" encoding="utf-8"?>
+<ds:datastoreItem xmlns:ds="http://schemas.openxmlformats.org/officeDocument/2006/customXml" ds:itemID="{F47B9207-CE5C-49AD-B414-15CBFA246D65}">
+  <ds:schemaRefs>
+    <ds:schemaRef ds:uri="037063e9-a85e-4c78-8627-f1a9315663e5"/>
+    <ds:schemaRef ds:uri="http://schemas.microsoft.com/office/2006/documentManagement/types"/>
+    <ds:schemaRef ds:uri="http://purl.org/dc/dcmitype/"/>
+    <ds:schemaRef ds:uri="http://schemas.microsoft.com/office/infopath/2007/PartnerControls"/>
+    <ds:schemaRef ds:uri="http://purl.org/dc/elements/1.1/"/>
+    <ds:schemaRef ds:uri="http://schemas.microsoft.com/office/2006/metadata/properties"/>
+    <ds:schemaRef ds:uri="http://purl.org/dc/terms/"/>
+    <ds:schemaRef ds:uri="http://schemas.openxmlformats.org/package/2006/metadata/core-properties"/>
+    <ds:schemaRef ds:uri="027ed24f-5970-4294-be5c-0919c5aaa214"/>
+    <ds:schemaRef ds:uri="http://www.w3.org/XML/1998/namespace"/>
+  </ds:schemaRefs>
+</ds:datastoreItem>
+</file>
+
+<file path=customXml/itemProps2.xml><?xml version="1.0" encoding="utf-8"?>
 <ds:datastoreItem xmlns:ds="http://schemas.openxmlformats.org/officeDocument/2006/customXml" ds:itemID="{B8E0886B-5092-4138-9EEE-28D3BFD5A483}">
   <ds:schemaRefs>
     <ds:schemaRef ds:uri="http://schemas.microsoft.com/office/2006/metadata/contentType"/>
@@ -15604,35 +15628,18 @@
 </ds:datastoreItem>
 </file>
 
-<file path=customXml/itemProps2.xml><?xml version="1.0" encoding="utf-8"?>
-<ds:datastoreItem xmlns:ds="http://schemas.openxmlformats.org/officeDocument/2006/customXml" ds:itemID="{F47B9207-CE5C-49AD-B414-15CBFA246D65}">
+<file path=customXml/itemProps3.xml><?xml version="1.0" encoding="utf-8"?>
+<ds:datastoreItem xmlns:ds="http://schemas.openxmlformats.org/officeDocument/2006/customXml" ds:itemID="{B9043294-8302-4947-B882-02D6486F929C}">
   <ds:schemaRefs>
-    <ds:schemaRef ds:uri="037063e9-a85e-4c78-8627-f1a9315663e5"/>
-    <ds:schemaRef ds:uri="http://schemas.microsoft.com/office/2006/documentManagement/types"/>
-    <ds:schemaRef ds:uri="http://purl.org/dc/dcmitype/"/>
-    <ds:schemaRef ds:uri="http://schemas.microsoft.com/office/infopath/2007/PartnerControls"/>
-    <ds:schemaRef ds:uri="http://purl.org/dc/elements/1.1/"/>
-    <ds:schemaRef ds:uri="http://schemas.microsoft.com/office/2006/metadata/properties"/>
-    <ds:schemaRef ds:uri="http://purl.org/dc/terms/"/>
-    <ds:schemaRef ds:uri="http://schemas.openxmlformats.org/package/2006/metadata/core-properties"/>
-    <ds:schemaRef ds:uri="027ed24f-5970-4294-be5c-0919c5aaa214"/>
-    <ds:schemaRef ds:uri="http://www.w3.org/XML/1998/namespace"/>
+    <ds:schemaRef ds:uri="http://schemas.microsoft.com/sharepoint/events"/>
   </ds:schemaRefs>
 </ds:datastoreItem>
 </file>
 
-<file path=customXml/itemProps3.xml><?xml version="1.0" encoding="utf-8"?>
+<file path=customXml/itemProps4.xml><?xml version="1.0" encoding="utf-8"?>
 <ds:datastoreItem xmlns:ds="http://schemas.openxmlformats.org/officeDocument/2006/customXml" ds:itemID="{2DA015F3-603C-4688-A5F3-81D587DAB8C9}">
   <ds:schemaRefs>
     <ds:schemaRef ds:uri="http://schemas.microsoft.com/sharepoint/v3/contenttype/forms"/>
   </ds:schemaRefs>
 </ds:datastoreItem>
-</file>
-
-<file path=customXml/itemProps4.xml><?xml version="1.0" encoding="utf-8"?>
-<ds:datastoreItem xmlns:ds="http://schemas.openxmlformats.org/officeDocument/2006/customXml" ds:itemID="{B9043294-8302-4947-B882-02D6486F929C}">
-  <ds:schemaRefs>
-    <ds:schemaRef ds:uri="http://schemas.microsoft.com/sharepoint/events"/>
-  </ds:schemaRefs>
-</ds:datastoreItem>
 </file>
--- a/455DE-Ch01_IntroToSpark.pptx
+++ b/455DE-Ch01_IntroToSpark.pptx
@@ -5,10 +5,10 @@
     <p:sldMasterId id="2147483684" r:id="rId5"/>
   </p:sldMasterIdLst>
   <p:notesMasterIdLst>
-    <p:notesMasterId r:id="rId36"/>
+    <p:notesMasterId r:id="rId35"/>
   </p:notesMasterIdLst>
   <p:handoutMasterIdLst>
-    <p:handoutMasterId r:id="rId37"/>
+    <p:handoutMasterId r:id="rId36"/>
   </p:handoutMasterIdLst>
   <p:sldIdLst>
     <p:sldId id="257" r:id="rId6"/>
@@ -18,29 +18,28 @@
     <p:sldId id="367" r:id="rId10"/>
     <p:sldId id="346" r:id="rId11"/>
     <p:sldId id="381" r:id="rId12"/>
-    <p:sldId id="384" r:id="rId13"/>
-    <p:sldId id="307" r:id="rId14"/>
-    <p:sldId id="316" r:id="rId15"/>
-    <p:sldId id="321" r:id="rId16"/>
-    <p:sldId id="334" r:id="rId17"/>
-    <p:sldId id="323" r:id="rId18"/>
-    <p:sldId id="324" r:id="rId19"/>
-    <p:sldId id="325" r:id="rId20"/>
-    <p:sldId id="326" r:id="rId21"/>
-    <p:sldId id="327" r:id="rId22"/>
-    <p:sldId id="309" r:id="rId23"/>
-    <p:sldId id="310" r:id="rId24"/>
-    <p:sldId id="311" r:id="rId25"/>
-    <p:sldId id="312" r:id="rId26"/>
-    <p:sldId id="318" r:id="rId27"/>
-    <p:sldId id="372" r:id="rId28"/>
-    <p:sldId id="373" r:id="rId29"/>
-    <p:sldId id="375" r:id="rId30"/>
-    <p:sldId id="374" r:id="rId31"/>
-    <p:sldId id="377" r:id="rId32"/>
-    <p:sldId id="376" r:id="rId33"/>
-    <p:sldId id="378" r:id="rId34"/>
-    <p:sldId id="380" r:id="rId35"/>
+    <p:sldId id="307" r:id="rId13"/>
+    <p:sldId id="316" r:id="rId14"/>
+    <p:sldId id="321" r:id="rId15"/>
+    <p:sldId id="334" r:id="rId16"/>
+    <p:sldId id="323" r:id="rId17"/>
+    <p:sldId id="324" r:id="rId18"/>
+    <p:sldId id="325" r:id="rId19"/>
+    <p:sldId id="326" r:id="rId20"/>
+    <p:sldId id="327" r:id="rId21"/>
+    <p:sldId id="309" r:id="rId22"/>
+    <p:sldId id="310" r:id="rId23"/>
+    <p:sldId id="311" r:id="rId24"/>
+    <p:sldId id="312" r:id="rId25"/>
+    <p:sldId id="318" r:id="rId26"/>
+    <p:sldId id="372" r:id="rId27"/>
+    <p:sldId id="373" r:id="rId28"/>
+    <p:sldId id="375" r:id="rId29"/>
+    <p:sldId id="374" r:id="rId30"/>
+    <p:sldId id="377" r:id="rId31"/>
+    <p:sldId id="376" r:id="rId32"/>
+    <p:sldId id="378" r:id="rId33"/>
+    <p:sldId id="380" r:id="rId34"/>
   </p:sldIdLst>
   <p:sldSz cx="9144000" cy="6858000" type="screen4x3"/>
   <p:notesSz cx="7053263" cy="9356725"/>
@@ -1253,7 +1252,13 @@
       </p:grpSpPr>
       <p:sp>
         <p:nvSpPr>
-          <p:cNvPr id="2" name="Slide Image Placeholder 1"/>
+          <p:cNvPr id="3" name="Slide Image Placeholder 2">
+            <a:extLst>
+              <a:ext uri="{FF2B5EF4-FFF2-40B4-BE49-F238E27FC236}">
+                <a16:creationId xmlns:a16="http://schemas.microsoft.com/office/drawing/2014/main" id="{CA0CB358-E817-4BA8-B363-9F32F2B971E6}"/>
+              </a:ext>
+            </a:extLst>
+          </p:cNvPr>
           <p:cNvSpPr>
             <a:spLocks noGrp="1" noRot="1" noChangeAspect="1"/>
           </p:cNvSpPr>
@@ -1270,7 +1275,13 @@
       </p:sp>
       <p:sp>
         <p:nvSpPr>
-          <p:cNvPr id="3" name="Notes Placeholder 2"/>
+          <p:cNvPr id="4" name="Notes Placeholder 3">
+            <a:extLst>
+              <a:ext uri="{FF2B5EF4-FFF2-40B4-BE49-F238E27FC236}">
+                <a16:creationId xmlns:a16="http://schemas.microsoft.com/office/drawing/2014/main" id="{DBD81087-56EB-4820-8297-9C30E2E9A36B}"/>
+              </a:ext>
+            </a:extLst>
+          </p:cNvPr>
           <p:cNvSpPr>
             <a:spLocks noGrp="1"/>
           </p:cNvSpPr>
@@ -1290,7 +1301,7 @@
     </p:spTree>
     <p:extLst>
       <p:ext uri="{BB962C8B-B14F-4D97-AF65-F5344CB8AC3E}">
-        <p14:creationId xmlns:p14="http://schemas.microsoft.com/office/powerpoint/2010/main" val="3042651296"/>
+        <p14:creationId xmlns:p14="http://schemas.microsoft.com/office/powerpoint/2010/main" val="202693424"/>
       </p:ext>
     </p:extLst>
   </p:cSld>
@@ -1319,13 +1330,7 @@
       </p:grpSpPr>
       <p:sp>
         <p:nvSpPr>
-          <p:cNvPr id="3" name="Slide Image Placeholder 2">
-            <a:extLst>
-              <a:ext uri="{FF2B5EF4-FFF2-40B4-BE49-F238E27FC236}">
-                <a16:creationId xmlns:a16="http://schemas.microsoft.com/office/drawing/2014/main" id="{CA0CB358-E817-4BA8-B363-9F32F2B971E6}"/>
-              </a:ext>
-            </a:extLst>
-          </p:cNvPr>
+          <p:cNvPr id="2" name="Slide Image Placeholder 1"/>
           <p:cNvSpPr>
             <a:spLocks noGrp="1" noRot="1" noChangeAspect="1"/>
           </p:cNvSpPr>
@@ -1342,13 +1347,7 @@
       </p:sp>
       <p:sp>
         <p:nvSpPr>
-          <p:cNvPr id="4" name="Notes Placeholder 3">
-            <a:extLst>
-              <a:ext uri="{FF2B5EF4-FFF2-40B4-BE49-F238E27FC236}">
-                <a16:creationId xmlns:a16="http://schemas.microsoft.com/office/drawing/2014/main" id="{DBD81087-56EB-4820-8297-9C30E2E9A36B}"/>
-              </a:ext>
-            </a:extLst>
-          </p:cNvPr>
+          <p:cNvPr id="3" name="Notes Placeholder 2"/>
           <p:cNvSpPr>
             <a:spLocks noGrp="1"/>
           </p:cNvSpPr>
@@ -1368,7 +1367,7 @@
     </p:spTree>
     <p:extLst>
       <p:ext uri="{BB962C8B-B14F-4D97-AF65-F5344CB8AC3E}">
-        <p14:creationId xmlns:p14="http://schemas.microsoft.com/office/powerpoint/2010/main" val="202693424"/>
+        <p14:creationId xmlns:p14="http://schemas.microsoft.com/office/powerpoint/2010/main" val="2889786211"/>
       </p:ext>
     </p:extLst>
   </p:cSld>
@@ -1397,7 +1396,13 @@
       </p:grpSpPr>
       <p:sp>
         <p:nvSpPr>
-          <p:cNvPr id="2" name="Slide Image Placeholder 1"/>
+          <p:cNvPr id="3" name="Slide Image Placeholder 2">
+            <a:extLst>
+              <a:ext uri="{FF2B5EF4-FFF2-40B4-BE49-F238E27FC236}">
+                <a16:creationId xmlns:a16="http://schemas.microsoft.com/office/drawing/2014/main" id="{34581DA5-FE3F-4C39-BF65-80BAA5A2B703}"/>
+              </a:ext>
+            </a:extLst>
+          </p:cNvPr>
           <p:cNvSpPr>
             <a:spLocks noGrp="1" noRot="1" noChangeAspect="1"/>
           </p:cNvSpPr>
@@ -1414,7 +1419,13 @@
       </p:sp>
       <p:sp>
         <p:nvSpPr>
-          <p:cNvPr id="3" name="Notes Placeholder 2"/>
+          <p:cNvPr id="4" name="Notes Placeholder 3">
+            <a:extLst>
+              <a:ext uri="{FF2B5EF4-FFF2-40B4-BE49-F238E27FC236}">
+                <a16:creationId xmlns:a16="http://schemas.microsoft.com/office/drawing/2014/main" id="{0A5A9961-0EAA-4983-A016-FD4D89BA8552}"/>
+              </a:ext>
+            </a:extLst>
+          </p:cNvPr>
           <p:cNvSpPr>
             <a:spLocks noGrp="1"/>
           </p:cNvSpPr>
@@ -1434,7 +1445,7 @@
     </p:spTree>
     <p:extLst>
       <p:ext uri="{BB962C8B-B14F-4D97-AF65-F5344CB8AC3E}">
-        <p14:creationId xmlns:p14="http://schemas.microsoft.com/office/powerpoint/2010/main" val="2889786211"/>
+        <p14:creationId xmlns:p14="http://schemas.microsoft.com/office/powerpoint/2010/main" val="1412218837"/>
       </p:ext>
     </p:extLst>
   </p:cSld>
@@ -1466,7 +1477,7 @@
           <p:cNvPr id="3" name="Slide Image Placeholder 2">
             <a:extLst>
               <a:ext uri="{FF2B5EF4-FFF2-40B4-BE49-F238E27FC236}">
-                <a16:creationId xmlns:a16="http://schemas.microsoft.com/office/drawing/2014/main" id="{34581DA5-FE3F-4C39-BF65-80BAA5A2B703}"/>
+                <a16:creationId xmlns:a16="http://schemas.microsoft.com/office/drawing/2014/main" id="{D0558E92-D4EA-459C-898F-1BBED0B32DD0}"/>
               </a:ext>
             </a:extLst>
           </p:cNvPr>
@@ -1489,7 +1500,7 @@
           <p:cNvPr id="4" name="Notes Placeholder 3">
             <a:extLst>
               <a:ext uri="{FF2B5EF4-FFF2-40B4-BE49-F238E27FC236}">
-                <a16:creationId xmlns:a16="http://schemas.microsoft.com/office/drawing/2014/main" id="{0A5A9961-0EAA-4983-A016-FD4D89BA8552}"/>
+                <a16:creationId xmlns:a16="http://schemas.microsoft.com/office/drawing/2014/main" id="{02A8D1AA-7882-4227-8735-D8645BD005F7}"/>
               </a:ext>
             </a:extLst>
           </p:cNvPr>
@@ -1512,7 +1523,7 @@
     </p:spTree>
     <p:extLst>
       <p:ext uri="{BB962C8B-B14F-4D97-AF65-F5344CB8AC3E}">
-        <p14:creationId xmlns:p14="http://schemas.microsoft.com/office/powerpoint/2010/main" val="1412218837"/>
+        <p14:creationId xmlns:p14="http://schemas.microsoft.com/office/powerpoint/2010/main" val="414667539"/>
       </p:ext>
     </p:extLst>
   </p:cSld>
@@ -1544,7 +1555,7 @@
           <p:cNvPr id="3" name="Slide Image Placeholder 2">
             <a:extLst>
               <a:ext uri="{FF2B5EF4-FFF2-40B4-BE49-F238E27FC236}">
-                <a16:creationId xmlns:a16="http://schemas.microsoft.com/office/drawing/2014/main" id="{D0558E92-D4EA-459C-898F-1BBED0B32DD0}"/>
+                <a16:creationId xmlns:a16="http://schemas.microsoft.com/office/drawing/2014/main" id="{702CCC33-C758-48EB-8014-16A5460070FF}"/>
               </a:ext>
             </a:extLst>
           </p:cNvPr>
@@ -1567,7 +1578,7 @@
           <p:cNvPr id="4" name="Notes Placeholder 3">
             <a:extLst>
               <a:ext uri="{FF2B5EF4-FFF2-40B4-BE49-F238E27FC236}">
-                <a16:creationId xmlns:a16="http://schemas.microsoft.com/office/drawing/2014/main" id="{02A8D1AA-7882-4227-8735-D8645BD005F7}"/>
+                <a16:creationId xmlns:a16="http://schemas.microsoft.com/office/drawing/2014/main" id="{147E3D84-4F81-476F-96AB-607ED2EBF6D5}"/>
               </a:ext>
             </a:extLst>
           </p:cNvPr>
@@ -1590,7 +1601,7 @@
     </p:spTree>
     <p:extLst>
       <p:ext uri="{BB962C8B-B14F-4D97-AF65-F5344CB8AC3E}">
-        <p14:creationId xmlns:p14="http://schemas.microsoft.com/office/powerpoint/2010/main" val="414667539"/>
+        <p14:creationId xmlns:p14="http://schemas.microsoft.com/office/powerpoint/2010/main" val="1921633061"/>
       </p:ext>
     </p:extLst>
   </p:cSld>
@@ -1622,7 +1633,7 @@
           <p:cNvPr id="3" name="Slide Image Placeholder 2">
             <a:extLst>
               <a:ext uri="{FF2B5EF4-FFF2-40B4-BE49-F238E27FC236}">
-                <a16:creationId xmlns:a16="http://schemas.microsoft.com/office/drawing/2014/main" id="{702CCC33-C758-48EB-8014-16A5460070FF}"/>
+                <a16:creationId xmlns:a16="http://schemas.microsoft.com/office/drawing/2014/main" id="{3A25A509-8557-4E2B-8E33-59C66F1308EB}"/>
               </a:ext>
             </a:extLst>
           </p:cNvPr>
@@ -1645,7 +1656,7 @@
           <p:cNvPr id="4" name="Notes Placeholder 3">
             <a:extLst>
               <a:ext uri="{FF2B5EF4-FFF2-40B4-BE49-F238E27FC236}">
-                <a16:creationId xmlns:a16="http://schemas.microsoft.com/office/drawing/2014/main" id="{147E3D84-4F81-476F-96AB-607ED2EBF6D5}"/>
+                <a16:creationId xmlns:a16="http://schemas.microsoft.com/office/drawing/2014/main" id="{B71E605E-E397-4577-A044-F57DD04FD43C}"/>
               </a:ext>
             </a:extLst>
           </p:cNvPr>
@@ -1668,7 +1679,7 @@
     </p:spTree>
     <p:extLst>
       <p:ext uri="{BB962C8B-B14F-4D97-AF65-F5344CB8AC3E}">
-        <p14:creationId xmlns:p14="http://schemas.microsoft.com/office/powerpoint/2010/main" val="1921633061"/>
+        <p14:creationId xmlns:p14="http://schemas.microsoft.com/office/powerpoint/2010/main" val="1002277975"/>
       </p:ext>
     </p:extLst>
   </p:cSld>
@@ -1700,7 +1711,7 @@
           <p:cNvPr id="3" name="Slide Image Placeholder 2">
             <a:extLst>
               <a:ext uri="{FF2B5EF4-FFF2-40B4-BE49-F238E27FC236}">
-                <a16:creationId xmlns:a16="http://schemas.microsoft.com/office/drawing/2014/main" id="{3A25A509-8557-4E2B-8E33-59C66F1308EB}"/>
+                <a16:creationId xmlns:a16="http://schemas.microsoft.com/office/drawing/2014/main" id="{956DB8D1-54A3-41F5-A9F9-0C180AA15974}"/>
               </a:ext>
             </a:extLst>
           </p:cNvPr>
@@ -1723,7 +1734,7 @@
           <p:cNvPr id="4" name="Notes Placeholder 3">
             <a:extLst>
               <a:ext uri="{FF2B5EF4-FFF2-40B4-BE49-F238E27FC236}">
-                <a16:creationId xmlns:a16="http://schemas.microsoft.com/office/drawing/2014/main" id="{B71E605E-E397-4577-A044-F57DD04FD43C}"/>
+                <a16:creationId xmlns:a16="http://schemas.microsoft.com/office/drawing/2014/main" id="{13EA8EF5-A63F-4790-97E4-19D64FE2CB1D}"/>
               </a:ext>
             </a:extLst>
           </p:cNvPr>
@@ -1746,7 +1757,7 @@
     </p:spTree>
     <p:extLst>
       <p:ext uri="{BB962C8B-B14F-4D97-AF65-F5344CB8AC3E}">
-        <p14:creationId xmlns:p14="http://schemas.microsoft.com/office/powerpoint/2010/main" val="1002277975"/>
+        <p14:creationId xmlns:p14="http://schemas.microsoft.com/office/powerpoint/2010/main" val="2010284506"/>
       </p:ext>
     </p:extLst>
   </p:cSld>
@@ -1775,13 +1786,7 @@
       </p:grpSpPr>
       <p:sp>
         <p:nvSpPr>
-          <p:cNvPr id="3" name="Slide Image Placeholder 2">
-            <a:extLst>
-              <a:ext uri="{FF2B5EF4-FFF2-40B4-BE49-F238E27FC236}">
-                <a16:creationId xmlns:a16="http://schemas.microsoft.com/office/drawing/2014/main" id="{956DB8D1-54A3-41F5-A9F9-0C180AA15974}"/>
-              </a:ext>
-            </a:extLst>
-          </p:cNvPr>
+          <p:cNvPr id="9" name="Slide Image Placeholder 8"/>
           <p:cNvSpPr>
             <a:spLocks noGrp="1" noRot="1" noChangeAspect="1"/>
           </p:cNvSpPr>
@@ -1798,13 +1803,7 @@
       </p:sp>
       <p:sp>
         <p:nvSpPr>
-          <p:cNvPr id="4" name="Notes Placeholder 3">
-            <a:extLst>
-              <a:ext uri="{FF2B5EF4-FFF2-40B4-BE49-F238E27FC236}">
-                <a16:creationId xmlns:a16="http://schemas.microsoft.com/office/drawing/2014/main" id="{13EA8EF5-A63F-4790-97E4-19D64FE2CB1D}"/>
-              </a:ext>
-            </a:extLst>
-          </p:cNvPr>
+          <p:cNvPr id="10" name="Notes Placeholder 9"/>
           <p:cNvSpPr>
             <a:spLocks noGrp="1"/>
           </p:cNvSpPr>
@@ -1824,7 +1823,7 @@
     </p:spTree>
     <p:extLst>
       <p:ext uri="{BB962C8B-B14F-4D97-AF65-F5344CB8AC3E}">
-        <p14:creationId xmlns:p14="http://schemas.microsoft.com/office/powerpoint/2010/main" val="2010284506"/>
+        <p14:creationId xmlns:p14="http://schemas.microsoft.com/office/powerpoint/2010/main" val="1386211990"/>
       </p:ext>
     </p:extLst>
   </p:cSld>
@@ -1853,7 +1852,7 @@
       </p:grpSpPr>
       <p:sp>
         <p:nvSpPr>
-          <p:cNvPr id="9" name="Slide Image Placeholder 8"/>
+          <p:cNvPr id="7" name="Slide Image Placeholder 6"/>
           <p:cNvSpPr>
             <a:spLocks noGrp="1" noRot="1" noChangeAspect="1"/>
           </p:cNvSpPr>
@@ -1870,7 +1869,7 @@
       </p:sp>
       <p:sp>
         <p:nvSpPr>
-          <p:cNvPr id="10" name="Notes Placeholder 9"/>
+          <p:cNvPr id="8" name="Notes Placeholder 7"/>
           <p:cNvSpPr>
             <a:spLocks noGrp="1"/>
           </p:cNvSpPr>
@@ -1890,7 +1889,7 @@
     </p:spTree>
     <p:extLst>
       <p:ext uri="{BB962C8B-B14F-4D97-AF65-F5344CB8AC3E}">
-        <p14:creationId xmlns:p14="http://schemas.microsoft.com/office/powerpoint/2010/main" val="1386211990"/>
+        <p14:creationId xmlns:p14="http://schemas.microsoft.com/office/powerpoint/2010/main" val="133437937"/>
       </p:ext>
     </p:extLst>
   </p:cSld>
@@ -1956,7 +1955,7 @@
     </p:spTree>
     <p:extLst>
       <p:ext uri="{BB962C8B-B14F-4D97-AF65-F5344CB8AC3E}">
-        <p14:creationId xmlns:p14="http://schemas.microsoft.com/office/powerpoint/2010/main" val="133437937"/>
+        <p14:creationId xmlns:p14="http://schemas.microsoft.com/office/powerpoint/2010/main" val="187619556"/>
       </p:ext>
     </p:extLst>
   </p:cSld>
@@ -2088,7 +2087,7 @@
     </p:spTree>
     <p:extLst>
       <p:ext uri="{BB962C8B-B14F-4D97-AF65-F5344CB8AC3E}">
-        <p14:creationId xmlns:p14="http://schemas.microsoft.com/office/powerpoint/2010/main" val="187619556"/>
+        <p14:creationId xmlns:p14="http://schemas.microsoft.com/office/powerpoint/2010/main" val="877553977"/>
       </p:ext>
     </p:extLst>
   </p:cSld>
@@ -2117,7 +2116,7 @@
       </p:grpSpPr>
       <p:sp>
         <p:nvSpPr>
-          <p:cNvPr id="7" name="Slide Image Placeholder 6"/>
+          <p:cNvPr id="2" name="Slide Image Placeholder 1"/>
           <p:cNvSpPr>
             <a:spLocks noGrp="1" noRot="1" noChangeAspect="1"/>
           </p:cNvSpPr>
@@ -2134,7 +2133,7 @@
       </p:sp>
       <p:sp>
         <p:nvSpPr>
-          <p:cNvPr id="8" name="Notes Placeholder 7"/>
+          <p:cNvPr id="3" name="Notes Placeholder 2"/>
           <p:cNvSpPr>
             <a:spLocks noGrp="1"/>
           </p:cNvSpPr>
@@ -2154,7 +2153,7 @@
     </p:spTree>
     <p:extLst>
       <p:ext uri="{BB962C8B-B14F-4D97-AF65-F5344CB8AC3E}">
-        <p14:creationId xmlns:p14="http://schemas.microsoft.com/office/powerpoint/2010/main" val="877553977"/>
+        <p14:creationId xmlns:p14="http://schemas.microsoft.com/office/powerpoint/2010/main" val="511580564"/>
       </p:ext>
     </p:extLst>
   </p:cSld>
@@ -2183,7 +2182,26 @@
       </p:grpSpPr>
       <p:sp>
         <p:nvSpPr>
-          <p:cNvPr id="2" name="Slide Image Placeholder 1"/>
+          <p:cNvPr id="3" name="Notes Placeholder 2"/>
+          <p:cNvSpPr>
+            <a:spLocks noGrp="1"/>
+          </p:cNvSpPr>
+          <p:nvPr>
+            <p:ph type="body" idx="1"/>
+          </p:nvPr>
+        </p:nvSpPr>
+        <p:spPr/>
+        <p:txBody>
+          <a:bodyPr/>
+          <a:lstStyle/>
+          <a:p>
+            <a:endParaRPr lang="en-US" dirty="0"/>
+          </a:p>
+        </p:txBody>
+      </p:sp>
+      <p:sp>
+        <p:nvSpPr>
+          <p:cNvPr id="6" name="Slide Image Placeholder 5"/>
           <p:cNvSpPr>
             <a:spLocks noGrp="1" noRot="1" noChangeAspect="1"/>
           </p:cNvSpPr>
@@ -2198,29 +2216,10 @@
           </a:xfrm>
         </p:spPr>
       </p:sp>
-      <p:sp>
-        <p:nvSpPr>
-          <p:cNvPr id="3" name="Notes Placeholder 2"/>
-          <p:cNvSpPr>
-            <a:spLocks noGrp="1"/>
-          </p:cNvSpPr>
-          <p:nvPr>
-            <p:ph type="body" idx="1"/>
-          </p:nvPr>
-        </p:nvSpPr>
-        <p:spPr/>
-        <p:txBody>
-          <a:bodyPr/>
-          <a:lstStyle/>
-          <a:p>
-            <a:endParaRPr lang="en-US" dirty="0"/>
-          </a:p>
-        </p:txBody>
-      </p:sp>
     </p:spTree>
     <p:extLst>
       <p:ext uri="{BB962C8B-B14F-4D97-AF65-F5344CB8AC3E}">
-        <p14:creationId xmlns:p14="http://schemas.microsoft.com/office/powerpoint/2010/main" val="511580564"/>
+        <p14:creationId xmlns:p14="http://schemas.microsoft.com/office/powerpoint/2010/main" val="4010551299"/>
       </p:ext>
     </p:extLst>
   </p:cSld>
@@ -2286,7 +2285,7 @@
     </p:spTree>
     <p:extLst>
       <p:ext uri="{BB962C8B-B14F-4D97-AF65-F5344CB8AC3E}">
-        <p14:creationId xmlns:p14="http://schemas.microsoft.com/office/powerpoint/2010/main" val="4010551299"/>
+        <p14:creationId xmlns:p14="http://schemas.microsoft.com/office/powerpoint/2010/main" val="3873803249"/>
       </p:ext>
     </p:extLst>
   </p:cSld>
@@ -2352,7 +2351,7 @@
     </p:spTree>
     <p:extLst>
       <p:ext uri="{BB962C8B-B14F-4D97-AF65-F5344CB8AC3E}">
-        <p14:creationId xmlns:p14="http://schemas.microsoft.com/office/powerpoint/2010/main" val="3873803249"/>
+        <p14:creationId xmlns:p14="http://schemas.microsoft.com/office/powerpoint/2010/main" val="1100579791"/>
       </p:ext>
     </p:extLst>
   </p:cSld>
@@ -2418,7 +2417,7 @@
     </p:spTree>
     <p:extLst>
       <p:ext uri="{BB962C8B-B14F-4D97-AF65-F5344CB8AC3E}">
-        <p14:creationId xmlns:p14="http://schemas.microsoft.com/office/powerpoint/2010/main" val="1100579791"/>
+        <p14:creationId xmlns:p14="http://schemas.microsoft.com/office/powerpoint/2010/main" val="3313023223"/>
       </p:ext>
     </p:extLst>
   </p:cSld>
@@ -2484,7 +2483,7 @@
     </p:spTree>
     <p:extLst>
       <p:ext uri="{BB962C8B-B14F-4D97-AF65-F5344CB8AC3E}">
-        <p14:creationId xmlns:p14="http://schemas.microsoft.com/office/powerpoint/2010/main" val="3313023223"/>
+        <p14:creationId xmlns:p14="http://schemas.microsoft.com/office/powerpoint/2010/main" val="228023788"/>
       </p:ext>
     </p:extLst>
   </p:cSld>
@@ -2550,7 +2549,7 @@
     </p:spTree>
     <p:extLst>
       <p:ext uri="{BB962C8B-B14F-4D97-AF65-F5344CB8AC3E}">
-        <p14:creationId xmlns:p14="http://schemas.microsoft.com/office/powerpoint/2010/main" val="228023788"/>
+        <p14:creationId xmlns:p14="http://schemas.microsoft.com/office/powerpoint/2010/main" val="544720769"/>
       </p:ext>
     </p:extLst>
   </p:cSld>
@@ -2616,7 +2615,7 @@
     </p:spTree>
     <p:extLst>
       <p:ext uri="{BB962C8B-B14F-4D97-AF65-F5344CB8AC3E}">
-        <p14:creationId xmlns:p14="http://schemas.microsoft.com/office/powerpoint/2010/main" val="544720769"/>
+        <p14:creationId xmlns:p14="http://schemas.microsoft.com/office/powerpoint/2010/main" val="2676305509"/>
       </p:ext>
     </p:extLst>
   </p:cSld>
@@ -2645,26 +2644,7 @@
       </p:grpSpPr>
       <p:sp>
         <p:nvSpPr>
-          <p:cNvPr id="3" name="Notes Placeholder 2"/>
-          <p:cNvSpPr>
-            <a:spLocks noGrp="1"/>
-          </p:cNvSpPr>
-          <p:nvPr>
-            <p:ph type="body" idx="1"/>
-          </p:nvPr>
-        </p:nvSpPr>
-        <p:spPr/>
-        <p:txBody>
-          <a:bodyPr/>
-          <a:lstStyle/>
-          <a:p>
-            <a:endParaRPr lang="en-US" dirty="0"/>
-          </a:p>
-        </p:txBody>
-      </p:sp>
-      <p:sp>
-        <p:nvSpPr>
-          <p:cNvPr id="6" name="Slide Image Placeholder 5"/>
+          <p:cNvPr id="7" name="Slide Image Placeholder 6"/>
           <p:cNvSpPr>
             <a:spLocks noGrp="1" noRot="1" noChangeAspect="1"/>
           </p:cNvSpPr>
@@ -2679,10 +2659,29 @@
           </a:xfrm>
         </p:spPr>
       </p:sp>
+      <p:sp>
+        <p:nvSpPr>
+          <p:cNvPr id="8" name="Notes Placeholder 7"/>
+          <p:cNvSpPr>
+            <a:spLocks noGrp="1"/>
+          </p:cNvSpPr>
+          <p:nvPr>
+            <p:ph type="body" idx="1"/>
+          </p:nvPr>
+        </p:nvSpPr>
+        <p:spPr/>
+        <p:txBody>
+          <a:bodyPr/>
+          <a:lstStyle/>
+          <a:p>
+            <a:endParaRPr lang="en-US" dirty="0"/>
+          </a:p>
+        </p:txBody>
+      </p:sp>
     </p:spTree>
     <p:extLst>
       <p:ext uri="{BB962C8B-B14F-4D97-AF65-F5344CB8AC3E}">
-        <p14:creationId xmlns:p14="http://schemas.microsoft.com/office/powerpoint/2010/main" val="2676305509"/>
+        <p14:creationId xmlns:p14="http://schemas.microsoft.com/office/powerpoint/2010/main" val="3419477128"/>
       </p:ext>
     </p:extLst>
   </p:cSld>
@@ -2749,72 +2748,6 @@
     <p:extLst>
       <p:ext uri="{BB962C8B-B14F-4D97-AF65-F5344CB8AC3E}">
         <p14:creationId xmlns:p14="http://schemas.microsoft.com/office/powerpoint/2010/main" val="406599443"/>
-      </p:ext>
-    </p:extLst>
-  </p:cSld>
-  <p:clrMapOvr>
-    <a:masterClrMapping/>
-  </p:clrMapOvr>
-</p:notes>
-</file>
-
-<file path=ppt/notesSlides/notesSlide30.xml><?xml version="1.0" encoding="utf-8"?>
-<p:notes xmlns:a="http://schemas.openxmlformats.org/drawingml/2006/main" xmlns:r="http://schemas.openxmlformats.org/officeDocument/2006/relationships" xmlns:p="http://schemas.openxmlformats.org/presentationml/2006/main">
-  <p:cSld>
-    <p:spTree>
-      <p:nvGrpSpPr>
-        <p:cNvPr id="1" name=""/>
-        <p:cNvGrpSpPr/>
-        <p:nvPr/>
-      </p:nvGrpSpPr>
-      <p:grpSpPr>
-        <a:xfrm>
-          <a:off x="0" y="0"/>
-          <a:ext cx="0" cy="0"/>
-          <a:chOff x="0" y="0"/>
-          <a:chExt cx="0" cy="0"/>
-        </a:xfrm>
-      </p:grpSpPr>
-      <p:sp>
-        <p:nvSpPr>
-          <p:cNvPr id="7" name="Slide Image Placeholder 6"/>
-          <p:cNvSpPr>
-            <a:spLocks noGrp="1" noRot="1" noChangeAspect="1"/>
-          </p:cNvSpPr>
-          <p:nvPr>
-            <p:ph type="sldImg"/>
-          </p:nvPr>
-        </p:nvSpPr>
-        <p:spPr>
-          <a:xfrm>
-            <a:off x="1189038" y="701675"/>
-            <a:ext cx="4676775" cy="3508375"/>
-          </a:xfrm>
-        </p:spPr>
-      </p:sp>
-      <p:sp>
-        <p:nvSpPr>
-          <p:cNvPr id="8" name="Notes Placeholder 7"/>
-          <p:cNvSpPr>
-            <a:spLocks noGrp="1"/>
-          </p:cNvSpPr>
-          <p:nvPr>
-            <p:ph type="body" idx="1"/>
-          </p:nvPr>
-        </p:nvSpPr>
-        <p:spPr/>
-        <p:txBody>
-          <a:bodyPr/>
-          <a:lstStyle/>
-          <a:p>
-            <a:endParaRPr lang="en-US" dirty="0"/>
-          </a:p>
-        </p:txBody>
-      </p:sp>
-    </p:spTree>
-    <p:extLst>
-      <p:ext uri="{BB962C8B-B14F-4D97-AF65-F5344CB8AC3E}">
-        <p14:creationId xmlns:p14="http://schemas.microsoft.com/office/powerpoint/2010/main" val="3419477128"/>
       </p:ext>
     </p:extLst>
   </p:cSld>
@@ -3107,26 +3040,7 @@
       </p:grpSpPr>
       <p:sp>
         <p:nvSpPr>
-          <p:cNvPr id="3" name="Notes Placeholder 2"/>
-          <p:cNvSpPr>
-            <a:spLocks noGrp="1"/>
-          </p:cNvSpPr>
-          <p:nvPr>
-            <p:ph type="body" idx="1"/>
-          </p:nvPr>
-        </p:nvSpPr>
-        <p:spPr/>
-        <p:txBody>
-          <a:bodyPr/>
-          <a:lstStyle/>
-          <a:p>
-            <a:endParaRPr lang="en-US" dirty="0"/>
-          </a:p>
-        </p:txBody>
-      </p:sp>
-      <p:sp>
-        <p:nvSpPr>
-          <p:cNvPr id="6" name="Slide Image Placeholder 5"/>
+          <p:cNvPr id="9" name="Slide Image Placeholder 8"/>
           <p:cNvSpPr>
             <a:spLocks noGrp="1" noRot="1" noChangeAspect="1"/>
           </p:cNvSpPr>
@@ -3141,10 +3055,29 @@
           </a:xfrm>
         </p:spPr>
       </p:sp>
+      <p:sp>
+        <p:nvSpPr>
+          <p:cNvPr id="10" name="Notes Placeholder 9"/>
+          <p:cNvSpPr>
+            <a:spLocks noGrp="1"/>
+          </p:cNvSpPr>
+          <p:nvPr>
+            <p:ph type="body" idx="1"/>
+          </p:nvPr>
+        </p:nvSpPr>
+        <p:spPr/>
+        <p:txBody>
+          <a:bodyPr/>
+          <a:lstStyle/>
+          <a:p>
+            <a:endParaRPr lang="en-US" dirty="0"/>
+          </a:p>
+        </p:txBody>
+      </p:sp>
     </p:spTree>
     <p:extLst>
       <p:ext uri="{BB962C8B-B14F-4D97-AF65-F5344CB8AC3E}">
-        <p14:creationId xmlns:p14="http://schemas.microsoft.com/office/powerpoint/2010/main" val="3380937891"/>
+        <p14:creationId xmlns:p14="http://schemas.microsoft.com/office/powerpoint/2010/main" val="1804552235"/>
       </p:ext>
     </p:extLst>
   </p:cSld>
@@ -3173,7 +3106,7 @@
       </p:grpSpPr>
       <p:sp>
         <p:nvSpPr>
-          <p:cNvPr id="9" name="Slide Image Placeholder 8"/>
+          <p:cNvPr id="2" name="Slide Image Placeholder 1"/>
           <p:cNvSpPr>
             <a:spLocks noGrp="1" noRot="1" noChangeAspect="1"/>
           </p:cNvSpPr>
@@ -3190,7 +3123,7 @@
       </p:sp>
       <p:sp>
         <p:nvSpPr>
-          <p:cNvPr id="10" name="Notes Placeholder 9"/>
+          <p:cNvPr id="3" name="Notes Placeholder 2"/>
           <p:cNvSpPr>
             <a:spLocks noGrp="1"/>
           </p:cNvSpPr>
@@ -3210,7 +3143,7 @@
     </p:spTree>
     <p:extLst>
       <p:ext uri="{BB962C8B-B14F-4D97-AF65-F5344CB8AC3E}">
-        <p14:creationId xmlns:p14="http://schemas.microsoft.com/office/powerpoint/2010/main" val="1804552235"/>
+        <p14:creationId xmlns:p14="http://schemas.microsoft.com/office/powerpoint/2010/main" val="3042651296"/>
       </p:ext>
     </p:extLst>
   </p:cSld>
@@ -8340,111 +8273,6 @@
       </p:grpSpPr>
       <p:sp>
         <p:nvSpPr>
-          <p:cNvPr id="2" name="Content Placeholder 1"/>
-          <p:cNvSpPr>
-            <a:spLocks noGrp="1"/>
-          </p:cNvSpPr>
-          <p:nvPr>
-            <p:ph idx="1"/>
-          </p:nvPr>
-        </p:nvSpPr>
-        <p:spPr/>
-        <p:txBody>
-          <a:bodyPr/>
-          <a:lstStyle/>
-          <a:p>
-            <a:r>
-              <a:rPr lang="en-US" dirty="0">
-                <a:hlinkClick r:id="rId3"/>
-              </a:rPr>
-              <a:t>Apache Spark</a:t>
-            </a:r>
-            <a:r>
-              <a:rPr lang="en-US" dirty="0"/>
-              <a:t> provides high-level APIs in Java, Scala, Python, and R and has an optimized engine that supports general execution graphs </a:t>
-            </a:r>
-          </a:p>
-          <a:p>
-            <a:r>
-              <a:rPr lang="en-US" dirty="0"/>
-              <a:t>Two important use cases for Apache Spark are data processing and AI</a:t>
-            </a:r>
-          </a:p>
-          <a:p>
-            <a:r>
-              <a:rPr lang="en-US" dirty="0"/>
-              <a:t>Spark unifies data processing and AI by providing a powerful in-memory execution engine</a:t>
-            </a:r>
-          </a:p>
-          <a:p>
-            <a:r>
-              <a:rPr lang="en-US" dirty="0"/>
-              <a:t>It also offers popular AI frameworks and libraries such as TensorFlow, R, and SciKit-Learn</a:t>
-            </a:r>
-          </a:p>
-        </p:txBody>
-      </p:sp>
-      <p:sp>
-        <p:nvSpPr>
-          <p:cNvPr id="3" name="Title 2"/>
-          <p:cNvSpPr>
-            <a:spLocks noGrp="1"/>
-          </p:cNvSpPr>
-          <p:nvPr>
-            <p:ph type="title"/>
-          </p:nvPr>
-        </p:nvSpPr>
-        <p:spPr/>
-        <p:txBody>
-          <a:bodyPr/>
-          <a:lstStyle/>
-          <a:p>
-            <a:r>
-              <a:rPr lang="en-US" dirty="0"/>
-              <a:t>Introduction to Apache Spark</a:t>
-            </a:r>
-            <a:br>
-              <a:rPr lang="en-US" dirty="0"/>
-            </a:br>
-            <a:r>
-              <a:rPr lang="en-US" dirty="0"/>
-              <a:t>(continued)</a:t>
-            </a:r>
-          </a:p>
-        </p:txBody>
-      </p:sp>
-    </p:spTree>
-    <p:extLst>
-      <p:ext uri="{BB962C8B-B14F-4D97-AF65-F5344CB8AC3E}">
-        <p14:creationId xmlns:p14="http://schemas.microsoft.com/office/powerpoint/2010/main" val="163825996"/>
-      </p:ext>
-    </p:extLst>
-  </p:cSld>
-  <p:clrMapOvr>
-    <a:masterClrMapping/>
-  </p:clrMapOvr>
-</p:sld>
-</file>
-
-<file path=ppt/slides/slide11.xml><?xml version="1.0" encoding="utf-8"?>
-<p:sld xmlns:a="http://schemas.openxmlformats.org/drawingml/2006/main" xmlns:r="http://schemas.openxmlformats.org/officeDocument/2006/relationships" xmlns:p="http://schemas.openxmlformats.org/presentationml/2006/main">
-  <p:cSld>
-    <p:spTree>
-      <p:nvGrpSpPr>
-        <p:cNvPr id="1" name=""/>
-        <p:cNvGrpSpPr/>
-        <p:nvPr/>
-      </p:nvGrpSpPr>
-      <p:grpSpPr>
-        <a:xfrm>
-          <a:off x="0" y="0"/>
-          <a:ext cx="0" cy="0"/>
-          <a:chOff x="0" y="0"/>
-          <a:chExt cx="0" cy="0"/>
-        </a:xfrm>
-      </p:grpSpPr>
-      <p:sp>
-        <p:nvSpPr>
           <p:cNvPr id="5" name="Content Placeholder 4">
             <a:extLst>
               <a:ext uri="{FF2B5EF4-FFF2-40B4-BE49-F238E27FC236}">
@@ -8537,7 +8365,7 @@
 </p:sld>
 </file>
 
-<file path=ppt/slides/slide12.xml><?xml version="1.0" encoding="utf-8"?>
+<file path=ppt/slides/slide11.xml><?xml version="1.0" encoding="utf-8"?>
 <p:sld xmlns:a="http://schemas.openxmlformats.org/drawingml/2006/main" xmlns:r="http://schemas.openxmlformats.org/officeDocument/2006/relationships" xmlns:p="http://schemas.openxmlformats.org/presentationml/2006/main">
   <p:cSld>
     <p:spTree>
@@ -8626,7 +8454,7 @@
 </p:sld>
 </file>
 
-<file path=ppt/slides/slide13.xml><?xml version="1.0" encoding="utf-8"?>
+<file path=ppt/slides/slide12.xml><?xml version="1.0" encoding="utf-8"?>
 <p:sld xmlns:a="http://schemas.openxmlformats.org/drawingml/2006/main" xmlns:r="http://schemas.openxmlformats.org/officeDocument/2006/relationships" xmlns:p="http://schemas.openxmlformats.org/presentationml/2006/main">
   <p:cSld>
     <p:spTree>
@@ -8715,7 +8543,7 @@
 </p:sld>
 </file>
 
-<file path=ppt/slides/slide14.xml><?xml version="1.0" encoding="utf-8"?>
+<file path=ppt/slides/slide13.xml><?xml version="1.0" encoding="utf-8"?>
 <p:sld xmlns:a="http://schemas.openxmlformats.org/drawingml/2006/main" xmlns:r="http://schemas.openxmlformats.org/officeDocument/2006/relationships" xmlns:p="http://schemas.openxmlformats.org/presentationml/2006/main">
   <p:cSld>
     <p:spTree>
@@ -8964,7 +8792,7 @@
 </p:sld>
 </file>
 
-<file path=ppt/slides/slide15.xml><?xml version="1.0" encoding="utf-8"?>
+<file path=ppt/slides/slide14.xml><?xml version="1.0" encoding="utf-8"?>
 <p:sld xmlns:a="http://schemas.openxmlformats.org/drawingml/2006/main" xmlns:r="http://schemas.openxmlformats.org/officeDocument/2006/relationships" xmlns:p="http://schemas.openxmlformats.org/presentationml/2006/main">
   <p:cSld>
     <p:spTree>
@@ -9203,7 +9031,7 @@
 </p:sld>
 </file>
 
-<file path=ppt/slides/slide16.xml><?xml version="1.0" encoding="utf-8"?>
+<file path=ppt/slides/slide15.xml><?xml version="1.0" encoding="utf-8"?>
 <p:sld xmlns:a="http://schemas.openxmlformats.org/drawingml/2006/main" xmlns:r="http://schemas.openxmlformats.org/officeDocument/2006/relationships" xmlns:p="http://schemas.openxmlformats.org/presentationml/2006/main">
   <p:cSld>
     <p:spTree>
@@ -9456,7 +9284,7 @@
 </p:sld>
 </file>
 
-<file path=ppt/slides/slide17.xml><?xml version="1.0" encoding="utf-8"?>
+<file path=ppt/slides/slide16.xml><?xml version="1.0" encoding="utf-8"?>
 <p:sld xmlns:a="http://schemas.openxmlformats.org/drawingml/2006/main" xmlns:r="http://schemas.openxmlformats.org/officeDocument/2006/relationships" xmlns:p="http://schemas.openxmlformats.org/presentationml/2006/main">
   <p:cSld>
     <p:spTree>
@@ -9731,6 +9559,243 @@
 </p:sld>
 </file>
 
+<file path=ppt/slides/slide17.xml><?xml version="1.0" encoding="utf-8"?>
+<p:sld xmlns:a="http://schemas.openxmlformats.org/drawingml/2006/main" xmlns:r="http://schemas.openxmlformats.org/officeDocument/2006/relationships" xmlns:p="http://schemas.openxmlformats.org/presentationml/2006/main">
+  <p:cSld>
+    <p:spTree>
+      <p:nvGrpSpPr>
+        <p:cNvPr id="1" name=""/>
+        <p:cNvGrpSpPr/>
+        <p:nvPr/>
+      </p:nvGrpSpPr>
+      <p:grpSpPr>
+        <a:xfrm>
+          <a:off x="0" y="0"/>
+          <a:ext cx="0" cy="0"/>
+          <a:chOff x="0" y="0"/>
+          <a:chExt cx="0" cy="0"/>
+        </a:xfrm>
+      </p:grpSpPr>
+      <p:sp>
+        <p:nvSpPr>
+          <p:cNvPr id="17" name="Content Placeholder 4"/>
+          <p:cNvSpPr>
+            <a:spLocks noGrp="1"/>
+          </p:cNvSpPr>
+          <p:nvPr>
+            <p:ph idx="1"/>
+          </p:nvPr>
+        </p:nvSpPr>
+        <p:spPr/>
+        <p:txBody>
+          <a:bodyPr/>
+          <a:lstStyle/>
+          <a:p>
+            <a:r>
+              <a:rPr lang="en-US" dirty="0"/>
+              <a:t>Spark executes </a:t>
+            </a:r>
+            <a:r>
+              <a:rPr lang="en-US" i="1" dirty="0">
+                <a:latin typeface="Century Schoolbook" panose="02040604050505020304" pitchFamily="18" charset="0"/>
+              </a:rPr>
+              <a:t>applications</a:t>
+            </a:r>
+          </a:p>
+          <a:p>
+            <a:pPr lvl="1"/>
+            <a:r>
+              <a:rPr lang="en-US" dirty="0"/>
+              <a:t>Either in local, stand-alone mode, or as a cluster</a:t>
+            </a:r>
+          </a:p>
+          <a:p>
+            <a:r>
+              <a:rPr lang="en-US" dirty="0"/>
+              <a:t>Spark applications have one </a:t>
+            </a:r>
+            <a:r>
+              <a:rPr lang="en-US" i="1" dirty="0">
+                <a:latin typeface="Century Schoolbook" panose="02040604050505020304" pitchFamily="18" charset="0"/>
+              </a:rPr>
+              <a:t>driver</a:t>
+            </a:r>
+            <a:r>
+              <a:rPr lang="en-US" dirty="0"/>
+              <a:t> and one or more </a:t>
+            </a:r>
+            <a:r>
+              <a:rPr lang="en-US" i="1" dirty="0">
+                <a:latin typeface="Century Schoolbook" panose="02040604050505020304" pitchFamily="18" charset="0"/>
+              </a:rPr>
+              <a:t>executors</a:t>
+            </a:r>
+          </a:p>
+          <a:p>
+            <a:pPr lvl="1"/>
+            <a:r>
+              <a:rPr lang="en-US" dirty="0"/>
+              <a:t>Drivers and executors run as Java processes </a:t>
+            </a:r>
+          </a:p>
+          <a:p>
+            <a:pPr lvl="1"/>
+            <a:r>
+              <a:rPr lang="en-US" dirty="0"/>
+              <a:t>Drivers assign </a:t>
+            </a:r>
+            <a:r>
+              <a:rPr lang="en-US" i="1" dirty="0">
+                <a:latin typeface="Century Schoolbook" panose="02040604050505020304" pitchFamily="18" charset="0"/>
+              </a:rPr>
+              <a:t>tasks</a:t>
+            </a:r>
+            <a:r>
+              <a:rPr lang="en-US" dirty="0"/>
+              <a:t> to the executors</a:t>
+            </a:r>
+          </a:p>
+          <a:p>
+            <a:pPr lvl="1"/>
+            <a:r>
+              <a:rPr lang="en-US" dirty="0"/>
+              <a:t>Executors run tasks on </a:t>
+            </a:r>
+            <a:r>
+              <a:rPr lang="en-US" i="1" dirty="0">
+                <a:latin typeface="Century Schoolbook" panose="02040604050505020304" pitchFamily="18" charset="0"/>
+              </a:rPr>
+              <a:t>Resilient</a:t>
+            </a:r>
+            <a:r>
+              <a:rPr lang="en-US" dirty="0"/>
+              <a:t> </a:t>
+            </a:r>
+            <a:r>
+              <a:rPr lang="en-US" i="1" dirty="0">
+                <a:latin typeface="Century Schoolbook" panose="02040604050505020304" pitchFamily="18" charset="0"/>
+              </a:rPr>
+              <a:t>Distributed</a:t>
+            </a:r>
+            <a:r>
+              <a:rPr lang="en-US" dirty="0"/>
+              <a:t> </a:t>
+            </a:r>
+            <a:r>
+              <a:rPr lang="en-US" i="1" dirty="0">
+                <a:latin typeface="Century Schoolbook" panose="02040604050505020304" pitchFamily="18" charset="0"/>
+              </a:rPr>
+              <a:t>Datasets</a:t>
+            </a:r>
+            <a:r>
+              <a:rPr lang="en-US" dirty="0"/>
+              <a:t> (RDDs)</a:t>
+            </a:r>
+          </a:p>
+          <a:p>
+            <a:pPr lvl="1"/>
+            <a:r>
+              <a:rPr lang="en-US" dirty="0"/>
+              <a:t>Executors send results to the driver</a:t>
+            </a:r>
+          </a:p>
+          <a:p>
+            <a:r>
+              <a:rPr lang="en-US" dirty="0"/>
+              <a:t>Drivers include:</a:t>
+            </a:r>
+          </a:p>
+          <a:p>
+            <a:pPr lvl="1"/>
+            <a:r>
+              <a:rPr lang="en-US" dirty="0"/>
+              <a:t>Spark Shell </a:t>
+            </a:r>
+          </a:p>
+          <a:p>
+            <a:pPr lvl="2"/>
+            <a:r>
+              <a:rPr lang="en-US" dirty="0"/>
+              <a:t>PySpark—the Python shell</a:t>
+            </a:r>
+          </a:p>
+          <a:p>
+            <a:pPr lvl="2"/>
+            <a:r>
+              <a:rPr lang="en-US" dirty="0"/>
+              <a:t>Spark Shell—the Scala shell</a:t>
+            </a:r>
+          </a:p>
+          <a:p>
+            <a:pPr lvl="1"/>
+            <a:r>
+              <a:rPr lang="en-US" dirty="0"/>
+              <a:t>Custom program</a:t>
+            </a:r>
+          </a:p>
+          <a:p>
+            <a:pPr lvl="2"/>
+            <a:r>
+              <a:rPr lang="en-US" dirty="0"/>
+              <a:t>Written in Python, Java, or Scala</a:t>
+            </a:r>
+          </a:p>
+          <a:p>
+            <a:pPr lvl="1"/>
+            <a:endParaRPr lang="en-US" dirty="0"/>
+          </a:p>
+          <a:p>
+            <a:pPr lvl="1"/>
+            <a:endParaRPr lang="en-US" dirty="0"/>
+          </a:p>
+          <a:p>
+            <a:endParaRPr lang="en-US" dirty="0"/>
+          </a:p>
+          <a:p>
+            <a:pPr lvl="1"/>
+            <a:endParaRPr lang="en-US" dirty="0"/>
+          </a:p>
+          <a:p>
+            <a:pPr lvl="1"/>
+            <a:endParaRPr lang="en-US" dirty="0"/>
+          </a:p>
+        </p:txBody>
+      </p:sp>
+      <p:sp>
+        <p:nvSpPr>
+          <p:cNvPr id="4" name="Title 3"/>
+          <p:cNvSpPr>
+            <a:spLocks noGrp="1"/>
+          </p:cNvSpPr>
+          <p:nvPr>
+            <p:ph type="title"/>
+          </p:nvPr>
+        </p:nvSpPr>
+        <p:spPr/>
+        <p:txBody>
+          <a:bodyPr/>
+          <a:lstStyle/>
+          <a:p>
+            <a:r>
+              <a:rPr lang="en-US" dirty="0"/>
+              <a:t>Spark Application Top-Down View</a:t>
+            </a:r>
+          </a:p>
+        </p:txBody>
+      </p:sp>
+    </p:spTree>
+    <p:extLst>
+      <p:ext uri="{BB962C8B-B14F-4D97-AF65-F5344CB8AC3E}">
+        <p14:creationId xmlns:p14="http://schemas.microsoft.com/office/powerpoint/2010/main" val="2029248171"/>
+      </p:ext>
+    </p:extLst>
+  </p:cSld>
+  <p:clrMapOvr>
+    <a:masterClrMapping/>
+  </p:clrMapOvr>
+</p:sld>
+</file>
+
 <file path=ppt/slides/slide18.xml><?xml version="1.0" encoding="utf-8"?>
 <p:sld xmlns:a="http://schemas.openxmlformats.org/drawingml/2006/main" xmlns:r="http://schemas.openxmlformats.org/officeDocument/2006/relationships" xmlns:p="http://schemas.openxmlformats.org/presentationml/2006/main">
   <p:cSld>
@@ -9750,12 +9815,12 @@
       </p:grpSpPr>
       <p:sp>
         <p:nvSpPr>
-          <p:cNvPr id="17" name="Content Placeholder 4"/>
+          <p:cNvPr id="4" name="Title 3"/>
           <p:cNvSpPr>
             <a:spLocks noGrp="1"/>
           </p:cNvSpPr>
           <p:nvPr>
-            <p:ph idx="1"/>
+            <p:ph type="title"/>
           </p:nvPr>
         </p:nvSpPr>
         <p:spPr/>
@@ -9765,152 +9830,156 @@
           <a:p>
             <a:r>
               <a:rPr lang="en-US" dirty="0"/>
-              <a:t>Spark executes </a:t>
+              <a:t>Resilient Distributed Datasets (RDDs)</a:t>
+            </a:r>
+          </a:p>
+        </p:txBody>
+      </p:sp>
+      <p:sp>
+        <p:nvSpPr>
+          <p:cNvPr id="17" name="Content Placeholder 4"/>
+          <p:cNvSpPr>
+            <a:spLocks noGrp="1"/>
+          </p:cNvSpPr>
+          <p:nvPr>
+            <p:ph idx="1"/>
+          </p:nvPr>
+        </p:nvSpPr>
+        <p:spPr/>
+        <p:txBody>
+          <a:bodyPr>
+            <a:normAutofit/>
+          </a:bodyPr>
+          <a:lstStyle/>
+          <a:p>
+            <a:r>
+              <a:rPr lang="en-US" dirty="0"/>
+              <a:t>RDDs represent the core data construct of Spark</a:t>
+            </a:r>
+          </a:p>
+          <a:p>
+            <a:pPr lvl="1"/>
+            <a:r>
+              <a:rPr lang="en-US" dirty="0"/>
+              <a:t>RDDs are immutable</a:t>
+            </a:r>
+          </a:p>
+          <a:p>
+            <a:pPr lvl="1"/>
+            <a:r>
+              <a:rPr lang="en-US" dirty="0"/>
+              <a:t>RDDs are fault tolerant (resilient) </a:t>
+            </a:r>
+          </a:p>
+          <a:p>
+            <a:pPr lvl="2"/>
+            <a:r>
+              <a:rPr lang="en-US" dirty="0"/>
+              <a:t>When nodes or tasks fail, RDDs are reconstructed on other nodes</a:t>
+            </a:r>
+          </a:p>
+          <a:p>
+            <a:pPr lvl="1"/>
+            <a:r>
+              <a:rPr lang="en-US" dirty="0"/>
+              <a:t>RDDs are split into </a:t>
             </a:r>
             <a:r>
               <a:rPr lang="en-US" i="1" dirty="0">
                 <a:latin typeface="Century Schoolbook" panose="02040604050505020304" pitchFamily="18" charset="0"/>
               </a:rPr>
-              <a:t>applications</a:t>
+              <a:t>partitions</a:t>
+            </a:r>
+            <a:r>
+              <a:rPr lang="en-US" dirty="0"/>
+              <a:t> and can be distributed to any executor</a:t>
             </a:r>
           </a:p>
           <a:p>
             <a:pPr lvl="1"/>
             <a:r>
               <a:rPr lang="en-US" dirty="0"/>
-              <a:t>Either in local, stand-alone mode, or as a cluster</a:t>
-            </a:r>
-          </a:p>
-          <a:p>
-            <a:r>
-              <a:rPr lang="en-US" dirty="0"/>
-              <a:t>Spark applications have one </a:t>
-            </a:r>
-            <a:r>
-              <a:rPr lang="en-US" i="1" dirty="0">
-                <a:latin typeface="Century Schoolbook" panose="02040604050505020304" pitchFamily="18" charset="0"/>
-              </a:rPr>
-              <a:t>driver</a:t>
-            </a:r>
-            <a:r>
-              <a:rPr lang="en-US" dirty="0"/>
-              <a:t> and one or more </a:t>
-            </a:r>
-            <a:r>
-              <a:rPr lang="en-US" i="1" dirty="0">
-                <a:latin typeface="Century Schoolbook" panose="02040604050505020304" pitchFamily="18" charset="0"/>
-              </a:rPr>
-              <a:t>executors</a:t>
+              <a:t>RDDs can contain any kind of data</a:t>
+            </a:r>
+          </a:p>
+          <a:p>
+            <a:pPr lvl="2"/>
+            <a:r>
+              <a:rPr lang="en-US" dirty="0"/>
+              <a:t>Prefer data that can be partitioned</a:t>
+            </a:r>
+          </a:p>
+          <a:p>
+            <a:r>
+              <a:rPr lang="en-US" dirty="0"/>
+              <a:t>RDDs are objects that support two categories of operations</a:t>
             </a:r>
           </a:p>
           <a:p>
             <a:pPr lvl="1"/>
             <a:r>
               <a:rPr lang="en-US" dirty="0"/>
-              <a:t>Drivers and executors run as Java processes </a:t>
+              <a:t>Transformations</a:t>
+            </a:r>
+          </a:p>
+          <a:p>
+            <a:pPr lvl="2"/>
+            <a:r>
+              <a:rPr lang="en-US" dirty="0"/>
+              <a:t>Create new RDDs from existing RDDs</a:t>
+            </a:r>
+          </a:p>
+          <a:p>
+            <a:pPr lvl="2"/>
+            <a:r>
+              <a:rPr lang="en-US" dirty="0"/>
+              <a:t>Always return RDDs</a:t>
+            </a:r>
+          </a:p>
+          <a:p>
+            <a:pPr lvl="2"/>
+            <a:r>
+              <a:rPr lang="en-US" dirty="0"/>
+              <a:t>Lazily evaluated</a:t>
             </a:r>
           </a:p>
           <a:p>
             <a:pPr lvl="1"/>
             <a:r>
               <a:rPr lang="en-US" dirty="0"/>
-              <a:t>Drivers assign </a:t>
-            </a:r>
-            <a:r>
-              <a:rPr lang="en-US" i="1" dirty="0">
-                <a:latin typeface="Century Schoolbook" panose="02040604050505020304" pitchFamily="18" charset="0"/>
-              </a:rPr>
-              <a:t>tasks</a:t>
-            </a:r>
-            <a:r>
-              <a:rPr lang="en-US" dirty="0"/>
-              <a:t> to the executors</a:t>
-            </a:r>
-          </a:p>
-          <a:p>
-            <a:pPr lvl="1"/>
-            <a:r>
-              <a:rPr lang="en-US" dirty="0"/>
-              <a:t>Executors run tasks on </a:t>
-            </a:r>
-            <a:r>
-              <a:rPr lang="en-US" i="1" dirty="0">
-                <a:latin typeface="Century Schoolbook" panose="02040604050505020304" pitchFamily="18" charset="0"/>
-              </a:rPr>
-              <a:t>Resilient</a:t>
-            </a:r>
-            <a:r>
-              <a:rPr lang="en-US" dirty="0"/>
-              <a:t> </a:t>
-            </a:r>
-            <a:r>
-              <a:rPr lang="en-US" i="1" dirty="0">
-                <a:latin typeface="Century Schoolbook" panose="02040604050505020304" pitchFamily="18" charset="0"/>
-              </a:rPr>
-              <a:t>Distributed</a:t>
-            </a:r>
-            <a:r>
-              <a:rPr lang="en-US" dirty="0"/>
-              <a:t> </a:t>
-            </a:r>
-            <a:r>
-              <a:rPr lang="en-US" i="1" dirty="0">
-                <a:latin typeface="Century Schoolbook" panose="02040604050505020304" pitchFamily="18" charset="0"/>
-              </a:rPr>
-              <a:t>Datasets</a:t>
-            </a:r>
-            <a:r>
-              <a:rPr lang="en-US" dirty="0"/>
-              <a:t> (RDDs)</a:t>
-            </a:r>
-          </a:p>
-          <a:p>
-            <a:pPr lvl="1"/>
-            <a:r>
-              <a:rPr lang="en-US" dirty="0"/>
-              <a:t>Executors send results to the driver</a:t>
-            </a:r>
-          </a:p>
-          <a:p>
-            <a:r>
-              <a:rPr lang="en-US" dirty="0"/>
-              <a:t>Drivers include:</a:t>
-            </a:r>
-          </a:p>
-          <a:p>
-            <a:pPr lvl="1"/>
-            <a:r>
-              <a:rPr lang="en-US" dirty="0"/>
-              <a:t>Spark Shell </a:t>
+              <a:t>Actions</a:t>
             </a:r>
           </a:p>
           <a:p>
             <a:pPr lvl="2"/>
             <a:r>
               <a:rPr lang="en-US" dirty="0"/>
-              <a:t>PySpark—the Python shell</a:t>
+              <a:t>Start computations</a:t>
             </a:r>
           </a:p>
           <a:p>
             <a:pPr lvl="2"/>
             <a:r>
               <a:rPr lang="en-US" dirty="0"/>
-              <a:t>Spark Shell—the Scala shell</a:t>
-            </a:r>
-          </a:p>
-          <a:p>
-            <a:pPr lvl="1"/>
-            <a:r>
-              <a:rPr lang="en-US" dirty="0"/>
-              <a:t>Custom program</a:t>
+              <a:t>Return results to the driver</a:t>
             </a:r>
           </a:p>
           <a:p>
             <a:pPr lvl="2"/>
             <a:r>
               <a:rPr lang="en-US" dirty="0"/>
-              <a:t>Written in Python, Java, or Scala</a:t>
-            </a:r>
+              <a:t>Save results to disk</a:t>
+            </a:r>
+          </a:p>
+          <a:p>
+            <a:pPr lvl="2"/>
+            <a:r>
+              <a:rPr lang="en-US" dirty="0"/>
+              <a:t>Never return RDDs</a:t>
+            </a:r>
+          </a:p>
+          <a:p>
+            <a:endParaRPr lang="en-US" dirty="0"/>
           </a:p>
           <a:p>
             <a:pPr lvl="1"/>
@@ -9918,7 +9987,11 @@
           </a:p>
           <a:p>
             <a:pPr lvl="1"/>
-            <a:endParaRPr lang="en-US" dirty="0"/>
+            <a:endParaRPr lang="en-US" dirty="0">
+              <a:solidFill>
+                <a:srgbClr val="FF0000"/>
+              </a:solidFill>
+            </a:endParaRPr>
           </a:p>
           <a:p>
             <a:endParaRPr lang="en-US" dirty="0"/>
@@ -9930,35 +10003,13 @@
           <a:p>
             <a:pPr lvl="1"/>
             <a:endParaRPr lang="en-US" dirty="0"/>
-          </a:p>
-        </p:txBody>
-      </p:sp>
-      <p:sp>
-        <p:nvSpPr>
-          <p:cNvPr id="4" name="Title 3"/>
-          <p:cNvSpPr>
-            <a:spLocks noGrp="1"/>
-          </p:cNvSpPr>
-          <p:nvPr>
-            <p:ph type="title"/>
-          </p:nvPr>
-        </p:nvSpPr>
-        <p:spPr/>
-        <p:txBody>
-          <a:bodyPr/>
-          <a:lstStyle/>
-          <a:p>
-            <a:r>
-              <a:rPr lang="en-US" dirty="0"/>
-              <a:t>Spark Application Top-Down View</a:t>
-            </a:r>
           </a:p>
         </p:txBody>
       </p:sp>
     </p:spTree>
     <p:extLst>
       <p:ext uri="{BB962C8B-B14F-4D97-AF65-F5344CB8AC3E}">
-        <p14:creationId xmlns:p14="http://schemas.microsoft.com/office/powerpoint/2010/main" val="2029248171"/>
+        <p14:creationId xmlns:p14="http://schemas.microsoft.com/office/powerpoint/2010/main" val="14829627"/>
       </p:ext>
     </p:extLst>
   </p:cSld>
@@ -10002,7 +10053,7 @@
           <a:p>
             <a:r>
               <a:rPr lang="en-US" dirty="0"/>
-              <a:t>Resilient Distributed Datasets (RDDs)</a:t>
+              <a:t>Spark Application Flow</a:t>
             </a:r>
           </a:p>
         </p:txBody>
@@ -10019,153 +10070,106 @@
         </p:nvSpPr>
         <p:spPr/>
         <p:txBody>
-          <a:bodyPr>
-            <a:normAutofit/>
-          </a:bodyPr>
+          <a:bodyPr/>
           <a:lstStyle/>
           <a:p>
             <a:r>
               <a:rPr lang="en-US" dirty="0"/>
-              <a:t>RDDs represent the core data construct of Spark</a:t>
+              <a:t>Spark applications tend to have a similar flow</a:t>
+            </a:r>
+          </a:p>
+          <a:p>
+            <a:pPr marL="576263" lvl="1" indent="-347663">
+              <a:buFont typeface="+mj-lt"/>
+              <a:buAutoNum type="arabicPeriod"/>
+            </a:pPr>
+            <a:r>
+              <a:rPr lang="en-US" dirty="0"/>
+              <a:t>Create a Spark context</a:t>
+            </a:r>
+          </a:p>
+          <a:p>
+            <a:pPr marL="804863" lvl="2">
+              <a:buFont typeface="+mj-lt"/>
+              <a:buAutoNum type="alphaLcPeriod"/>
+            </a:pPr>
+            <a:r>
+              <a:rPr lang="en-US" dirty="0"/>
+              <a:t> Automatically provided in the shells via the variable </a:t>
+            </a:r>
+            <a:r>
+              <a:rPr lang="en-US" dirty="0">
+                <a:latin typeface="Courier New" panose="02070309020205020404" pitchFamily="49" charset="0"/>
+                <a:cs typeface="Courier New" panose="02070309020205020404" pitchFamily="49" charset="0"/>
+              </a:rPr>
+              <a:t>sc</a:t>
+            </a:r>
+            <a:endParaRPr lang="en-US" dirty="0"/>
+          </a:p>
+          <a:p>
+            <a:pPr marL="576263" lvl="1" indent="-347663">
+              <a:buFont typeface="+mj-lt"/>
+              <a:buAutoNum type="arabicPeriod"/>
+            </a:pPr>
+            <a:r>
+              <a:rPr lang="en-US" dirty="0"/>
+              <a:t>Import data as RDDs</a:t>
+            </a:r>
+          </a:p>
+          <a:p>
+            <a:pPr marL="576263" lvl="1" indent="-347663">
+              <a:buFont typeface="+mj-lt"/>
+              <a:buAutoNum type="arabicPeriod"/>
+            </a:pPr>
+            <a:r>
+              <a:rPr lang="en-US" dirty="0"/>
+              <a:t>Transform and perform actions on RDDs</a:t>
+            </a:r>
+          </a:p>
+          <a:p>
+            <a:pPr marL="576263" lvl="1" indent="-347663">
+              <a:buFont typeface="+mj-lt"/>
+              <a:buAutoNum type="arabicPeriod"/>
+            </a:pPr>
+            <a:r>
+              <a:rPr lang="en-US" dirty="0"/>
+              <a:t>Export results</a:t>
+            </a:r>
+          </a:p>
+          <a:p>
+            <a:r>
+              <a:rPr lang="en-US" dirty="0"/>
+              <a:t>Spark applications are not declarative in nature, however, they are still coded at a high level of abstraction</a:t>
             </a:r>
           </a:p>
           <a:p>
             <a:pPr lvl="1"/>
             <a:r>
               <a:rPr lang="en-US" dirty="0"/>
-              <a:t>RDDs are immutable</a:t>
-            </a:r>
-          </a:p>
-          <a:p>
-            <a:pPr lvl="1"/>
-            <a:r>
-              <a:rPr lang="en-US" dirty="0"/>
-              <a:t>RDDs are fault tolerant (resilient) </a:t>
-            </a:r>
-          </a:p>
-          <a:p>
-            <a:pPr lvl="2"/>
-            <a:r>
-              <a:rPr lang="en-US" dirty="0"/>
-              <a:t>When nodes or tasks fail, RDDs are reconstructed on other nodes</a:t>
-            </a:r>
-          </a:p>
-          <a:p>
-            <a:pPr lvl="1"/>
-            <a:r>
-              <a:rPr lang="en-US" dirty="0"/>
-              <a:t>RDDs are split into </a:t>
+              <a:t>In contrast, </a:t>
             </a:r>
             <a:r>
               <a:rPr lang="en-US" i="1" dirty="0">
                 <a:latin typeface="Century Schoolbook" panose="02040604050505020304" pitchFamily="18" charset="0"/>
               </a:rPr>
-              <a:t>partitions</a:t>
-            </a:r>
-            <a:r>
-              <a:rPr lang="en-US" dirty="0"/>
-              <a:t> and can be distributed to any executor</a:t>
+              <a:t>tasks</a:t>
+            </a:r>
+            <a:r>
+              <a:rPr lang="en-US" dirty="0"/>
+              <a:t> are at a very low level of abstraction</a:t>
             </a:r>
           </a:p>
           <a:p>
             <a:pPr lvl="1"/>
             <a:r>
               <a:rPr lang="en-US" dirty="0"/>
-              <a:t>RDDs can contain any kind of data</a:t>
-            </a:r>
-          </a:p>
-          <a:p>
-            <a:pPr lvl="2"/>
-            <a:r>
-              <a:rPr lang="en-US" dirty="0"/>
-              <a:t>Prefer data that can be partitioned</a:t>
-            </a:r>
-          </a:p>
-          <a:p>
-            <a:r>
-              <a:rPr lang="en-US" dirty="0"/>
-              <a:t>RDDs are objects that support two categories of operations</a:t>
-            </a:r>
-          </a:p>
-          <a:p>
-            <a:pPr lvl="1"/>
-            <a:r>
-              <a:rPr lang="en-US" dirty="0"/>
-              <a:t>Transformations</a:t>
-            </a:r>
-          </a:p>
-          <a:p>
-            <a:pPr lvl="2"/>
-            <a:r>
-              <a:rPr lang="en-US" dirty="0"/>
-              <a:t>Create new RDDs from existing RDDs</a:t>
-            </a:r>
-          </a:p>
-          <a:p>
-            <a:pPr lvl="2"/>
-            <a:r>
-              <a:rPr lang="en-US" dirty="0"/>
-              <a:t>Always return RDDs</a:t>
-            </a:r>
-          </a:p>
-          <a:p>
-            <a:pPr lvl="2"/>
-            <a:r>
-              <a:rPr lang="en-US" dirty="0"/>
-              <a:t>Lazily evaluated</a:t>
-            </a:r>
-          </a:p>
-          <a:p>
-            <a:pPr lvl="1"/>
-            <a:r>
-              <a:rPr lang="en-US" dirty="0"/>
-              <a:t>Actions</a:t>
-            </a:r>
-          </a:p>
-          <a:p>
-            <a:pPr lvl="2"/>
-            <a:r>
-              <a:rPr lang="en-US" dirty="0"/>
-              <a:t>Start computations</a:t>
-            </a:r>
-          </a:p>
-          <a:p>
-            <a:pPr lvl="2"/>
-            <a:r>
-              <a:rPr lang="en-US" dirty="0"/>
-              <a:t>Return results to the driver</a:t>
-            </a:r>
-          </a:p>
-          <a:p>
-            <a:pPr lvl="2"/>
-            <a:r>
-              <a:rPr lang="en-US" dirty="0"/>
-              <a:t>Save results to disk</a:t>
-            </a:r>
-          </a:p>
-          <a:p>
-            <a:pPr lvl="2"/>
-            <a:r>
-              <a:rPr lang="en-US" dirty="0"/>
-              <a:t>Never return RDDs</a:t>
-            </a:r>
-          </a:p>
-          <a:p>
-            <a:endParaRPr lang="en-US" dirty="0"/>
-          </a:p>
-          <a:p>
-            <a:pPr lvl="1"/>
-            <a:endParaRPr lang="en-US" dirty="0"/>
-          </a:p>
-          <a:p>
-            <a:pPr lvl="1"/>
-            <a:endParaRPr lang="en-US" dirty="0">
-              <a:solidFill>
-                <a:srgbClr val="FF0000"/>
-              </a:solidFill>
-            </a:endParaRPr>
-          </a:p>
-          <a:p>
+              <a:t>Tasks are not created by programmers, rather they are created at runtime by Spark</a:t>
+            </a:r>
+          </a:p>
+          <a:p>
+            <a:pPr marL="0" indent="0">
+              <a:buNone/>
+            </a:pPr>
             <a:endParaRPr lang="en-US" dirty="0"/>
           </a:p>
           <a:p>
@@ -10181,7 +10185,7 @@
     </p:spTree>
     <p:extLst>
       <p:ext uri="{BB962C8B-B14F-4D97-AF65-F5344CB8AC3E}">
-        <p14:creationId xmlns:p14="http://schemas.microsoft.com/office/powerpoint/2010/main" val="14829627"/>
+        <p14:creationId xmlns:p14="http://schemas.microsoft.com/office/powerpoint/2010/main" val="718479691"/>
       </p:ext>
     </p:extLst>
   </p:cSld>
@@ -10335,182 +10339,6 @@
           <a:p>
             <a:r>
               <a:rPr lang="en-US" dirty="0"/>
-              <a:t>Spark Application Flow</a:t>
-            </a:r>
-          </a:p>
-        </p:txBody>
-      </p:sp>
-      <p:sp>
-        <p:nvSpPr>
-          <p:cNvPr id="17" name="Content Placeholder 4"/>
-          <p:cNvSpPr>
-            <a:spLocks noGrp="1"/>
-          </p:cNvSpPr>
-          <p:nvPr>
-            <p:ph idx="1"/>
-          </p:nvPr>
-        </p:nvSpPr>
-        <p:spPr/>
-        <p:txBody>
-          <a:bodyPr/>
-          <a:lstStyle/>
-          <a:p>
-            <a:r>
-              <a:rPr lang="en-US" dirty="0"/>
-              <a:t>Spark applications tend to have a similar flow</a:t>
-            </a:r>
-          </a:p>
-          <a:p>
-            <a:pPr marL="576263" lvl="1" indent="-347663">
-              <a:buFont typeface="+mj-lt"/>
-              <a:buAutoNum type="arabicPeriod"/>
-            </a:pPr>
-            <a:r>
-              <a:rPr lang="en-US" dirty="0"/>
-              <a:t>Create a Spark context</a:t>
-            </a:r>
-          </a:p>
-          <a:p>
-            <a:pPr marL="804863" lvl="2">
-              <a:buFont typeface="+mj-lt"/>
-              <a:buAutoNum type="alphaLcPeriod"/>
-            </a:pPr>
-            <a:r>
-              <a:rPr lang="en-US" dirty="0"/>
-              <a:t> Automatically provided in the shells via the variable </a:t>
-            </a:r>
-            <a:r>
-              <a:rPr lang="en-US" dirty="0">
-                <a:latin typeface="Courier New" panose="02070309020205020404" pitchFamily="49" charset="0"/>
-                <a:cs typeface="Courier New" panose="02070309020205020404" pitchFamily="49" charset="0"/>
-              </a:rPr>
-              <a:t>sc</a:t>
-            </a:r>
-            <a:endParaRPr lang="en-US" dirty="0"/>
-          </a:p>
-          <a:p>
-            <a:pPr marL="576263" lvl="1" indent="-347663">
-              <a:buFont typeface="+mj-lt"/>
-              <a:buAutoNum type="arabicPeriod"/>
-            </a:pPr>
-            <a:r>
-              <a:rPr lang="en-US" dirty="0"/>
-              <a:t>Import data as RDDs</a:t>
-            </a:r>
-          </a:p>
-          <a:p>
-            <a:pPr marL="576263" lvl="1" indent="-347663">
-              <a:buFont typeface="+mj-lt"/>
-              <a:buAutoNum type="arabicPeriod"/>
-            </a:pPr>
-            <a:r>
-              <a:rPr lang="en-US" dirty="0"/>
-              <a:t>Transform and perform actions on RDDs</a:t>
-            </a:r>
-          </a:p>
-          <a:p>
-            <a:pPr marL="576263" lvl="1" indent="-347663">
-              <a:buFont typeface="+mj-lt"/>
-              <a:buAutoNum type="arabicPeriod"/>
-            </a:pPr>
-            <a:r>
-              <a:rPr lang="en-US" dirty="0"/>
-              <a:t>Export results</a:t>
-            </a:r>
-          </a:p>
-          <a:p>
-            <a:r>
-              <a:rPr lang="en-US" dirty="0"/>
-              <a:t>Spark applications are not declarative in nature, however, they are still coded at a high level of abstraction</a:t>
-            </a:r>
-          </a:p>
-          <a:p>
-            <a:pPr lvl="1"/>
-            <a:r>
-              <a:rPr lang="en-US" dirty="0"/>
-              <a:t>In contrast, </a:t>
-            </a:r>
-            <a:r>
-              <a:rPr lang="en-US" i="1" dirty="0">
-                <a:latin typeface="Century Schoolbook" panose="02040604050505020304" pitchFamily="18" charset="0"/>
-              </a:rPr>
-              <a:t>tasks</a:t>
-            </a:r>
-            <a:r>
-              <a:rPr lang="en-US" dirty="0"/>
-              <a:t> are at a very low level of abstraction</a:t>
-            </a:r>
-          </a:p>
-          <a:p>
-            <a:pPr lvl="1"/>
-            <a:r>
-              <a:rPr lang="en-US" dirty="0"/>
-              <a:t>Tasks are not created by programmers, rather they are created at runtime by Spark</a:t>
-            </a:r>
-          </a:p>
-          <a:p>
-            <a:pPr marL="0" indent="0">
-              <a:buNone/>
-            </a:pPr>
-            <a:endParaRPr lang="en-US" dirty="0"/>
-          </a:p>
-          <a:p>
-            <a:pPr lvl="1"/>
-            <a:endParaRPr lang="en-US" dirty="0"/>
-          </a:p>
-          <a:p>
-            <a:pPr lvl="1"/>
-            <a:endParaRPr lang="en-US" dirty="0"/>
-          </a:p>
-        </p:txBody>
-      </p:sp>
-    </p:spTree>
-    <p:extLst>
-      <p:ext uri="{BB962C8B-B14F-4D97-AF65-F5344CB8AC3E}">
-        <p14:creationId xmlns:p14="http://schemas.microsoft.com/office/powerpoint/2010/main" val="718479691"/>
-      </p:ext>
-    </p:extLst>
-  </p:cSld>
-  <p:clrMapOvr>
-    <a:masterClrMapping/>
-  </p:clrMapOvr>
-</p:sld>
-</file>
-
-<file path=ppt/slides/slide21.xml><?xml version="1.0" encoding="utf-8"?>
-<p:sld xmlns:a="http://schemas.openxmlformats.org/drawingml/2006/main" xmlns:r="http://schemas.openxmlformats.org/officeDocument/2006/relationships" xmlns:p="http://schemas.openxmlformats.org/presentationml/2006/main">
-  <p:cSld>
-    <p:spTree>
-      <p:nvGrpSpPr>
-        <p:cNvPr id="1" name=""/>
-        <p:cNvGrpSpPr/>
-        <p:nvPr/>
-      </p:nvGrpSpPr>
-      <p:grpSpPr>
-        <a:xfrm>
-          <a:off x="0" y="0"/>
-          <a:ext cx="0" cy="0"/>
-          <a:chOff x="0" y="0"/>
-          <a:chExt cx="0" cy="0"/>
-        </a:xfrm>
-      </p:grpSpPr>
-      <p:sp>
-        <p:nvSpPr>
-          <p:cNvPr id="4" name="Title 3"/>
-          <p:cNvSpPr>
-            <a:spLocks noGrp="1"/>
-          </p:cNvSpPr>
-          <p:nvPr>
-            <p:ph type="title"/>
-          </p:nvPr>
-        </p:nvSpPr>
-        <p:spPr/>
-        <p:txBody>
-          <a:bodyPr/>
-          <a:lstStyle/>
-          <a:p>
-            <a:r>
-              <a:rPr lang="en-US" dirty="0"/>
               <a:t>Drivers and Executors</a:t>
             </a:r>
           </a:p>
@@ -10627,7 +10455,7 @@
 </p:sld>
 </file>
 
-<file path=ppt/slides/slide22.xml><?xml version="1.0" encoding="utf-8"?>
+<file path=ppt/slides/slide21.xml><?xml version="1.0" encoding="utf-8"?>
 <p:sld xmlns:a="http://schemas.openxmlformats.org/drawingml/2006/main" xmlns:r="http://schemas.openxmlformats.org/officeDocument/2006/relationships" xmlns:p="http://schemas.openxmlformats.org/presentationml/2006/main">
   <p:cSld>
     <p:spTree>
@@ -11001,6 +10829,281 @@
 </p:sld>
 </file>
 
+<file path=ppt/slides/slide22.xml><?xml version="1.0" encoding="utf-8"?>
+<p:sld xmlns:a="http://schemas.openxmlformats.org/drawingml/2006/main" xmlns:r="http://schemas.openxmlformats.org/officeDocument/2006/relationships" xmlns:p="http://schemas.openxmlformats.org/presentationml/2006/main">
+  <p:cSld>
+    <p:spTree>
+      <p:nvGrpSpPr>
+        <p:cNvPr id="1" name=""/>
+        <p:cNvGrpSpPr/>
+        <p:nvPr/>
+      </p:nvGrpSpPr>
+      <p:grpSpPr>
+        <a:xfrm>
+          <a:off x="0" y="0"/>
+          <a:ext cx="0" cy="0"/>
+          <a:chOff x="0" y="0"/>
+          <a:chExt cx="0" cy="0"/>
+        </a:xfrm>
+      </p:grpSpPr>
+      <p:sp>
+        <p:nvSpPr>
+          <p:cNvPr id="3" name="Content Placeholder 2"/>
+          <p:cNvSpPr>
+            <a:spLocks noGrp="1"/>
+          </p:cNvSpPr>
+          <p:nvPr>
+            <p:ph idx="1"/>
+          </p:nvPr>
+        </p:nvSpPr>
+        <p:spPr>
+          <a:xfrm>
+            <a:off x="581024" y="1155614"/>
+            <a:ext cx="8489823" cy="5072616"/>
+          </a:xfrm>
+        </p:spPr>
+        <p:txBody>
+          <a:bodyPr/>
+          <a:lstStyle/>
+          <a:p>
+            <a:r>
+              <a:rPr lang="en-US" dirty="0"/>
+              <a:t>To start PySpark on the VM:</a:t>
+            </a:r>
+          </a:p>
+          <a:p>
+            <a:pPr lvl="1">
+              <a:spcAft>
+                <a:spcPts val="600"/>
+              </a:spcAft>
+            </a:pPr>
+            <a:r>
+              <a:rPr lang="en-US" dirty="0"/>
+              <a:t>Open a terminal window and type the following commands:</a:t>
+            </a:r>
+          </a:p>
+          <a:p>
+            <a:pPr marL="457200" lvl="2" indent="0">
+              <a:buNone/>
+            </a:pPr>
+            <a:r>
+              <a:rPr lang="en-US" sz="1500" dirty="0">
+                <a:latin typeface="Courier New" panose="02070309020205020404" pitchFamily="49" charset="0"/>
+                <a:cs typeface="Courier New" panose="02070309020205020404" pitchFamily="49" charset="0"/>
+              </a:rPr>
+              <a:t>cd ~/ROI</a:t>
+            </a:r>
+          </a:p>
+          <a:p>
+            <a:pPr marL="457200" lvl="2" indent="0">
+              <a:buNone/>
+            </a:pPr>
+            <a:r>
+              <a:rPr lang="en-US" sz="1500" dirty="0">
+                <a:latin typeface="Courier New" panose="02070309020205020404" pitchFamily="49" charset="0"/>
+                <a:cs typeface="Courier New" panose="02070309020205020404" pitchFamily="49" charset="0"/>
+              </a:rPr>
+              <a:t>pyspark </a:t>
+            </a:r>
+          </a:p>
+          <a:p>
+            <a:pPr marL="457200" lvl="2" indent="0">
+              <a:buNone/>
+            </a:pPr>
+            <a:r>
+              <a:rPr lang="en-US" sz="1500" dirty="0">
+                <a:latin typeface="Courier New" panose="02070309020205020404" pitchFamily="49" charset="0"/>
+                <a:cs typeface="Courier New" panose="02070309020205020404" pitchFamily="49" charset="0"/>
+              </a:rPr>
+              <a:t>sc</a:t>
+            </a:r>
+          </a:p>
+          <a:p>
+            <a:pPr marL="457200" lvl="2" indent="0">
+              <a:buNone/>
+            </a:pPr>
+            <a:r>
+              <a:rPr lang="en-US" sz="1500" dirty="0">
+                <a:latin typeface="Courier New" panose="02070309020205020404" pitchFamily="49" charset="0"/>
+                <a:cs typeface="Courier New" panose="02070309020205020404" pitchFamily="49" charset="0"/>
+              </a:rPr>
+              <a:t>spark</a:t>
+            </a:r>
+          </a:p>
+          <a:p>
+            <a:pPr marL="457200" lvl="2" indent="0">
+              <a:buNone/>
+            </a:pPr>
+            <a:r>
+              <a:rPr lang="en-US" sz="1500" dirty="0">
+                <a:latin typeface="Courier New" panose="02070309020205020404" pitchFamily="49" charset="0"/>
+                <a:cs typeface="Courier New" panose="02070309020205020404" pitchFamily="49" charset="0"/>
+              </a:rPr>
+              <a:t>x = sc.textFile('/home/student/ROI/Spark/datasets/text/shakespeare.txt')</a:t>
+            </a:r>
+          </a:p>
+          <a:p>
+            <a:pPr marL="457200" lvl="2" indent="0">
+              <a:buNone/>
+            </a:pPr>
+            <a:r>
+              <a:rPr lang="en-US" sz="1500" dirty="0">
+                <a:latin typeface="Courier New" panose="02070309020205020404" pitchFamily="49" charset="0"/>
+                <a:cs typeface="Courier New" panose="02070309020205020404" pitchFamily="49" charset="0"/>
+              </a:rPr>
+              <a:t>x.count()</a:t>
+            </a:r>
+          </a:p>
+          <a:p>
+            <a:pPr marL="457200" lvl="2" indent="0">
+              <a:buNone/>
+            </a:pPr>
+            <a:r>
+              <a:rPr lang="en-US" sz="1500" dirty="0">
+                <a:latin typeface="Courier New" panose="02070309020205020404" pitchFamily="49" charset="0"/>
+                <a:cs typeface="Courier New" panose="02070309020205020404" pitchFamily="49" charset="0"/>
+              </a:rPr>
+              <a:t>x.take(10)</a:t>
+            </a:r>
+            <a:endParaRPr lang="en-US" sz="1500" dirty="0"/>
+          </a:p>
+          <a:p>
+            <a:r>
+              <a:rPr lang="en-US" dirty="0"/>
+              <a:t>To write a Python program from scratch, you have to initialize </a:t>
+            </a:r>
+            <a:r>
+              <a:rPr lang="en-US" dirty="0">
+                <a:latin typeface="Courier New" panose="02070309020205020404" pitchFamily="49" charset="0"/>
+                <a:cs typeface="Courier New" panose="02070309020205020404" pitchFamily="49" charset="0"/>
+              </a:rPr>
+              <a:t>sc</a:t>
+            </a:r>
+            <a:r>
+              <a:rPr lang="en-US" dirty="0"/>
+              <a:t> and </a:t>
+            </a:r>
+            <a:r>
+              <a:rPr lang="en-US" dirty="0">
+                <a:latin typeface="Courier New" panose="02070309020205020404" pitchFamily="49" charset="0"/>
+                <a:cs typeface="Courier New" panose="02070309020205020404" pitchFamily="49" charset="0"/>
+              </a:rPr>
+              <a:t>spark</a:t>
+            </a:r>
+            <a:r>
+              <a:rPr lang="en-US" dirty="0"/>
+              <a:t> manually</a:t>
+            </a:r>
+          </a:p>
+          <a:p>
+            <a:pPr lvl="1">
+              <a:spcAft>
+                <a:spcPts val="600"/>
+              </a:spcAft>
+            </a:pPr>
+            <a:r>
+              <a:rPr lang="en-US" dirty="0">
+                <a:latin typeface="Courier New" panose="02070309020205020404" pitchFamily="49" charset="0"/>
+                <a:cs typeface="Courier New" panose="02070309020205020404" pitchFamily="49" charset="0"/>
+              </a:rPr>
+              <a:t>initspark.py</a:t>
+            </a:r>
+            <a:r>
+              <a:rPr lang="en-US" dirty="0"/>
+              <a:t> is a helper module you can copy and use in your own scripts</a:t>
+            </a:r>
+          </a:p>
+          <a:p>
+            <a:pPr marL="461963" lvl="1" indent="0">
+              <a:buNone/>
+            </a:pPr>
+            <a:r>
+              <a:rPr lang="en-US" sz="1600" dirty="0">
+                <a:latin typeface="Courier New" panose="02070309020205020404" pitchFamily="49" charset="0"/>
+                <a:cs typeface="Courier New" panose="02070309020205020404" pitchFamily="49" charset="0"/>
+              </a:rPr>
+              <a:t>from initspark import *</a:t>
+            </a:r>
+          </a:p>
+          <a:p>
+            <a:pPr marL="461963" lvl="1" indent="0">
+              <a:buNone/>
+            </a:pPr>
+            <a:r>
+              <a:rPr lang="en-US" sz="1600" dirty="0">
+                <a:latin typeface="Courier New" panose="02070309020205020404" pitchFamily="49" charset="0"/>
+                <a:cs typeface="Courier New" panose="02070309020205020404" pitchFamily="49" charset="0"/>
+              </a:rPr>
+              <a:t>sc, spark, conf = initspark()</a:t>
+            </a:r>
+          </a:p>
+          <a:p>
+            <a:pPr marL="457200" lvl="2" indent="0">
+              <a:buNone/>
+            </a:pPr>
+            <a:r>
+              <a:rPr lang="en-US" sz="1600" dirty="0">
+                <a:latin typeface="Courier New" panose="02070309020205020404" pitchFamily="49" charset="0"/>
+                <a:cs typeface="Courier New" panose="02070309020205020404" pitchFamily="49" charset="0"/>
+              </a:rPr>
+              <a:t>sc, spark, conf = initspark(appname = 'appname', servername = 'sparkservername', cassandra = '127.0.0.1')</a:t>
+            </a:r>
+          </a:p>
+          <a:p>
+            <a:pPr marL="457200" lvl="2" indent="0">
+              <a:buNone/>
+            </a:pPr>
+            <a:endParaRPr lang="en-US" dirty="0"/>
+          </a:p>
+          <a:p>
+            <a:pPr marL="457200" lvl="2" indent="0">
+              <a:buNone/>
+            </a:pPr>
+            <a:endParaRPr lang="en-US" dirty="0"/>
+          </a:p>
+          <a:p>
+            <a:pPr marL="511175" lvl="3" indent="0">
+              <a:buNone/>
+            </a:pPr>
+            <a:endParaRPr lang="en-US" dirty="0"/>
+          </a:p>
+        </p:txBody>
+      </p:sp>
+      <p:sp>
+        <p:nvSpPr>
+          <p:cNvPr id="2" name="Title 1"/>
+          <p:cNvSpPr>
+            <a:spLocks noGrp="1"/>
+          </p:cNvSpPr>
+          <p:nvPr>
+            <p:ph type="title"/>
+          </p:nvPr>
+        </p:nvSpPr>
+        <p:spPr/>
+        <p:txBody>
+          <a:bodyPr/>
+          <a:lstStyle/>
+          <a:p>
+            <a:r>
+              <a:rPr lang="en-US" dirty="0"/>
+              <a:t>Start PySpark</a:t>
+            </a:r>
+          </a:p>
+        </p:txBody>
+      </p:sp>
+    </p:spTree>
+    <p:extLst>
+      <p:ext uri="{BB962C8B-B14F-4D97-AF65-F5344CB8AC3E}">
+        <p14:creationId xmlns:p14="http://schemas.microsoft.com/office/powerpoint/2010/main" val="875306016"/>
+      </p:ext>
+    </p:extLst>
+  </p:cSld>
+  <p:clrMapOvr>
+    <a:masterClrMapping/>
+  </p:clrMapOvr>
+</p:sld>
+</file>
+
 <file path=ppt/slides/slide23.xml><?xml version="1.0" encoding="utf-8"?>
 <p:sld xmlns:a="http://schemas.openxmlformats.org/drawingml/2006/main" xmlns:r="http://schemas.openxmlformats.org/officeDocument/2006/relationships" xmlns:p="http://schemas.openxmlformats.org/presentationml/2006/main">
   <p:cSld>
@@ -11028,121 +11131,14 @@
             <p:ph idx="1"/>
           </p:nvPr>
         </p:nvSpPr>
-        <p:spPr>
-          <a:xfrm>
-            <a:off x="581024" y="1155614"/>
-            <a:ext cx="8489823" cy="5072616"/>
-          </a:xfrm>
-        </p:spPr>
+        <p:spPr/>
         <p:txBody>
           <a:bodyPr/>
           <a:lstStyle/>
           <a:p>
             <a:r>
               <a:rPr lang="en-US" dirty="0"/>
-              <a:t>To start PySpark on the VM:</a:t>
-            </a:r>
-          </a:p>
-          <a:p>
-            <a:pPr lvl="1">
-              <a:spcAft>
-                <a:spcPts val="600"/>
-              </a:spcAft>
-            </a:pPr>
-            <a:r>
-              <a:rPr lang="en-US" dirty="0"/>
-              <a:t>Open a terminal window and type the following commands:</a:t>
-            </a:r>
-          </a:p>
-          <a:p>
-            <a:pPr marL="457200" lvl="2" indent="0">
-              <a:buNone/>
-            </a:pPr>
-            <a:r>
-              <a:rPr lang="en-US" sz="1500" dirty="0">
-                <a:latin typeface="Courier New" panose="02070309020205020404" pitchFamily="49" charset="0"/>
-                <a:cs typeface="Courier New" panose="02070309020205020404" pitchFamily="49" charset="0"/>
-              </a:rPr>
-              <a:t>cd ~/ROI</a:t>
-            </a:r>
-          </a:p>
-          <a:p>
-            <a:pPr marL="457200" lvl="2" indent="0">
-              <a:buNone/>
-            </a:pPr>
-            <a:r>
-              <a:rPr lang="en-US" sz="1500" dirty="0">
-                <a:latin typeface="Courier New" panose="02070309020205020404" pitchFamily="49" charset="0"/>
-                <a:cs typeface="Courier New" panose="02070309020205020404" pitchFamily="49" charset="0"/>
-              </a:rPr>
-              <a:t>pyspark </a:t>
-            </a:r>
-          </a:p>
-          <a:p>
-            <a:pPr marL="457200" lvl="2" indent="0">
-              <a:buNone/>
-            </a:pPr>
-            <a:r>
-              <a:rPr lang="en-US" sz="1500" dirty="0">
-                <a:latin typeface="Courier New" panose="02070309020205020404" pitchFamily="49" charset="0"/>
-                <a:cs typeface="Courier New" panose="02070309020205020404" pitchFamily="49" charset="0"/>
-              </a:rPr>
-              <a:t>sc</a:t>
-            </a:r>
-          </a:p>
-          <a:p>
-            <a:pPr marL="457200" lvl="2" indent="0">
-              <a:buNone/>
-            </a:pPr>
-            <a:r>
-              <a:rPr lang="en-US" sz="1500" dirty="0">
-                <a:latin typeface="Courier New" panose="02070309020205020404" pitchFamily="49" charset="0"/>
-                <a:cs typeface="Courier New" panose="02070309020205020404" pitchFamily="49" charset="0"/>
-              </a:rPr>
-              <a:t>spark</a:t>
-            </a:r>
-          </a:p>
-          <a:p>
-            <a:pPr marL="457200" lvl="2" indent="0">
-              <a:buNone/>
-            </a:pPr>
-            <a:r>
-              <a:rPr lang="en-US" sz="1500" dirty="0">
-                <a:latin typeface="Courier New" panose="02070309020205020404" pitchFamily="49" charset="0"/>
-                <a:cs typeface="Courier New" panose="02070309020205020404" pitchFamily="49" charset="0"/>
-              </a:rPr>
-              <a:t>x = sc.textFile('/home/student/ROI/Spark/datasets/text/shakespeare.txt')</a:t>
-            </a:r>
-          </a:p>
-          <a:p>
-            <a:pPr marL="457200" lvl="2" indent="0">
-              <a:buNone/>
-            </a:pPr>
-            <a:r>
-              <a:rPr lang="en-US" sz="1500" dirty="0">
-                <a:latin typeface="Courier New" panose="02070309020205020404" pitchFamily="49" charset="0"/>
-                <a:cs typeface="Courier New" panose="02070309020205020404" pitchFamily="49" charset="0"/>
-              </a:rPr>
-              <a:t>x.count()</a:t>
-            </a:r>
-          </a:p>
-          <a:p>
-            <a:pPr marL="457200" lvl="2" indent="0">
-              <a:buNone/>
-            </a:pPr>
-            <a:r>
-              <a:rPr lang="en-US" sz="1500" dirty="0">
-                <a:latin typeface="Courier New" panose="02070309020205020404" pitchFamily="49" charset="0"/>
-                <a:cs typeface="Courier New" panose="02070309020205020404" pitchFamily="49" charset="0"/>
-              </a:rPr>
-              <a:t>x.take(10)</a:t>
-            </a:r>
-            <a:endParaRPr lang="en-US" sz="1500" dirty="0"/>
-          </a:p>
-          <a:p>
-            <a:r>
-              <a:rPr lang="en-US" dirty="0"/>
-              <a:t>To write a Python program from scratch, you have to initialize </a:t>
+              <a:t>The </a:t>
             </a:r>
             <a:r>
               <a:rPr lang="en-US" dirty="0">
@@ -11153,91 +11149,182 @@
             </a:r>
             <a:r>
               <a:rPr lang="en-US" dirty="0"/>
-              <a:t> and </a:t>
+              <a:t> object is the Spark context and allows you to call methods to load and manipulate data</a:t>
+            </a:r>
+          </a:p>
+          <a:p>
+            <a:pPr marL="0" indent="0">
+              <a:buNone/>
+            </a:pPr>
+            <a:r>
+              <a:rPr lang="en-US" sz="1600" dirty="0">
+                <a:latin typeface="Courier New" panose="02070309020205020404" pitchFamily="49" charset="0"/>
+                <a:cs typeface="Courier New" panose="02070309020205020404" pitchFamily="49" charset="0"/>
+              </a:rPr>
+              <a:t>  x = sc.parallelize(range(1, 11))</a:t>
+            </a:r>
+            <a:br>
+              <a:rPr lang="en-US" sz="1600" dirty="0">
+                <a:latin typeface="Courier New" panose="02070309020205020404" pitchFamily="49" charset="0"/>
+                <a:cs typeface="Courier New" panose="02070309020205020404" pitchFamily="49" charset="0"/>
+              </a:rPr>
+            </a:br>
+            <a:r>
+              <a:rPr lang="en-US" sz="1600" dirty="0">
+                <a:latin typeface="Courier New" panose="02070309020205020404" pitchFamily="49" charset="0"/>
+                <a:cs typeface="Courier New" panose="02070309020205020404" pitchFamily="49" charset="0"/>
+              </a:rPr>
+              <a:t>  x.collect()</a:t>
+            </a:r>
+            <a:br>
+              <a:rPr lang="en-US" sz="1600" dirty="0">
+                <a:latin typeface="Courier New" panose="02070309020205020404" pitchFamily="49" charset="0"/>
+                <a:cs typeface="Courier New" panose="02070309020205020404" pitchFamily="49" charset="0"/>
+              </a:rPr>
+            </a:br>
+            <a:r>
+              <a:rPr lang="en-US" sz="1600" dirty="0">
+                <a:latin typeface="Courier New" panose="02070309020205020404" pitchFamily="49" charset="0"/>
+                <a:cs typeface="Courier New" panose="02070309020205020404" pitchFamily="49" charset="0"/>
+              </a:rPr>
+              <a:t>  x.take(5)</a:t>
+            </a:r>
+            <a:br>
+              <a:rPr lang="en-US" sz="1600" dirty="0">
+                <a:latin typeface="Courier New" panose="02070309020205020404" pitchFamily="49" charset="0"/>
+                <a:cs typeface="Courier New" panose="02070309020205020404" pitchFamily="49" charset="0"/>
+              </a:rPr>
+            </a:br>
+            <a:r>
+              <a:rPr lang="en-US" sz="1600" dirty="0">
+                <a:latin typeface="Courier New" panose="02070309020205020404" pitchFamily="49" charset="0"/>
+                <a:cs typeface="Courier New" panose="02070309020205020404" pitchFamily="49" charset="0"/>
+              </a:rPr>
+              <a:t>  sc.textFile('hdfs://localhost:9000/categories').collect(</a:t>
             </a:r>
             <a:r>
               <a:rPr lang="en-US" dirty="0">
                 <a:latin typeface="Courier New" panose="02070309020205020404" pitchFamily="49" charset="0"/>
                 <a:cs typeface="Courier New" panose="02070309020205020404" pitchFamily="49" charset="0"/>
               </a:rPr>
-              <a:t>spark</a:t>
-            </a:r>
-            <a:r>
-              <a:rPr lang="en-US" dirty="0"/>
-              <a:t> manually</a:t>
-            </a:r>
-          </a:p>
-          <a:p>
-            <a:pPr lvl="1">
+              <a:t>)  </a:t>
+            </a:r>
+          </a:p>
+          <a:p>
+            <a:pPr>
               <a:spcAft>
                 <a:spcPts val="600"/>
               </a:spcAft>
             </a:pPr>
             <a:r>
+              <a:rPr lang="en-US" dirty="0"/>
+              <a:t>Load a local file</a:t>
+            </a:r>
+            <a:br>
+              <a:rPr lang="en-US" dirty="0"/>
+            </a:br>
+            <a:r>
+              <a:rPr lang="en-US" sz="1600" dirty="0">
+                <a:latin typeface="Courier New" panose="02070309020205020404" pitchFamily="49" charset="0"/>
+                <a:cs typeface="Courier New" panose="02070309020205020404" pitchFamily="49" charset="0"/>
+              </a:rPr>
+              <a:t>x = sc.textFile('file:///home/student/ROI/Spark/datasets/</a:t>
+            </a:r>
+            <a:br>
+              <a:rPr lang="en-US" sz="1600" dirty="0">
+                <a:latin typeface="Courier New" panose="02070309020205020404" pitchFamily="49" charset="0"/>
+                <a:cs typeface="Courier New" panose="02070309020205020404" pitchFamily="49" charset="0"/>
+              </a:rPr>
+            </a:br>
+            <a:r>
+              <a:rPr lang="en-US" sz="1600" dirty="0">
+                <a:latin typeface="Courier New" panose="02070309020205020404" pitchFamily="49" charset="0"/>
+                <a:cs typeface="Courier New" panose="02070309020205020404" pitchFamily="49" charset="0"/>
+              </a:rPr>
+              <a:t>    northwind/CSV/categories/categories.csv')</a:t>
+            </a:r>
+            <a:endParaRPr lang="en-US" dirty="0">
+              <a:latin typeface="Courier New" panose="02070309020205020404" pitchFamily="49" charset="0"/>
+              <a:cs typeface="Courier New" panose="02070309020205020404" pitchFamily="49" charset="0"/>
+            </a:endParaRPr>
+          </a:p>
+          <a:p>
+            <a:pPr>
+              <a:spcAft>
+                <a:spcPts val="600"/>
+              </a:spcAft>
+            </a:pPr>
+            <a:r>
+              <a:rPr lang="en-US" dirty="0"/>
+              <a:t>Load a local folder</a:t>
+            </a:r>
+          </a:p>
+          <a:p>
+            <a:pPr marL="228600" lvl="1" indent="0">
+              <a:buNone/>
+            </a:pPr>
+            <a:r>
+              <a:rPr lang="en-US" sz="1600" dirty="0">
+                <a:latin typeface="Courier New" panose="02070309020205020404" pitchFamily="49" charset="0"/>
+                <a:cs typeface="Courier New" panose="02070309020205020404" pitchFamily="49" charset="0"/>
+              </a:rPr>
+              <a:t>x = sc.textFile('file:///home/student/ROI/Spark/datasets/</a:t>
+            </a:r>
+            <a:br>
+              <a:rPr lang="en-US" sz="1600" dirty="0">
+                <a:latin typeface="Courier New" panose="02070309020205020404" pitchFamily="49" charset="0"/>
+                <a:cs typeface="Courier New" panose="02070309020205020404" pitchFamily="49" charset="0"/>
+              </a:rPr>
+            </a:br>
+            <a:r>
+              <a:rPr lang="en-US" sz="1600" dirty="0">
+                <a:latin typeface="Courier New" panose="02070309020205020404" pitchFamily="49" charset="0"/>
+                <a:cs typeface="Courier New" panose="02070309020205020404" pitchFamily="49" charset="0"/>
+              </a:rPr>
+              <a:t>    northwind/CSV/categories')</a:t>
+            </a:r>
+          </a:p>
+          <a:p>
+            <a:pPr>
+              <a:spcAft>
+                <a:spcPts val="600"/>
+              </a:spcAft>
+            </a:pPr>
+            <a:r>
+              <a:rPr lang="en-US" dirty="0"/>
+              <a:t>Load a hdfs folder</a:t>
+            </a:r>
+          </a:p>
+          <a:p>
+            <a:pPr marL="228600" lvl="1" indent="0">
+              <a:buNone/>
+            </a:pPr>
+            <a:r>
+              <a:rPr lang="en-US" sz="1600" dirty="0">
+                <a:latin typeface="Courier New" panose="02070309020205020404" pitchFamily="49" charset="0"/>
+                <a:cs typeface="Courier New" panose="02070309020205020404" pitchFamily="49" charset="0"/>
+              </a:rPr>
+              <a:t>x = sc.textFile('hdfs://localhost:9000/categories')</a:t>
+            </a:r>
+            <a:br>
               <a:rPr lang="en-US" dirty="0">
                 <a:latin typeface="Courier New" panose="02070309020205020404" pitchFamily="49" charset="0"/>
                 <a:cs typeface="Courier New" panose="02070309020205020404" pitchFamily="49" charset="0"/>
               </a:rPr>
-              <a:t>initspark.py</a:t>
-            </a:r>
-            <a:r>
-              <a:rPr lang="en-US" dirty="0"/>
-              <a:t> is a helper module you can copy and use in your own scripts</a:t>
-            </a:r>
-          </a:p>
-          <a:p>
-            <a:pPr marL="461963" lvl="1" indent="0">
+            </a:br>
+            <a:endParaRPr lang="en-US" dirty="0">
+              <a:latin typeface="Courier New" panose="02070309020205020404" pitchFamily="49" charset="0"/>
+              <a:cs typeface="Courier New" panose="02070309020205020404" pitchFamily="49" charset="0"/>
+            </a:endParaRPr>
+          </a:p>
+          <a:p>
+            <a:pPr marL="228600" lvl="1" indent="0">
               <a:buNone/>
             </a:pPr>
-            <a:r>
-              <a:rPr lang="en-US" sz="1600" dirty="0">
-                <a:latin typeface="Courier New" panose="02070309020205020404" pitchFamily="49" charset="0"/>
-                <a:cs typeface="Courier New" panose="02070309020205020404" pitchFamily="49" charset="0"/>
-              </a:rPr>
-              <a:t>from initspark import *</a:t>
-            </a:r>
-          </a:p>
-          <a:p>
-            <a:pPr marL="461963" lvl="1" indent="0">
-              <a:buNone/>
-            </a:pPr>
-            <a:r>
-              <a:rPr lang="en-US" sz="1600" dirty="0">
-                <a:latin typeface="Courier New" panose="02070309020205020404" pitchFamily="49" charset="0"/>
-                <a:cs typeface="Courier New" panose="02070309020205020404" pitchFamily="49" charset="0"/>
-              </a:rPr>
-              <a:t>sc, spark, conf = initspark()</a:t>
-            </a:r>
-          </a:p>
-          <a:p>
-            <a:pPr marL="457200" lvl="2" indent="0">
-              <a:buNone/>
-            </a:pPr>
-            <a:r>
-              <a:rPr lang="en-US" sz="1600" dirty="0">
-                <a:latin typeface="Courier New" panose="02070309020205020404" pitchFamily="49" charset="0"/>
-                <a:cs typeface="Courier New" panose="02070309020205020404" pitchFamily="49" charset="0"/>
-              </a:rPr>
-              <a:t>sc, spark, conf = initspark(appname = 'appname', servername = 'sparkservername', cassandra = '127.0.0.1')</a:t>
-            </a:r>
-          </a:p>
-          <a:p>
-            <a:pPr marL="457200" lvl="2" indent="0">
-              <a:buNone/>
-            </a:pPr>
-            <a:endParaRPr lang="en-US" dirty="0"/>
-          </a:p>
-          <a:p>
-            <a:pPr marL="457200" lvl="2" indent="0">
-              <a:buNone/>
-            </a:pPr>
-            <a:endParaRPr lang="en-US" dirty="0"/>
-          </a:p>
-          <a:p>
-            <a:pPr marL="511175" lvl="3" indent="0">
-              <a:buNone/>
-            </a:pPr>
-            <a:endParaRPr lang="en-US" dirty="0"/>
+            <a:endParaRPr lang="en-US" dirty="0">
+              <a:latin typeface="Courier New" panose="02070309020205020404" pitchFamily="49" charset="0"/>
+              <a:cs typeface="Courier New" panose="02070309020205020404" pitchFamily="49" charset="0"/>
+            </a:endParaRPr>
           </a:p>
         </p:txBody>
       </p:sp>
@@ -11258,7 +11345,7 @@
           <a:p>
             <a:r>
               <a:rPr lang="en-US" dirty="0"/>
-              <a:t>Start PySpark</a:t>
+              <a:t>Load Data</a:t>
             </a:r>
           </a:p>
         </p:txBody>
@@ -11266,7 +11353,7 @@
     </p:spTree>
     <p:extLst>
       <p:ext uri="{BB962C8B-B14F-4D97-AF65-F5344CB8AC3E}">
-        <p14:creationId xmlns:p14="http://schemas.microsoft.com/office/powerpoint/2010/main" val="875306016"/>
+        <p14:creationId xmlns:p14="http://schemas.microsoft.com/office/powerpoint/2010/main" val="3079920070"/>
       </p:ext>
     </p:extLst>
   </p:cSld>
@@ -11310,193 +11397,68 @@
           <a:p>
             <a:r>
               <a:rPr lang="en-US" dirty="0"/>
-              <a:t>The </a:t>
-            </a:r>
-            <a:r>
-              <a:rPr lang="en-US" dirty="0">
-                <a:latin typeface="Courier New" panose="02070309020205020404" pitchFamily="49" charset="0"/>
-                <a:cs typeface="Courier New" panose="02070309020205020404" pitchFamily="49" charset="0"/>
-              </a:rPr>
-              <a:t>sc</a:t>
-            </a:r>
-            <a:r>
-              <a:rPr lang="en-US" dirty="0"/>
-              <a:t> object is the Spark context and allows you to call methods to load and manipulate data</a:t>
-            </a:r>
-          </a:p>
-          <a:p>
-            <a:pPr marL="0" indent="0">
-              <a:buNone/>
-            </a:pPr>
-            <a:r>
-              <a:rPr lang="en-US" sz="1600" dirty="0">
-                <a:latin typeface="Courier New" panose="02070309020205020404" pitchFamily="49" charset="0"/>
-                <a:cs typeface="Courier New" panose="02070309020205020404" pitchFamily="49" charset="0"/>
-              </a:rPr>
-              <a:t>  x = sc.parallelize(range(1, 11))</a:t>
-            </a:r>
-            <a:br>
-              <a:rPr lang="en-US" sz="1600" dirty="0">
-                <a:latin typeface="Courier New" panose="02070309020205020404" pitchFamily="49" charset="0"/>
-                <a:cs typeface="Courier New" panose="02070309020205020404" pitchFamily="49" charset="0"/>
-              </a:rPr>
-            </a:br>
-            <a:r>
-              <a:rPr lang="en-US" sz="1600" dirty="0">
-                <a:latin typeface="Courier New" panose="02070309020205020404" pitchFamily="49" charset="0"/>
-                <a:cs typeface="Courier New" panose="02070309020205020404" pitchFamily="49" charset="0"/>
-              </a:rPr>
-              <a:t>  x.collect()</a:t>
-            </a:r>
-            <a:br>
-              <a:rPr lang="en-US" sz="1600" dirty="0">
-                <a:latin typeface="Courier New" panose="02070309020205020404" pitchFamily="49" charset="0"/>
-                <a:cs typeface="Courier New" panose="02070309020205020404" pitchFamily="49" charset="0"/>
-              </a:rPr>
-            </a:br>
-            <a:r>
-              <a:rPr lang="en-US" sz="1600" dirty="0">
-                <a:latin typeface="Courier New" panose="02070309020205020404" pitchFamily="49" charset="0"/>
-                <a:cs typeface="Courier New" panose="02070309020205020404" pitchFamily="49" charset="0"/>
-              </a:rPr>
-              <a:t>  x.take(5)</a:t>
-            </a:r>
-            <a:br>
-              <a:rPr lang="en-US" sz="1600" dirty="0">
-                <a:latin typeface="Courier New" panose="02070309020205020404" pitchFamily="49" charset="0"/>
-                <a:cs typeface="Courier New" panose="02070309020205020404" pitchFamily="49" charset="0"/>
-              </a:rPr>
-            </a:br>
-            <a:r>
-              <a:rPr lang="en-US" sz="1600" dirty="0">
-                <a:latin typeface="Courier New" panose="02070309020205020404" pitchFamily="49" charset="0"/>
-                <a:cs typeface="Courier New" panose="02070309020205020404" pitchFamily="49" charset="0"/>
-              </a:rPr>
-              <a:t>  sc.textFile('hdfs://localhost:9000/categories').collect(</a:t>
-            </a:r>
-            <a:r>
-              <a:rPr lang="en-US" dirty="0">
-                <a:latin typeface="Courier New" panose="02070309020205020404" pitchFamily="49" charset="0"/>
-                <a:cs typeface="Courier New" panose="02070309020205020404" pitchFamily="49" charset="0"/>
-              </a:rPr>
-              <a:t>)  </a:t>
-            </a:r>
-          </a:p>
-          <a:p>
-            <a:pPr>
-              <a:spcAft>
-                <a:spcPts val="600"/>
-              </a:spcAft>
-            </a:pPr>
-            <a:r>
-              <a:rPr lang="en-US" dirty="0"/>
-              <a:t>Load a local file</a:t>
-            </a:r>
-            <a:br>
-              <a:rPr lang="en-US" dirty="0"/>
-            </a:br>
-            <a:r>
-              <a:rPr lang="en-US" sz="1600" dirty="0">
-                <a:latin typeface="Courier New" panose="02070309020205020404" pitchFamily="49" charset="0"/>
-                <a:cs typeface="Courier New" panose="02070309020205020404" pitchFamily="49" charset="0"/>
-              </a:rPr>
-              <a:t>x = sc.textFile('file:///home/student/ROI/Spark/datasets/</a:t>
-            </a:r>
-            <a:br>
-              <a:rPr lang="en-US" sz="1600" dirty="0">
-                <a:latin typeface="Courier New" panose="02070309020205020404" pitchFamily="49" charset="0"/>
-                <a:cs typeface="Courier New" panose="02070309020205020404" pitchFamily="49" charset="0"/>
-              </a:rPr>
-            </a:br>
-            <a:r>
-              <a:rPr lang="en-US" sz="1600" dirty="0">
-                <a:latin typeface="Courier New" panose="02070309020205020404" pitchFamily="49" charset="0"/>
-                <a:cs typeface="Courier New" panose="02070309020205020404" pitchFamily="49" charset="0"/>
-              </a:rPr>
-              <a:t>    northwind/CSV/categories/categories.csv')</a:t>
-            </a:r>
-            <a:endParaRPr lang="en-US" dirty="0">
-              <a:latin typeface="Courier New" panose="02070309020205020404" pitchFamily="49" charset="0"/>
-              <a:cs typeface="Courier New" panose="02070309020205020404" pitchFamily="49" charset="0"/>
-            </a:endParaRPr>
-          </a:p>
-          <a:p>
-            <a:pPr>
-              <a:spcAft>
-                <a:spcPts val="600"/>
-              </a:spcAft>
-            </a:pPr>
-            <a:r>
-              <a:rPr lang="en-US" dirty="0"/>
-              <a:t>Load a local folder</a:t>
-            </a:r>
-          </a:p>
-          <a:p>
-            <a:pPr marL="228600" lvl="1" indent="0">
-              <a:buNone/>
-            </a:pPr>
-            <a:r>
-              <a:rPr lang="en-US" sz="1600" dirty="0">
-                <a:latin typeface="Courier New" panose="02070309020205020404" pitchFamily="49" charset="0"/>
-                <a:cs typeface="Courier New" panose="02070309020205020404" pitchFamily="49" charset="0"/>
-              </a:rPr>
-              <a:t>x = sc.textFile('file:///home/student/ROI/Spark/datasets/</a:t>
-            </a:r>
-            <a:br>
-              <a:rPr lang="en-US" sz="1600" dirty="0">
-                <a:latin typeface="Courier New" panose="02070309020205020404" pitchFamily="49" charset="0"/>
-                <a:cs typeface="Courier New" panose="02070309020205020404" pitchFamily="49" charset="0"/>
-              </a:rPr>
-            </a:br>
-            <a:r>
-              <a:rPr lang="en-US" sz="1600" dirty="0">
-                <a:latin typeface="Courier New" panose="02070309020205020404" pitchFamily="49" charset="0"/>
-                <a:cs typeface="Courier New" panose="02070309020205020404" pitchFamily="49" charset="0"/>
-              </a:rPr>
-              <a:t>    northwind/CSV/categories')</a:t>
-            </a:r>
-          </a:p>
-          <a:p>
-            <a:pPr>
-              <a:spcAft>
-                <a:spcPts val="600"/>
-              </a:spcAft>
-            </a:pPr>
-            <a:r>
-              <a:rPr lang="en-US" dirty="0"/>
-              <a:t>Load a hdfs folder</a:t>
-            </a:r>
-          </a:p>
-          <a:p>
-            <a:pPr marL="228600" lvl="1" indent="0">
-              <a:buNone/>
-            </a:pPr>
-            <a:r>
-              <a:rPr lang="en-US" sz="1600" dirty="0">
-                <a:latin typeface="Courier New" panose="02070309020205020404" pitchFamily="49" charset="0"/>
-                <a:cs typeface="Courier New" panose="02070309020205020404" pitchFamily="49" charset="0"/>
-              </a:rPr>
-              <a:t>x = sc.textFile('hdfs://localhost:9000/categories')</a:t>
-            </a:r>
-            <a:br>
-              <a:rPr lang="en-US" dirty="0">
-                <a:latin typeface="Courier New" panose="02070309020205020404" pitchFamily="49" charset="0"/>
-                <a:cs typeface="Courier New" panose="02070309020205020404" pitchFamily="49" charset="0"/>
-              </a:rPr>
-            </a:br>
-            <a:endParaRPr lang="en-US" dirty="0">
-              <a:latin typeface="Courier New" panose="02070309020205020404" pitchFamily="49" charset="0"/>
-              <a:cs typeface="Courier New" panose="02070309020205020404" pitchFamily="49" charset="0"/>
-            </a:endParaRPr>
-          </a:p>
-          <a:p>
-            <a:pPr marL="228600" lvl="1" indent="0">
-              <a:buNone/>
-            </a:pPr>
-            <a:endParaRPr lang="en-US" dirty="0">
-              <a:latin typeface="Courier New" panose="02070309020205020404" pitchFamily="49" charset="0"/>
-              <a:cs typeface="Courier New" panose="02070309020205020404" pitchFamily="49" charset="0"/>
-            </a:endParaRPr>
+              <a:t>Once you have an RDD, you can invoke methods on it</a:t>
+            </a:r>
+          </a:p>
+          <a:p>
+            <a:r>
+              <a:rPr lang="en-US" dirty="0"/>
+              <a:t>Methods can either be:</a:t>
+            </a:r>
+          </a:p>
+          <a:p>
+            <a:pPr lvl="1"/>
+            <a:r>
+              <a:rPr lang="en-US" dirty="0"/>
+              <a:t>An action which causes it to do some work and possibly return data back to the client</a:t>
+            </a:r>
+          </a:p>
+          <a:p>
+            <a:pPr lvl="1"/>
+            <a:r>
+              <a:rPr lang="en-US" dirty="0"/>
+              <a:t>A transformation which is lazy evaluated and is only run when an action is called</a:t>
+            </a:r>
+          </a:p>
+          <a:p>
+            <a:r>
+              <a:rPr lang="en-US" dirty="0"/>
+              <a:t>Transformations can be chained together to create multiple operations on the data, but none are executed until an action is called. This allows the entire chain of transformations to be internally optimized by Spark before execution.</a:t>
+            </a:r>
+          </a:p>
+          <a:p>
+            <a:r>
+              <a:rPr lang="en-US" dirty="0"/>
+              <a:t>Transformations can also be either:</a:t>
+            </a:r>
+          </a:p>
+          <a:p>
+            <a:pPr lvl="1"/>
+            <a:r>
+              <a:rPr lang="en-US" dirty="0"/>
+              <a:t>Narrow: can operate on the data in a single node</a:t>
+            </a:r>
+          </a:p>
+          <a:p>
+            <a:pPr lvl="2"/>
+            <a:r>
+              <a:rPr lang="en-US" dirty="0"/>
+              <a:t>Like a map operation in MapReduce</a:t>
+            </a:r>
+          </a:p>
+          <a:p>
+            <a:pPr lvl="1"/>
+            <a:r>
+              <a:rPr lang="en-US" dirty="0"/>
+              <a:t>Wide: requires data with the same key to be shuffled around to the same nodes </a:t>
+            </a:r>
+          </a:p>
+          <a:p>
+            <a:pPr lvl="2"/>
+            <a:r>
+              <a:rPr lang="en-US" dirty="0"/>
+              <a:t>Like a reduce operation in MapReduce</a:t>
+            </a:r>
           </a:p>
         </p:txBody>
       </p:sp>
@@ -11517,7 +11479,7 @@
           <a:p>
             <a:r>
               <a:rPr lang="en-US" dirty="0"/>
-              <a:t>Load Data</a:t>
+              <a:t>Actions and Transformations</a:t>
             </a:r>
           </a:p>
         </p:txBody>
@@ -11525,7 +11487,7 @@
     </p:spTree>
     <p:extLst>
       <p:ext uri="{BB962C8B-B14F-4D97-AF65-F5344CB8AC3E}">
-        <p14:creationId xmlns:p14="http://schemas.microsoft.com/office/powerpoint/2010/main" val="3079920070"/>
+        <p14:creationId xmlns:p14="http://schemas.microsoft.com/office/powerpoint/2010/main" val="4000793596"/>
       </p:ext>
     </p:extLst>
   </p:cSld>
@@ -11554,12 +11516,331 @@
       </p:grpSpPr>
       <p:sp>
         <p:nvSpPr>
-          <p:cNvPr id="3" name="Content Placeholder 2"/>
+          <p:cNvPr id="7" name="Content Placeholder 6">
+            <a:extLst>
+              <a:ext uri="{FF2B5EF4-FFF2-40B4-BE49-F238E27FC236}">
+                <a16:creationId xmlns:a16="http://schemas.microsoft.com/office/drawing/2014/main" id="{CFFB0733-FB1B-4F1B-91CA-DD4986D05760}"/>
+              </a:ext>
+            </a:extLst>
+          </p:cNvPr>
           <p:cNvSpPr>
             <a:spLocks noGrp="1"/>
           </p:cNvSpPr>
           <p:nvPr>
             <p:ph idx="1"/>
+          </p:nvPr>
+        </p:nvSpPr>
+        <p:spPr>
+          <a:xfrm>
+            <a:off x="581024" y="1155614"/>
+            <a:ext cx="8105775" cy="5072616"/>
+          </a:xfrm>
+        </p:spPr>
+        <p:txBody>
+          <a:bodyPr/>
+          <a:lstStyle/>
+          <a:p>
+            <a:r>
+              <a:rPr lang="en-US" dirty="0"/>
+              <a:t>The data is loaded into an RDD (Resilient Distributed DataFrame)</a:t>
+            </a:r>
+          </a:p>
+          <a:p>
+            <a:pPr lvl="1"/>
+            <a:r>
+              <a:rPr lang="en-US" dirty="0"/>
+              <a:t>Very similar to a Python list except it is spread across many nodes in the cluster</a:t>
+            </a:r>
+          </a:p>
+          <a:p>
+            <a:pPr lvl="1"/>
+            <a:r>
+              <a:rPr lang="en-US" dirty="0"/>
+              <a:t>Has many built-in methods to process the data </a:t>
+            </a:r>
+          </a:p>
+          <a:p>
+            <a:r>
+              <a:rPr lang="en-US" dirty="0"/>
+              <a:t>Loading data from a text file basically creates a list of strings</a:t>
+            </a:r>
+          </a:p>
+          <a:p>
+            <a:r>
+              <a:rPr lang="en-US" dirty="0"/>
+              <a:t>Some useful actions to look at the data are:</a:t>
+            </a:r>
+          </a:p>
+          <a:p>
+            <a:pPr lvl="1"/>
+            <a:r>
+              <a:rPr lang="en-US" dirty="0">
+                <a:latin typeface="Courier New" panose="02070309020205020404" pitchFamily="49" charset="0"/>
+                <a:cs typeface="Courier New" panose="02070309020205020404" pitchFamily="49" charset="0"/>
+              </a:rPr>
+              <a:t>rdd.collect()</a:t>
+            </a:r>
+            <a:r>
+              <a:rPr lang="en-US" dirty="0">
+                <a:latin typeface="+mj-lt"/>
+                <a:cs typeface="Courier New" panose="02070309020205020404" pitchFamily="49" charset="0"/>
+              </a:rPr>
+              <a:t> </a:t>
+            </a:r>
+            <a:r>
+              <a:rPr lang="en-US" dirty="0">
+                <a:cs typeface="Courier New" panose="02070309020205020404" pitchFamily="49" charset="0"/>
+              </a:rPr>
+              <a:t>–</a:t>
+            </a:r>
+            <a:r>
+              <a:rPr lang="en-US" dirty="0">
+                <a:latin typeface="+mj-lt"/>
+              </a:rPr>
+              <a:t> </a:t>
+            </a:r>
+            <a:r>
+              <a:rPr lang="en-US" dirty="0"/>
+              <a:t>returns the entire RDD as a Python list to the client</a:t>
+            </a:r>
+          </a:p>
+          <a:p>
+            <a:pPr lvl="1"/>
+            <a:r>
+              <a:rPr lang="en-US" dirty="0">
+                <a:latin typeface="Courier New" panose="02070309020205020404" pitchFamily="49" charset="0"/>
+                <a:cs typeface="Courier New" panose="02070309020205020404" pitchFamily="49" charset="0"/>
+              </a:rPr>
+              <a:t>rdd.count()</a:t>
+            </a:r>
+            <a:r>
+              <a:rPr lang="en-US" dirty="0">
+                <a:latin typeface="+mj-lt"/>
+                <a:cs typeface="Courier New" panose="02070309020205020404" pitchFamily="49" charset="0"/>
+              </a:rPr>
+              <a:t> </a:t>
+            </a:r>
+            <a:r>
+              <a:rPr lang="en-US" dirty="0">
+                <a:cs typeface="Courier New" panose="02070309020205020404" pitchFamily="49" charset="0"/>
+              </a:rPr>
+              <a:t>–</a:t>
+            </a:r>
+            <a:r>
+              <a:rPr lang="en-US" dirty="0">
+                <a:latin typeface="+mj-lt"/>
+                <a:cs typeface="Courier New" panose="02070309020205020404" pitchFamily="49" charset="0"/>
+              </a:rPr>
+              <a:t> </a:t>
+            </a:r>
+            <a:r>
+              <a:rPr lang="en-US" dirty="0"/>
+              <a:t>returns a count of how many items are in the RDD</a:t>
+            </a:r>
+          </a:p>
+          <a:p>
+            <a:pPr lvl="1"/>
+            <a:r>
+              <a:rPr lang="en-US" dirty="0">
+                <a:latin typeface="Courier New" panose="02070309020205020404" pitchFamily="49" charset="0"/>
+                <a:cs typeface="Courier New" panose="02070309020205020404" pitchFamily="49" charset="0"/>
+              </a:rPr>
+              <a:t>rdd.take(x)</a:t>
+            </a:r>
+            <a:r>
+              <a:rPr lang="en-US" dirty="0">
+                <a:latin typeface="+mj-lt"/>
+                <a:cs typeface="Courier New" panose="02070309020205020404" pitchFamily="49" charset="0"/>
+              </a:rPr>
+              <a:t> </a:t>
+            </a:r>
+            <a:r>
+              <a:rPr lang="en-US" dirty="0">
+                <a:cs typeface="Courier New" panose="02070309020205020404" pitchFamily="49" charset="0"/>
+              </a:rPr>
+              <a:t>–</a:t>
+            </a:r>
+            <a:r>
+              <a:rPr lang="en-US" dirty="0">
+                <a:latin typeface="+mn-lt"/>
+                <a:cs typeface="Courier New" panose="02070309020205020404" pitchFamily="49" charset="0"/>
+              </a:rPr>
+              <a:t> </a:t>
+            </a:r>
+            <a:r>
+              <a:rPr lang="en-US" dirty="0"/>
+              <a:t>returns </a:t>
+            </a:r>
+            <a:r>
+              <a:rPr lang="en-US" dirty="0">
+                <a:latin typeface="Courier New" panose="02070309020205020404" pitchFamily="49" charset="0"/>
+                <a:cs typeface="Courier New" panose="02070309020205020404" pitchFamily="49" charset="0"/>
+              </a:rPr>
+              <a:t>x</a:t>
+            </a:r>
+            <a:r>
+              <a:rPr lang="en-US" dirty="0"/>
+              <a:t> number of items from the RDD as a list</a:t>
+            </a:r>
+          </a:p>
+          <a:p>
+            <a:pPr lvl="1"/>
+            <a:r>
+              <a:rPr lang="en-US" dirty="0">
+                <a:latin typeface="Courier New" panose="02070309020205020404" pitchFamily="49" charset="0"/>
+                <a:cs typeface="Courier New" panose="02070309020205020404" pitchFamily="49" charset="0"/>
+              </a:rPr>
+              <a:t>rdd.takeOrdered(x, key=function)</a:t>
+            </a:r>
+            <a:r>
+              <a:rPr lang="en-US" dirty="0">
+                <a:latin typeface="+mj-lt"/>
+                <a:cs typeface="Courier New" panose="02070309020205020404" pitchFamily="49" charset="0"/>
+              </a:rPr>
+              <a:t> – </a:t>
+            </a:r>
+            <a:r>
+              <a:rPr lang="en-US" dirty="0"/>
+              <a:t>returns </a:t>
+            </a:r>
+            <a:r>
+              <a:rPr lang="en-US" dirty="0">
+                <a:latin typeface="Courier New" panose="02070309020205020404" pitchFamily="49" charset="0"/>
+                <a:cs typeface="Courier New" panose="02070309020205020404" pitchFamily="49" charset="0"/>
+              </a:rPr>
+              <a:t>x</a:t>
+            </a:r>
+            <a:r>
+              <a:rPr lang="en-US" dirty="0"/>
+              <a:t> rows of an RDD after sorting it first using a function</a:t>
+            </a:r>
+          </a:p>
+          <a:p>
+            <a:pPr lvl="1"/>
+            <a:r>
+              <a:rPr lang="en-US" dirty="0">
+                <a:latin typeface="Courier New" panose="02070309020205020404" pitchFamily="49" charset="0"/>
+                <a:cs typeface="Courier New" panose="02070309020205020404" pitchFamily="49" charset="0"/>
+              </a:rPr>
+              <a:t>rdd.top(x, key=function)</a:t>
+            </a:r>
+            <a:r>
+              <a:rPr lang="en-US" dirty="0">
+                <a:latin typeface="+mj-lt"/>
+                <a:cs typeface="Courier New" panose="02070309020205020404" pitchFamily="49" charset="0"/>
+              </a:rPr>
+              <a:t> </a:t>
+            </a:r>
+            <a:r>
+              <a:rPr lang="en-US" dirty="0">
+                <a:cs typeface="Courier New" panose="02070309020205020404" pitchFamily="49" charset="0"/>
+              </a:rPr>
+              <a:t>–</a:t>
+            </a:r>
+            <a:r>
+              <a:rPr lang="en-US" dirty="0">
+                <a:latin typeface="+mj-lt"/>
+                <a:cs typeface="Courier New" panose="02070309020205020404" pitchFamily="49" charset="0"/>
+              </a:rPr>
+              <a:t> </a:t>
+            </a:r>
+            <a:r>
+              <a:rPr lang="en-US" dirty="0"/>
+              <a:t>returns the opposite of </a:t>
+            </a:r>
+            <a:r>
+              <a:rPr lang="en-US" dirty="0">
+                <a:latin typeface="Courier New" panose="02070309020205020404" pitchFamily="49" charset="0"/>
+                <a:cs typeface="Courier New" panose="02070309020205020404" pitchFamily="49" charset="0"/>
+              </a:rPr>
+              <a:t>takeOrdered</a:t>
+            </a:r>
+          </a:p>
+          <a:p>
+            <a:pPr lvl="1"/>
+            <a:r>
+              <a:rPr lang="en-US" dirty="0">
+                <a:latin typeface="Courier New" panose="02070309020205020404" pitchFamily="49" charset="0"/>
+                <a:cs typeface="Courier New" panose="02070309020205020404" pitchFamily="49" charset="0"/>
+              </a:rPr>
+              <a:t>rdd.takeSample(replacement, count, seed)</a:t>
+            </a:r>
+            <a:r>
+              <a:rPr lang="en-US" dirty="0">
+                <a:latin typeface="+mj-lt"/>
+                <a:cs typeface="Courier New" panose="02070309020205020404" pitchFamily="49" charset="0"/>
+              </a:rPr>
+              <a:t> </a:t>
+            </a:r>
+            <a:r>
+              <a:rPr lang="en-US" dirty="0">
+                <a:cs typeface="Courier New" panose="02070309020205020404" pitchFamily="49" charset="0"/>
+              </a:rPr>
+              <a:t>–</a:t>
+            </a:r>
+            <a:r>
+              <a:rPr lang="en-US" dirty="0">
+                <a:latin typeface="+mn-lt"/>
+                <a:cs typeface="Courier New" panose="02070309020205020404" pitchFamily="49" charset="0"/>
+              </a:rPr>
+              <a:t> </a:t>
+            </a:r>
+            <a:r>
+              <a:rPr lang="en-US" dirty="0"/>
+              <a:t>returns a sample of a larger data set</a:t>
+            </a:r>
+          </a:p>
+          <a:p>
+            <a:pPr lvl="1"/>
+            <a:r>
+              <a:rPr lang="en-US" dirty="0">
+                <a:latin typeface="Courier New" panose="02070309020205020404" pitchFamily="49" charset="0"/>
+                <a:cs typeface="Courier New" panose="02070309020205020404" pitchFamily="49" charset="0"/>
+              </a:rPr>
+              <a:t>rdd.foreach(function)</a:t>
+            </a:r>
+            <a:r>
+              <a:rPr lang="en-US" dirty="0">
+                <a:latin typeface="+mj-lt"/>
+                <a:cs typeface="Courier New" panose="02070309020205020404" pitchFamily="49" charset="0"/>
+              </a:rPr>
+              <a:t> </a:t>
+            </a:r>
+            <a:r>
+              <a:rPr lang="en-US" dirty="0">
+                <a:cs typeface="Courier New" panose="02070309020205020404" pitchFamily="49" charset="0"/>
+              </a:rPr>
+              <a:t>–</a:t>
+            </a:r>
+            <a:r>
+              <a:rPr lang="en-US" dirty="0">
+                <a:latin typeface="+mj-lt"/>
+                <a:cs typeface="Courier New" panose="02070309020205020404" pitchFamily="49" charset="0"/>
+              </a:rPr>
+              <a:t> </a:t>
+            </a:r>
+            <a:r>
+              <a:rPr lang="en-US" dirty="0"/>
+              <a:t>executes the function once for each element of the RDD</a:t>
+            </a:r>
+            <a:endParaRPr lang="en-US" dirty="0">
+              <a:latin typeface="Courier New" panose="02070309020205020404" pitchFamily="49" charset="0"/>
+              <a:cs typeface="Courier New" panose="02070309020205020404" pitchFamily="49" charset="0"/>
+            </a:endParaRPr>
+          </a:p>
+          <a:p>
+            <a:endParaRPr lang="en-US" dirty="0"/>
+          </a:p>
+        </p:txBody>
+      </p:sp>
+      <p:sp>
+        <p:nvSpPr>
+          <p:cNvPr id="2" name="Title 1"/>
+          <p:cNvSpPr>
+            <a:spLocks noGrp="1"/>
+          </p:cNvSpPr>
+          <p:nvPr>
+            <p:ph type="title"/>
           </p:nvPr>
         </p:nvSpPr>
         <p:spPr/>
@@ -11569,89 +11850,7 @@
           <a:p>
             <a:r>
               <a:rPr lang="en-US" dirty="0"/>
-              <a:t>Once you have an RDD, you can invoke methods on it</a:t>
-            </a:r>
-          </a:p>
-          <a:p>
-            <a:r>
-              <a:rPr lang="en-US" dirty="0"/>
-              <a:t>Methods can either be:</a:t>
-            </a:r>
-          </a:p>
-          <a:p>
-            <a:pPr lvl="1"/>
-            <a:r>
-              <a:rPr lang="en-US" dirty="0"/>
-              <a:t>An action which causes it to do some work and possibly return data back to the client</a:t>
-            </a:r>
-          </a:p>
-          <a:p>
-            <a:pPr lvl="1"/>
-            <a:r>
-              <a:rPr lang="en-US" dirty="0"/>
-              <a:t>A transformation which is lazy evaluated and is only run when an action is called</a:t>
-            </a:r>
-          </a:p>
-          <a:p>
-            <a:r>
-              <a:rPr lang="en-US" dirty="0"/>
-              <a:t>Transformations can be chained together to create multiple operations on the data, but none are executed until an action is called. This allows the entire chain of transformations to be internally optimized by Spark before execution.</a:t>
-            </a:r>
-          </a:p>
-          <a:p>
-            <a:r>
-              <a:rPr lang="en-US" dirty="0"/>
-              <a:t>Transformations can also be either:</a:t>
-            </a:r>
-          </a:p>
-          <a:p>
-            <a:pPr lvl="1"/>
-            <a:r>
-              <a:rPr lang="en-US" dirty="0"/>
-              <a:t>Narrow: can operate on the data in a single node</a:t>
-            </a:r>
-          </a:p>
-          <a:p>
-            <a:pPr lvl="2"/>
-            <a:r>
-              <a:rPr lang="en-US" dirty="0"/>
-              <a:t>Like a map operation in MapReduce</a:t>
-            </a:r>
-          </a:p>
-          <a:p>
-            <a:pPr lvl="1"/>
-            <a:r>
-              <a:rPr lang="en-US" dirty="0"/>
-              <a:t>Wide: requires data with the same key to be shuffled around to the same nodes </a:t>
-            </a:r>
-          </a:p>
-          <a:p>
-            <a:pPr lvl="2"/>
-            <a:r>
-              <a:rPr lang="en-US" dirty="0"/>
-              <a:t>Like a reduce operation in MapReduce</a:t>
-            </a:r>
-          </a:p>
-        </p:txBody>
-      </p:sp>
-      <p:sp>
-        <p:nvSpPr>
-          <p:cNvPr id="2" name="Title 1"/>
-          <p:cNvSpPr>
-            <a:spLocks noGrp="1"/>
-          </p:cNvSpPr>
-          <p:nvPr>
-            <p:ph type="title"/>
-          </p:nvPr>
-        </p:nvSpPr>
-        <p:spPr/>
-        <p:txBody>
-          <a:bodyPr/>
-          <a:lstStyle/>
-          <a:p>
-            <a:r>
-              <a:rPr lang="en-US" dirty="0"/>
-              <a:t>Actions and Transformations</a:t>
+              <a:t>Processing Data</a:t>
             </a:r>
           </a:p>
         </p:txBody>
@@ -11659,7 +11858,7 @@
     </p:spTree>
     <p:extLst>
       <p:ext uri="{BB962C8B-B14F-4D97-AF65-F5344CB8AC3E}">
-        <p14:creationId xmlns:p14="http://schemas.microsoft.com/office/powerpoint/2010/main" val="4000793596"/>
+        <p14:creationId xmlns:p14="http://schemas.microsoft.com/office/powerpoint/2010/main" val="3432327179"/>
       </p:ext>
     </p:extLst>
   </p:cSld>
@@ -11688,10 +11887,10 @@
       </p:grpSpPr>
       <p:sp>
         <p:nvSpPr>
-          <p:cNvPr id="7" name="Content Placeholder 6">
+          <p:cNvPr id="5" name="Content Placeholder 4">
             <a:extLst>
               <a:ext uri="{FF2B5EF4-FFF2-40B4-BE49-F238E27FC236}">
-                <a16:creationId xmlns:a16="http://schemas.microsoft.com/office/drawing/2014/main" id="{CFFB0733-FB1B-4F1B-91CA-DD4986D05760}"/>
+                <a16:creationId xmlns:a16="http://schemas.microsoft.com/office/drawing/2014/main" id="{8CF55260-A388-485C-A06C-7DCFA9C312E2}"/>
               </a:ext>
             </a:extLst>
           </p:cNvPr>
@@ -11702,45 +11901,14 @@
             <p:ph idx="1"/>
           </p:nvPr>
         </p:nvSpPr>
-        <p:spPr>
-          <a:xfrm>
-            <a:off x="581024" y="1155614"/>
-            <a:ext cx="8105775" cy="5072616"/>
-          </a:xfrm>
-        </p:spPr>
+        <p:spPr/>
         <p:txBody>
           <a:bodyPr/>
           <a:lstStyle/>
           <a:p>
             <a:r>
               <a:rPr lang="en-US" dirty="0"/>
-              <a:t>The data is loaded into an RDD (Resilient Distributed DataFrame)</a:t>
-            </a:r>
-          </a:p>
-          <a:p>
-            <a:pPr lvl="1"/>
-            <a:r>
-              <a:rPr lang="en-US" dirty="0"/>
-              <a:t>Very similar to a Python list except it is spread across many nodes in the cluster</a:t>
-            </a:r>
-          </a:p>
-          <a:p>
-            <a:pPr lvl="1"/>
-            <a:r>
-              <a:rPr lang="en-US" dirty="0"/>
-              <a:t>Has many built-in methods to process the data </a:t>
-            </a:r>
-          </a:p>
-          <a:p>
-            <a:r>
-              <a:rPr lang="en-US" dirty="0"/>
-              <a:t>Loading data from a text file basically creates a list of strings</a:t>
-            </a:r>
-          </a:p>
-          <a:p>
-            <a:r>
-              <a:rPr lang="en-US" dirty="0"/>
-              <a:t>Some useful actions to look at the data are:</a:t>
+              <a:t>There are a lot of methods to save data to different formats</a:t>
             </a:r>
           </a:p>
           <a:p>
@@ -11750,7 +11918,7 @@
                 <a:latin typeface="Courier New" panose="02070309020205020404" pitchFamily="49" charset="0"/>
                 <a:cs typeface="Courier New" panose="02070309020205020404" pitchFamily="49" charset="0"/>
               </a:rPr>
-              <a:t>rdd.collect()</a:t>
+              <a:t>rdd.saveAsTextFile()</a:t>
             </a:r>
             <a:r>
               <a:rPr lang="en-US" dirty="0">
@@ -11761,19 +11929,20 @@
             </a:r>
             <a:r>
               <a:rPr lang="en-US" dirty="0">
+                <a:latin typeface="+mn-lt"/>
                 <a:cs typeface="Courier New" panose="02070309020205020404" pitchFamily="49" charset="0"/>
               </a:rPr>
               <a:t>–</a:t>
             </a:r>
             <a:r>
               <a:rPr lang="en-US" dirty="0">
-                <a:latin typeface="+mj-lt"/>
+                <a:latin typeface="+mn-lt"/>
               </a:rPr>
               <a:t> </a:t>
             </a:r>
             <a:r>
               <a:rPr lang="en-US" dirty="0"/>
-              <a:t>returns the entire RDD as a Python list to the client</a:t>
+              <a:t>saves the RDD as a plain text file</a:t>
             </a:r>
           </a:p>
           <a:p>
@@ -11783,7 +11952,7 @@
                 <a:latin typeface="Courier New" panose="02070309020205020404" pitchFamily="49" charset="0"/>
                 <a:cs typeface="Courier New" panose="02070309020205020404" pitchFamily="49" charset="0"/>
               </a:rPr>
-              <a:t>rdd.count()</a:t>
+              <a:t>rdd.saveAsHadoopFile()</a:t>
             </a:r>
             <a:r>
               <a:rPr lang="en-US" dirty="0">
@@ -11794,9 +11963,24 @@
             </a:r>
             <a:r>
               <a:rPr lang="en-US" dirty="0">
+                <a:latin typeface="+mn-lt"/>
                 <a:cs typeface="Courier New" panose="02070309020205020404" pitchFamily="49" charset="0"/>
               </a:rPr>
-              <a:t>–</a:t>
+              <a:t>– </a:t>
+            </a:r>
+            <a:r>
+              <a:rPr lang="en-US" dirty="0"/>
+              <a:t>saves the RDD as a key/value pair file suitable for Hadoop</a:t>
+            </a:r>
+          </a:p>
+          <a:p>
+            <a:pPr lvl="1"/>
+            <a:r>
+              <a:rPr lang="en-US" dirty="0">
+                <a:latin typeface="Courier New" panose="02070309020205020404" pitchFamily="49" charset="0"/>
+                <a:cs typeface="Courier New" panose="02070309020205020404" pitchFamily="49" charset="0"/>
+              </a:rPr>
+              <a:t>rdd.saveAsSequenceFile()</a:t>
             </a:r>
             <a:r>
               <a:rPr lang="en-US" dirty="0">
@@ -11806,18 +11990,32 @@
               <a:t> </a:t>
             </a:r>
             <a:r>
-              <a:rPr lang="en-US" dirty="0"/>
-              <a:t>returns a count of how many items are in the RDD</a:t>
+              <a:rPr lang="en-US" dirty="0">
+                <a:latin typeface="+mn-lt"/>
+                <a:cs typeface="Courier New" panose="02070309020205020404" pitchFamily="49" charset="0"/>
+              </a:rPr>
+              <a:t>– </a:t>
+            </a:r>
+            <a:r>
+              <a:rPr lang="en-US" dirty="0"/>
+              <a:t>saves the RDD as a Hadoop sequence file</a:t>
             </a:r>
           </a:p>
           <a:p>
             <a:pPr lvl="1"/>
+            <a:r>
+              <a:rPr lang="en-US" dirty="0" err="1">
+                <a:latin typeface="Courier New" panose="02070309020205020404" pitchFamily="49" charset="0"/>
+                <a:cs typeface="Courier New" panose="02070309020205020404" pitchFamily="49" charset="0"/>
+              </a:rPr>
+              <a:t>rdd.saveAsPickleFile</a:t>
+            </a:r>
             <a:r>
               <a:rPr lang="en-US" dirty="0">
                 <a:latin typeface="Courier New" panose="02070309020205020404" pitchFamily="49" charset="0"/>
                 <a:cs typeface="Courier New" panose="02070309020205020404" pitchFamily="49" charset="0"/>
               </a:rPr>
-              <a:t>rdd.take(x)</a:t>
+              <a:t>()</a:t>
             </a:r>
             <a:r>
               <a:rPr lang="en-US" dirty="0">
@@ -11828,180 +12026,15 @@
             </a:r>
             <a:r>
               <a:rPr lang="en-US" dirty="0">
-                <a:cs typeface="Courier New" panose="02070309020205020404" pitchFamily="49" charset="0"/>
-              </a:rPr>
-              <a:t>–</a:t>
-            </a:r>
-            <a:r>
-              <a:rPr lang="en-US" dirty="0">
                 <a:latin typeface="+mn-lt"/>
                 <a:cs typeface="Courier New" panose="02070309020205020404" pitchFamily="49" charset="0"/>
               </a:rPr>
-              <a:t> </a:t>
-            </a:r>
-            <a:r>
-              <a:rPr lang="en-US" dirty="0"/>
-              <a:t>returns </a:t>
-            </a:r>
-            <a:r>
-              <a:rPr lang="en-US" dirty="0">
-                <a:latin typeface="Courier New" panose="02070309020205020404" pitchFamily="49" charset="0"/>
-                <a:cs typeface="Courier New" panose="02070309020205020404" pitchFamily="49" charset="0"/>
-              </a:rPr>
-              <a:t>x</a:t>
-            </a:r>
-            <a:r>
-              <a:rPr lang="en-US" dirty="0"/>
-              <a:t> number of items from the RDD as a list</a:t>
-            </a:r>
-          </a:p>
-          <a:p>
-            <a:pPr lvl="1"/>
-            <a:r>
-              <a:rPr lang="en-US" dirty="0">
-                <a:latin typeface="Courier New" panose="02070309020205020404" pitchFamily="49" charset="0"/>
-                <a:cs typeface="Courier New" panose="02070309020205020404" pitchFamily="49" charset="0"/>
-              </a:rPr>
-              <a:t>rdd.takeOrdered(x, key=function)</a:t>
-            </a:r>
-            <a:r>
-              <a:rPr lang="en-US" dirty="0">
-                <a:latin typeface="+mj-lt"/>
-                <a:cs typeface="Courier New" panose="02070309020205020404" pitchFamily="49" charset="0"/>
-              </a:rPr>
-              <a:t> – </a:t>
-            </a:r>
-            <a:r>
-              <a:rPr lang="en-US" dirty="0"/>
-              <a:t>returns </a:t>
-            </a:r>
-            <a:r>
-              <a:rPr lang="en-US" dirty="0">
-                <a:latin typeface="Courier New" panose="02070309020205020404" pitchFamily="49" charset="0"/>
-                <a:cs typeface="Courier New" panose="02070309020205020404" pitchFamily="49" charset="0"/>
-              </a:rPr>
-              <a:t>x</a:t>
-            </a:r>
-            <a:r>
-              <a:rPr lang="en-US" dirty="0"/>
-              <a:t> rows of an RDD after sorting it first using a function</a:t>
-            </a:r>
-          </a:p>
-          <a:p>
-            <a:pPr lvl="1"/>
-            <a:r>
-              <a:rPr lang="en-US" dirty="0">
-                <a:latin typeface="Courier New" panose="02070309020205020404" pitchFamily="49" charset="0"/>
-                <a:cs typeface="Courier New" panose="02070309020205020404" pitchFamily="49" charset="0"/>
-              </a:rPr>
-              <a:t>rdd.top(x, key=function)</a:t>
-            </a:r>
-            <a:r>
-              <a:rPr lang="en-US" dirty="0">
-                <a:latin typeface="+mj-lt"/>
-                <a:cs typeface="Courier New" panose="02070309020205020404" pitchFamily="49" charset="0"/>
-              </a:rPr>
-              <a:t> </a:t>
-            </a:r>
-            <a:r>
-              <a:rPr lang="en-US" dirty="0">
-                <a:cs typeface="Courier New" panose="02070309020205020404" pitchFamily="49" charset="0"/>
-              </a:rPr>
-              <a:t>–</a:t>
-            </a:r>
-            <a:r>
-              <a:rPr lang="en-US" dirty="0">
-                <a:latin typeface="+mj-lt"/>
-                <a:cs typeface="Courier New" panose="02070309020205020404" pitchFamily="49" charset="0"/>
-              </a:rPr>
-              <a:t> </a:t>
-            </a:r>
-            <a:r>
-              <a:rPr lang="en-US" dirty="0"/>
-              <a:t>returns the opposite of </a:t>
-            </a:r>
-            <a:r>
-              <a:rPr lang="en-US" dirty="0">
-                <a:latin typeface="Courier New" panose="02070309020205020404" pitchFamily="49" charset="0"/>
-                <a:cs typeface="Courier New" panose="02070309020205020404" pitchFamily="49" charset="0"/>
-              </a:rPr>
-              <a:t>takeOrdered</a:t>
-            </a:r>
-          </a:p>
-          <a:p>
-            <a:pPr lvl="1"/>
-            <a:r>
-              <a:rPr lang="en-US" dirty="0">
-                <a:latin typeface="Courier New" panose="02070309020205020404" pitchFamily="49" charset="0"/>
-                <a:cs typeface="Courier New" panose="02070309020205020404" pitchFamily="49" charset="0"/>
-              </a:rPr>
-              <a:t>rdd.takeSample(replacement, count, seed)</a:t>
-            </a:r>
-            <a:r>
-              <a:rPr lang="en-US" dirty="0">
-                <a:latin typeface="+mj-lt"/>
-                <a:cs typeface="Courier New" panose="02070309020205020404" pitchFamily="49" charset="0"/>
-              </a:rPr>
-              <a:t> </a:t>
-            </a:r>
-            <a:r>
-              <a:rPr lang="en-US" dirty="0">
-                <a:cs typeface="Courier New" panose="02070309020205020404" pitchFamily="49" charset="0"/>
-              </a:rPr>
-              <a:t>–</a:t>
-            </a:r>
-            <a:r>
-              <a:rPr lang="en-US" dirty="0">
-                <a:latin typeface="+mn-lt"/>
-                <a:cs typeface="Courier New" panose="02070309020205020404" pitchFamily="49" charset="0"/>
-              </a:rPr>
-              <a:t> </a:t>
-            </a:r>
-            <a:r>
-              <a:rPr lang="en-US" dirty="0"/>
-              <a:t>returns a sample of a larger data set</a:t>
-            </a:r>
-          </a:p>
-          <a:p>
-            <a:pPr lvl="1"/>
-            <a:r>
-              <a:rPr lang="en-US" dirty="0">
-                <a:latin typeface="Courier New" panose="02070309020205020404" pitchFamily="49" charset="0"/>
-                <a:cs typeface="Courier New" panose="02070309020205020404" pitchFamily="49" charset="0"/>
-              </a:rPr>
-              <a:t>rdd.foreach(function)</a:t>
-            </a:r>
-            <a:r>
-              <a:rPr lang="en-US" dirty="0">
-                <a:latin typeface="+mj-lt"/>
-                <a:cs typeface="Courier New" panose="02070309020205020404" pitchFamily="49" charset="0"/>
-              </a:rPr>
-              <a:t> </a:t>
-            </a:r>
-            <a:r>
-              <a:rPr lang="en-US" dirty="0">
-                <a:cs typeface="Courier New" panose="02070309020205020404" pitchFamily="49" charset="0"/>
-              </a:rPr>
-              <a:t>–</a:t>
-            </a:r>
-            <a:r>
-              <a:rPr lang="en-US" dirty="0">
-                <a:latin typeface="+mj-lt"/>
-                <a:cs typeface="Courier New" panose="02070309020205020404" pitchFamily="49" charset="0"/>
-              </a:rPr>
-              <a:t> </a:t>
-            </a:r>
-            <a:r>
-              <a:rPr lang="en-US" dirty="0"/>
-              <a:t>executes the function once for each element of the RDD</a:t>
-            </a:r>
-            <a:endParaRPr lang="en-US" dirty="0">
-              <a:latin typeface="Courier New" panose="02070309020205020404" pitchFamily="49" charset="0"/>
-              <a:cs typeface="Courier New" panose="02070309020205020404" pitchFamily="49" charset="0"/>
-            </a:endParaRPr>
-          </a:p>
-          <a:p>
-            <a:endParaRPr lang="en-US" dirty="0"/>
+              <a:t>– </a:t>
+            </a:r>
+            <a:r>
+              <a:rPr lang="en-US" dirty="0"/>
+              <a:t>saves the RDD as a Python pickle file</a:t>
+            </a:r>
           </a:p>
         </p:txBody>
       </p:sp>
@@ -12022,7 +12055,7 @@
           <a:p>
             <a:r>
               <a:rPr lang="en-US" dirty="0"/>
-              <a:t>Processing Data</a:t>
+              <a:t>Saving Data</a:t>
             </a:r>
           </a:p>
         </p:txBody>
@@ -12030,7 +12063,7 @@
     </p:spTree>
     <p:extLst>
       <p:ext uri="{BB962C8B-B14F-4D97-AF65-F5344CB8AC3E}">
-        <p14:creationId xmlns:p14="http://schemas.microsoft.com/office/powerpoint/2010/main" val="3432327179"/>
+        <p14:creationId xmlns:p14="http://schemas.microsoft.com/office/powerpoint/2010/main" val="1414255862"/>
       </p:ext>
     </p:extLst>
   </p:cSld>
@@ -12059,18 +12092,330 @@
       </p:grpSpPr>
       <p:sp>
         <p:nvSpPr>
-          <p:cNvPr id="5" name="Content Placeholder 4">
-            <a:extLst>
-              <a:ext uri="{FF2B5EF4-FFF2-40B4-BE49-F238E27FC236}">
-                <a16:creationId xmlns:a16="http://schemas.microsoft.com/office/drawing/2014/main" id="{8CF55260-A388-485C-A06C-7DCFA9C312E2}"/>
-              </a:ext>
-            </a:extLst>
-          </p:cNvPr>
+          <p:cNvPr id="3" name="Content Placeholder 2"/>
           <p:cNvSpPr>
             <a:spLocks noGrp="1"/>
           </p:cNvSpPr>
           <p:nvPr>
             <p:ph idx="1"/>
+          </p:nvPr>
+        </p:nvSpPr>
+        <p:spPr>
+          <a:xfrm>
+            <a:off x="581024" y="1109894"/>
+            <a:ext cx="8297800" cy="5072616"/>
+          </a:xfrm>
+        </p:spPr>
+        <p:txBody>
+          <a:bodyPr/>
+          <a:lstStyle/>
+          <a:p>
+            <a:r>
+              <a:rPr lang="en-US" sz="1750" dirty="0"/>
+              <a:t>Transformations are used to create a recipe of changes you want to make to the data</a:t>
+            </a:r>
+          </a:p>
+          <a:p>
+            <a:pPr lvl="1"/>
+            <a:r>
+              <a:rPr lang="en-US" sz="1750" dirty="0"/>
+              <a:t>String parsing, data conversion, calculations</a:t>
+            </a:r>
+          </a:p>
+          <a:p>
+            <a:pPr lvl="1"/>
+            <a:r>
+              <a:rPr lang="en-US" sz="1750" dirty="0"/>
+              <a:t>Filtering</a:t>
+            </a:r>
+          </a:p>
+          <a:p>
+            <a:pPr lvl="1"/>
+            <a:r>
+              <a:rPr lang="en-US" sz="1750" dirty="0"/>
+              <a:t>Matching</a:t>
+            </a:r>
+          </a:p>
+          <a:p>
+            <a:pPr lvl="1"/>
+            <a:r>
+              <a:rPr lang="en-US" sz="1750" dirty="0"/>
+              <a:t>Sorting</a:t>
+            </a:r>
+          </a:p>
+          <a:p>
+            <a:pPr lvl="1"/>
+            <a:r>
+              <a:rPr lang="en-US" sz="1750" dirty="0"/>
+              <a:t>Aggregating</a:t>
+            </a:r>
+          </a:p>
+          <a:p>
+            <a:r>
+              <a:rPr lang="en-US" sz="1750" dirty="0"/>
+              <a:t>Some useful transformations:</a:t>
+            </a:r>
+          </a:p>
+          <a:p>
+            <a:pPr lvl="1"/>
+            <a:r>
+              <a:rPr lang="en-US" sz="1750" dirty="0"/>
+              <a:t>Narrow transformations</a:t>
+            </a:r>
+          </a:p>
+          <a:p>
+            <a:pPr lvl="2"/>
+            <a:r>
+              <a:rPr lang="en-US" sz="1750" dirty="0">
+                <a:latin typeface="Courier New" panose="02070309020205020404" pitchFamily="49" charset="0"/>
+                <a:cs typeface="Courier New" panose="02070309020205020404" pitchFamily="49" charset="0"/>
+              </a:rPr>
+              <a:t>rdd.map()</a:t>
+            </a:r>
+            <a:r>
+              <a:rPr lang="en-US" sz="1750" dirty="0">
+                <a:latin typeface="+mj-lt"/>
+                <a:cs typeface="Courier New" panose="02070309020205020404" pitchFamily="49" charset="0"/>
+              </a:rPr>
+              <a:t> </a:t>
+            </a:r>
+            <a:r>
+              <a:rPr lang="en-US" sz="1750" dirty="0">
+                <a:latin typeface="+mn-lt"/>
+                <a:cs typeface="Courier New" panose="02070309020205020404" pitchFamily="49" charset="0"/>
+              </a:rPr>
+              <a:t>–</a:t>
+            </a:r>
+            <a:r>
+              <a:rPr lang="en-US" sz="1750" dirty="0">
+                <a:latin typeface="+mn-lt"/>
+              </a:rPr>
+              <a:t> </a:t>
+            </a:r>
+            <a:r>
+              <a:rPr lang="en-US" sz="1750" dirty="0"/>
+              <a:t>applies a function to each element of the RDD</a:t>
+            </a:r>
+          </a:p>
+          <a:p>
+            <a:pPr lvl="2"/>
+            <a:r>
+              <a:rPr lang="en-US" sz="1750" dirty="0">
+                <a:latin typeface="Courier New" panose="02070309020205020404" pitchFamily="49" charset="0"/>
+                <a:cs typeface="Courier New" panose="02070309020205020404" pitchFamily="49" charset="0"/>
+              </a:rPr>
+              <a:t>rdd.flatMap()</a:t>
+            </a:r>
+            <a:r>
+              <a:rPr lang="en-US" sz="1750" dirty="0">
+                <a:latin typeface="+mj-lt"/>
+                <a:cs typeface="Courier New" panose="02070309020205020404" pitchFamily="49" charset="0"/>
+              </a:rPr>
+              <a:t> </a:t>
+            </a:r>
+            <a:r>
+              <a:rPr lang="en-US" sz="1750" dirty="0">
+                <a:latin typeface="+mn-lt"/>
+                <a:cs typeface="Courier New" panose="02070309020205020404" pitchFamily="49" charset="0"/>
+              </a:rPr>
+              <a:t>–</a:t>
+            </a:r>
+            <a:r>
+              <a:rPr lang="en-US" sz="1750" dirty="0">
+                <a:latin typeface="+mn-lt"/>
+              </a:rPr>
+              <a:t> </a:t>
+            </a:r>
+            <a:r>
+              <a:rPr lang="en-US" sz="1750" dirty="0"/>
+              <a:t>applies a function and flattens the elements</a:t>
+            </a:r>
+          </a:p>
+          <a:p>
+            <a:pPr lvl="2"/>
+            <a:r>
+              <a:rPr lang="en-US" sz="1750" dirty="0">
+                <a:latin typeface="Courier New" panose="02070309020205020404" pitchFamily="49" charset="0"/>
+                <a:cs typeface="Courier New" panose="02070309020205020404" pitchFamily="49" charset="0"/>
+              </a:rPr>
+              <a:t>rdd.filter()</a:t>
+            </a:r>
+            <a:r>
+              <a:rPr lang="en-US" sz="1750" dirty="0">
+                <a:latin typeface="+mj-lt"/>
+                <a:cs typeface="Courier New" panose="02070309020205020404" pitchFamily="49" charset="0"/>
+              </a:rPr>
+              <a:t> </a:t>
+            </a:r>
+            <a:r>
+              <a:rPr lang="en-US" sz="1750" dirty="0">
+                <a:latin typeface="+mn-lt"/>
+                <a:cs typeface="Courier New" panose="02070309020205020404" pitchFamily="49" charset="0"/>
+              </a:rPr>
+              <a:t>–</a:t>
+            </a:r>
+            <a:r>
+              <a:rPr lang="en-US" sz="1750" dirty="0">
+                <a:latin typeface="+mn-lt"/>
+              </a:rPr>
+              <a:t> </a:t>
+            </a:r>
+            <a:r>
+              <a:rPr lang="en-US" sz="1750" dirty="0"/>
+              <a:t>applies a function to determine if an element is returned</a:t>
+            </a:r>
+          </a:p>
+          <a:p>
+            <a:pPr lvl="1"/>
+            <a:r>
+              <a:rPr lang="en-US" sz="1750" dirty="0"/>
+              <a:t>Wide transformations</a:t>
+            </a:r>
+          </a:p>
+          <a:p>
+            <a:pPr lvl="2"/>
+            <a:r>
+              <a:rPr lang="en-US" sz="1750" dirty="0">
+                <a:latin typeface="Courier New" panose="02070309020205020404" pitchFamily="49" charset="0"/>
+                <a:cs typeface="Courier New" panose="02070309020205020404" pitchFamily="49" charset="0"/>
+              </a:rPr>
+              <a:t>rdd.sort()</a:t>
+            </a:r>
+            <a:r>
+              <a:rPr lang="en-US" sz="1750" dirty="0">
+                <a:latin typeface="+mj-lt"/>
+                <a:cs typeface="Courier New" panose="02070309020205020404" pitchFamily="49" charset="0"/>
+              </a:rPr>
+              <a:t> </a:t>
+            </a:r>
+            <a:r>
+              <a:rPr lang="en-US" sz="1750" dirty="0">
+                <a:latin typeface="+mn-lt"/>
+                <a:cs typeface="Courier New" panose="02070309020205020404" pitchFamily="49" charset="0"/>
+              </a:rPr>
+              <a:t>–</a:t>
+            </a:r>
+            <a:r>
+              <a:rPr lang="en-US" sz="1750" dirty="0">
+                <a:latin typeface="+mn-lt"/>
+              </a:rPr>
+              <a:t> </a:t>
+            </a:r>
+            <a:r>
+              <a:rPr lang="en-US" sz="1750" dirty="0"/>
+              <a:t>orders the RDD</a:t>
+            </a:r>
+          </a:p>
+          <a:p>
+            <a:pPr lvl="2"/>
+            <a:r>
+              <a:rPr lang="en-US" sz="1750" dirty="0">
+                <a:latin typeface="Courier New" panose="02070309020205020404" pitchFamily="49" charset="0"/>
+                <a:cs typeface="Courier New" panose="02070309020205020404" pitchFamily="49" charset="0"/>
+              </a:rPr>
+              <a:t>rdd.groupBy()</a:t>
+            </a:r>
+            <a:r>
+              <a:rPr lang="en-US" sz="1750" dirty="0">
+                <a:latin typeface="+mj-lt"/>
+                <a:cs typeface="Courier New" panose="02070309020205020404" pitchFamily="49" charset="0"/>
+              </a:rPr>
+              <a:t> </a:t>
+            </a:r>
+            <a:r>
+              <a:rPr lang="en-US" sz="1750" dirty="0">
+                <a:latin typeface="+mn-lt"/>
+                <a:cs typeface="Courier New" panose="02070309020205020404" pitchFamily="49" charset="0"/>
+              </a:rPr>
+              <a:t>–</a:t>
+            </a:r>
+            <a:r>
+              <a:rPr lang="en-US" sz="1750" dirty="0"/>
+              <a:t> accumulates items with a key into a tuple of the key and list of the items</a:t>
+            </a:r>
+          </a:p>
+          <a:p>
+            <a:pPr lvl="2"/>
+            <a:r>
+              <a:rPr lang="en-US" sz="1750" dirty="0">
+                <a:latin typeface="Courier New" panose="02070309020205020404" pitchFamily="49" charset="0"/>
+                <a:cs typeface="Courier New" panose="02070309020205020404" pitchFamily="49" charset="0"/>
+              </a:rPr>
+              <a:t>rdd.reduce()</a:t>
+            </a:r>
+            <a:r>
+              <a:rPr lang="en-US" sz="1750" dirty="0">
+                <a:latin typeface="+mj-lt"/>
+                <a:cs typeface="Courier New" panose="02070309020205020404" pitchFamily="49" charset="0"/>
+              </a:rPr>
+              <a:t> </a:t>
+            </a:r>
+            <a:r>
+              <a:rPr lang="en-US" sz="1750" dirty="0">
+                <a:latin typeface="+mn-lt"/>
+                <a:cs typeface="Courier New" panose="02070309020205020404" pitchFamily="49" charset="0"/>
+              </a:rPr>
+              <a:t>–</a:t>
+            </a:r>
+            <a:r>
+              <a:rPr lang="en-US" sz="1750" dirty="0">
+                <a:latin typeface="+mn-lt"/>
+              </a:rPr>
+              <a:t> </a:t>
+            </a:r>
+            <a:r>
+              <a:rPr lang="en-US" sz="1750" dirty="0"/>
+              <a:t>runs a function on items for a key to return an aggregated value</a:t>
+            </a:r>
+          </a:p>
+          <a:p>
+            <a:pPr lvl="2"/>
+            <a:r>
+              <a:rPr lang="en-US" sz="1750" dirty="0">
+                <a:latin typeface="Courier New" panose="02070309020205020404" pitchFamily="49" charset="0"/>
+                <a:cs typeface="Courier New" panose="02070309020205020404" pitchFamily="49" charset="0"/>
+              </a:rPr>
+              <a:t>rdd.join()</a:t>
+            </a:r>
+            <a:r>
+              <a:rPr lang="en-US" sz="1750" dirty="0">
+                <a:latin typeface="+mj-lt"/>
+                <a:cs typeface="Courier New" panose="02070309020205020404" pitchFamily="49" charset="0"/>
+              </a:rPr>
+              <a:t> </a:t>
+            </a:r>
+            <a:r>
+              <a:rPr lang="en-US" sz="1750" dirty="0">
+                <a:latin typeface="+mn-lt"/>
+                <a:cs typeface="Courier New" panose="02070309020205020404" pitchFamily="49" charset="0"/>
+              </a:rPr>
+              <a:t>–</a:t>
+            </a:r>
+            <a:r>
+              <a:rPr lang="en-US" sz="1750" dirty="0">
+                <a:latin typeface="+mn-lt"/>
+              </a:rPr>
+              <a:t> </a:t>
+            </a:r>
+            <a:r>
+              <a:rPr lang="en-US" sz="1750" dirty="0"/>
+              <a:t>matches elements in one RDD to another</a:t>
+            </a:r>
+          </a:p>
+          <a:p>
+            <a:pPr lvl="2"/>
+            <a:endParaRPr lang="en-US" sz="1750" dirty="0"/>
+          </a:p>
+        </p:txBody>
+      </p:sp>
+      <p:sp>
+        <p:nvSpPr>
+          <p:cNvPr id="2" name="Title 1"/>
+          <p:cNvSpPr>
+            <a:spLocks noGrp="1"/>
+          </p:cNvSpPr>
+          <p:nvPr>
+            <p:ph type="title"/>
           </p:nvPr>
         </p:nvSpPr>
         <p:spPr/>
@@ -12080,154 +12425,7 @@
           <a:p>
             <a:r>
               <a:rPr lang="en-US" dirty="0"/>
-              <a:t>There are a lot of methods to save data to different formats</a:t>
-            </a:r>
-          </a:p>
-          <a:p>
-            <a:pPr lvl="1"/>
-            <a:r>
-              <a:rPr lang="en-US" dirty="0">
-                <a:latin typeface="Courier New" panose="02070309020205020404" pitchFamily="49" charset="0"/>
-                <a:cs typeface="Courier New" panose="02070309020205020404" pitchFamily="49" charset="0"/>
-              </a:rPr>
-              <a:t>rdd.saveAsTextFile()</a:t>
-            </a:r>
-            <a:r>
-              <a:rPr lang="en-US" dirty="0">
-                <a:latin typeface="+mj-lt"/>
-                <a:cs typeface="Courier New" panose="02070309020205020404" pitchFamily="49" charset="0"/>
-              </a:rPr>
-              <a:t> </a:t>
-            </a:r>
-            <a:r>
-              <a:rPr lang="en-US" dirty="0">
-                <a:latin typeface="+mn-lt"/>
-                <a:cs typeface="Courier New" panose="02070309020205020404" pitchFamily="49" charset="0"/>
-              </a:rPr>
-              <a:t>–</a:t>
-            </a:r>
-            <a:r>
-              <a:rPr lang="en-US" dirty="0">
-                <a:latin typeface="+mn-lt"/>
-              </a:rPr>
-              <a:t> </a:t>
-            </a:r>
-            <a:r>
-              <a:rPr lang="en-US" dirty="0"/>
-              <a:t>saves the RDD as a plain text file</a:t>
-            </a:r>
-          </a:p>
-          <a:p>
-            <a:pPr lvl="1"/>
-            <a:r>
-              <a:rPr lang="en-US" dirty="0">
-                <a:latin typeface="Courier New" panose="02070309020205020404" pitchFamily="49" charset="0"/>
-                <a:cs typeface="Courier New" panose="02070309020205020404" pitchFamily="49" charset="0"/>
-              </a:rPr>
-              <a:t>rdd.saveAsHadoopFile()</a:t>
-            </a:r>
-            <a:r>
-              <a:rPr lang="en-US" dirty="0">
-                <a:latin typeface="+mj-lt"/>
-                <a:cs typeface="Courier New" panose="02070309020205020404" pitchFamily="49" charset="0"/>
-              </a:rPr>
-              <a:t> </a:t>
-            </a:r>
-            <a:r>
-              <a:rPr lang="en-US" dirty="0">
-                <a:latin typeface="+mn-lt"/>
-                <a:cs typeface="Courier New" panose="02070309020205020404" pitchFamily="49" charset="0"/>
-              </a:rPr>
-              <a:t>– </a:t>
-            </a:r>
-            <a:r>
-              <a:rPr lang="en-US" dirty="0"/>
-              <a:t>saves the RDD as a key/value pair file suitable for Hadoop</a:t>
-            </a:r>
-          </a:p>
-          <a:p>
-            <a:pPr lvl="1"/>
-            <a:r>
-              <a:rPr lang="en-US" dirty="0">
-                <a:latin typeface="Courier New" panose="02070309020205020404" pitchFamily="49" charset="0"/>
-                <a:cs typeface="Courier New" panose="02070309020205020404" pitchFamily="49" charset="0"/>
-              </a:rPr>
-              <a:t>rdd.saveAsSequenceFile()</a:t>
-            </a:r>
-            <a:r>
-              <a:rPr lang="en-US" dirty="0">
-                <a:latin typeface="+mj-lt"/>
-                <a:cs typeface="Courier New" panose="02070309020205020404" pitchFamily="49" charset="0"/>
-              </a:rPr>
-              <a:t> </a:t>
-            </a:r>
-            <a:r>
-              <a:rPr lang="en-US" dirty="0">
-                <a:latin typeface="+mn-lt"/>
-                <a:cs typeface="Courier New" panose="02070309020205020404" pitchFamily="49" charset="0"/>
-              </a:rPr>
-              <a:t>– </a:t>
-            </a:r>
-            <a:r>
-              <a:rPr lang="en-US" dirty="0"/>
-              <a:t>saves the RDD as a Hadoop sequence file</a:t>
-            </a:r>
-          </a:p>
-          <a:p>
-            <a:pPr lvl="1"/>
-            <a:r>
-              <a:rPr lang="en-US" dirty="0" err="1">
-                <a:latin typeface="Courier New" panose="02070309020205020404" pitchFamily="49" charset="0"/>
-                <a:cs typeface="Courier New" panose="02070309020205020404" pitchFamily="49" charset="0"/>
-              </a:rPr>
-              <a:t>rdd.saveAsPickleFile</a:t>
-            </a:r>
-            <a:r>
-              <a:rPr lang="en-US" dirty="0">
-                <a:latin typeface="Courier New" panose="02070309020205020404" pitchFamily="49" charset="0"/>
-                <a:cs typeface="Courier New" panose="02070309020205020404" pitchFamily="49" charset="0"/>
-              </a:rPr>
-              <a:t>()</a:t>
-            </a:r>
-            <a:r>
-              <a:rPr lang="en-US" dirty="0">
-                <a:latin typeface="+mj-lt"/>
-                <a:cs typeface="Courier New" panose="02070309020205020404" pitchFamily="49" charset="0"/>
-              </a:rPr>
-              <a:t> </a:t>
-            </a:r>
-            <a:r>
-              <a:rPr lang="en-US" dirty="0">
-                <a:latin typeface="+mn-lt"/>
-                <a:cs typeface="Courier New" panose="02070309020205020404" pitchFamily="49" charset="0"/>
-              </a:rPr>
-              <a:t>– </a:t>
-            </a:r>
-            <a:r>
-              <a:rPr lang="en-US" dirty="0"/>
-              <a:t>saves the RDD as a Python pickle file</a:t>
-            </a:r>
-          </a:p>
-        </p:txBody>
-      </p:sp>
-      <p:sp>
-        <p:nvSpPr>
-          <p:cNvPr id="2" name="Title 1"/>
-          <p:cNvSpPr>
-            <a:spLocks noGrp="1"/>
-          </p:cNvSpPr>
-          <p:nvPr>
-            <p:ph type="title"/>
-          </p:nvPr>
-        </p:nvSpPr>
-        <p:spPr/>
-        <p:txBody>
-          <a:bodyPr/>
-          <a:lstStyle/>
-          <a:p>
-            <a:r>
-              <a:rPr lang="en-US" dirty="0"/>
-              <a:t>Saving Data</a:t>
+              <a:t>Transformations</a:t>
             </a:r>
           </a:p>
         </p:txBody>
@@ -12235,7 +12433,7 @@
     </p:spTree>
     <p:extLst>
       <p:ext uri="{BB962C8B-B14F-4D97-AF65-F5344CB8AC3E}">
-        <p14:creationId xmlns:p14="http://schemas.microsoft.com/office/powerpoint/2010/main" val="1414255862"/>
+        <p14:creationId xmlns:p14="http://schemas.microsoft.com/office/powerpoint/2010/main" val="3750436909"/>
       </p:ext>
     </p:extLst>
   </p:cSld>
@@ -12264,7 +12462,13 @@
       </p:grpSpPr>
       <p:sp>
         <p:nvSpPr>
-          <p:cNvPr id="3" name="Content Placeholder 2"/>
+          <p:cNvPr id="5" name="Content Placeholder 4">
+            <a:extLst>
+              <a:ext uri="{FF2B5EF4-FFF2-40B4-BE49-F238E27FC236}">
+                <a16:creationId xmlns:a16="http://schemas.microsoft.com/office/drawing/2014/main" id="{2D70B215-4C26-49BB-8FE4-7D1CDCD1728C}"/>
+              </a:ext>
+            </a:extLst>
+          </p:cNvPr>
           <p:cNvSpPr>
             <a:spLocks noGrp="1"/>
           </p:cNvSpPr>
@@ -12274,8 +12478,8 @@
         </p:nvSpPr>
         <p:spPr>
           <a:xfrm>
-            <a:off x="581024" y="1109894"/>
-            <a:ext cx="8297800" cy="5072616"/>
+            <a:off x="581025" y="1155614"/>
+            <a:ext cx="8458472" cy="5072616"/>
           </a:xfrm>
         </p:spPr>
         <p:txBody>
@@ -12283,300 +12487,106 @@
           <a:lstStyle/>
           <a:p>
             <a:r>
-              <a:rPr lang="en-US" sz="1750" dirty="0"/>
-              <a:t>Transformations are used to create a recipe of changes you want to make to the data</a:t>
-            </a:r>
-          </a:p>
-          <a:p>
-            <a:pPr lvl="1"/>
-            <a:r>
-              <a:rPr lang="en-US" sz="1750" dirty="0"/>
-              <a:t>String parsing, data conversion, calculations</a:t>
-            </a:r>
-          </a:p>
-          <a:p>
-            <a:pPr lvl="1"/>
-            <a:r>
-              <a:rPr lang="en-US" sz="1750" dirty="0"/>
-              <a:t>Filtering</a:t>
-            </a:r>
-          </a:p>
-          <a:p>
-            <a:pPr lvl="1"/>
-            <a:r>
-              <a:rPr lang="en-US" sz="1750" dirty="0"/>
-              <a:t>Matching</a:t>
-            </a:r>
-          </a:p>
-          <a:p>
-            <a:pPr lvl="1"/>
-            <a:r>
-              <a:rPr lang="en-US" sz="1750" dirty="0"/>
-              <a:t>Sorting</a:t>
-            </a:r>
-          </a:p>
-          <a:p>
-            <a:pPr lvl="1"/>
-            <a:r>
-              <a:rPr lang="en-US" sz="1750" dirty="0"/>
-              <a:t>Aggregating</a:t>
-            </a:r>
-          </a:p>
-          <a:p>
-            <a:r>
-              <a:rPr lang="en-US" sz="1750" dirty="0"/>
-              <a:t>Some useful transformations:</a:t>
-            </a:r>
-          </a:p>
-          <a:p>
-            <a:pPr lvl="1"/>
-            <a:r>
-              <a:rPr lang="en-US" sz="1750" dirty="0"/>
-              <a:t>Narrow transformations</a:t>
-            </a:r>
-          </a:p>
-          <a:p>
-            <a:pPr lvl="2"/>
-            <a:r>
-              <a:rPr lang="en-US" sz="1750" dirty="0">
+              <a:rPr lang="en-US" dirty="0"/>
+              <a:t>Many actions and transformations take a function as a parameter to allow customization of how the method works</a:t>
+            </a:r>
+          </a:p>
+          <a:p>
+            <a:r>
+              <a:rPr lang="en-US" dirty="0"/>
+              <a:t>You could pass it a function name if you have one defined, but in many cases the functions are trivial</a:t>
+            </a:r>
+          </a:p>
+          <a:p>
+            <a:r>
+              <a:rPr lang="en-US" dirty="0"/>
+              <a:t>Python allows you to create a function on the fly that can be passed as a parameter without the need to create the function in advance</a:t>
+            </a:r>
+          </a:p>
+          <a:p>
+            <a:r>
+              <a:rPr lang="en-US" dirty="0"/>
+              <a:t>If all you need to do is create a simple function that takes one or more parameters and return a calculation that can be done in a single statement, then a lambda is a good choice</a:t>
+            </a:r>
+          </a:p>
+          <a:p>
+            <a:pPr marL="0" indent="0">
+              <a:buNone/>
+            </a:pPr>
+            <a:r>
+              <a:rPr lang="en-US" dirty="0">
                 <a:latin typeface="Courier New" panose="02070309020205020404" pitchFamily="49" charset="0"/>
                 <a:cs typeface="Courier New" panose="02070309020205020404" pitchFamily="49" charset="0"/>
               </a:rPr>
-              <a:t>rdd.map()</a:t>
-            </a:r>
-            <a:r>
-              <a:rPr lang="en-US" sz="1750" dirty="0">
-                <a:latin typeface="+mj-lt"/>
-                <a:cs typeface="Courier New" panose="02070309020205020404" pitchFamily="49" charset="0"/>
-              </a:rPr>
-              <a:t> </a:t>
-            </a:r>
-            <a:r>
-              <a:rPr lang="en-US" sz="1750" dirty="0">
-                <a:latin typeface="+mn-lt"/>
-                <a:cs typeface="Courier New" panose="02070309020205020404" pitchFamily="49" charset="0"/>
-              </a:rPr>
-              <a:t>–</a:t>
-            </a:r>
-            <a:r>
-              <a:rPr lang="en-US" sz="1750" dirty="0">
-                <a:latin typeface="+mn-lt"/>
-              </a:rPr>
-              <a:t> </a:t>
-            </a:r>
-            <a:r>
-              <a:rPr lang="en-US" sz="1750" dirty="0"/>
-              <a:t>applies a function to each element of the RDD</a:t>
-            </a:r>
-          </a:p>
-          <a:p>
-            <a:pPr lvl="2"/>
-            <a:r>
-              <a:rPr lang="en-US" sz="1750" dirty="0">
+              <a:t>  def isEven(x):</a:t>
+            </a:r>
+            <a:br>
+              <a:rPr lang="en-US" dirty="0">
                 <a:latin typeface="Courier New" panose="02070309020205020404" pitchFamily="49" charset="0"/>
                 <a:cs typeface="Courier New" panose="02070309020205020404" pitchFamily="49" charset="0"/>
               </a:rPr>
-              <a:t>rdd.flatMap()</a:t>
-            </a:r>
-            <a:r>
-              <a:rPr lang="en-US" sz="1750" dirty="0">
-                <a:latin typeface="+mj-lt"/>
-                <a:cs typeface="Courier New" panose="02070309020205020404" pitchFamily="49" charset="0"/>
-              </a:rPr>
-              <a:t> </a:t>
-            </a:r>
-            <a:r>
-              <a:rPr lang="en-US" sz="1750" dirty="0">
-                <a:latin typeface="+mn-lt"/>
-                <a:cs typeface="Courier New" panose="02070309020205020404" pitchFamily="49" charset="0"/>
-              </a:rPr>
-              <a:t>–</a:t>
-            </a:r>
-            <a:r>
-              <a:rPr lang="en-US" sz="1750" dirty="0">
-                <a:latin typeface="+mn-lt"/>
-              </a:rPr>
-              <a:t> </a:t>
-            </a:r>
-            <a:r>
-              <a:rPr lang="en-US" sz="1750" dirty="0"/>
-              <a:t>applies a function and flattens the elements</a:t>
-            </a:r>
-          </a:p>
-          <a:p>
-            <a:pPr lvl="2"/>
-            <a:r>
-              <a:rPr lang="en-US" sz="1750" dirty="0">
+            </a:br>
+            <a:r>
+              <a:rPr lang="en-US" dirty="0">
                 <a:latin typeface="Courier New" panose="02070309020205020404" pitchFamily="49" charset="0"/>
                 <a:cs typeface="Courier New" panose="02070309020205020404" pitchFamily="49" charset="0"/>
               </a:rPr>
-              <a:t>rdd.filter()</a:t>
-            </a:r>
-            <a:r>
-              <a:rPr lang="en-US" sz="1750" dirty="0">
-                <a:latin typeface="+mj-lt"/>
-                <a:cs typeface="Courier New" panose="02070309020205020404" pitchFamily="49" charset="0"/>
-              </a:rPr>
-              <a:t> </a:t>
-            </a:r>
-            <a:r>
-              <a:rPr lang="en-US" sz="1750" dirty="0">
-                <a:latin typeface="+mn-lt"/>
-                <a:cs typeface="Courier New" panose="02070309020205020404" pitchFamily="49" charset="0"/>
-              </a:rPr>
-              <a:t>–</a:t>
-            </a:r>
-            <a:r>
-              <a:rPr lang="en-US" sz="1750" dirty="0">
-                <a:latin typeface="+mn-lt"/>
-              </a:rPr>
-              <a:t> </a:t>
-            </a:r>
-            <a:r>
-              <a:rPr lang="en-US" sz="1750" dirty="0"/>
-              <a:t>applies a function to determine if an element is returned</a:t>
-            </a:r>
-          </a:p>
-          <a:p>
-            <a:pPr lvl="1"/>
-            <a:r>
-              <a:rPr lang="en-US" sz="1750" dirty="0"/>
-              <a:t>Wide transformations</a:t>
-            </a:r>
-          </a:p>
-          <a:p>
-            <a:pPr lvl="2"/>
-            <a:r>
-              <a:rPr lang="en-US" sz="1750" dirty="0">
+              <a:t>      return x % 2</a:t>
+            </a:r>
+            <a:br>
+              <a:rPr lang="en-US" dirty="0">
                 <a:latin typeface="Courier New" panose="02070309020205020404" pitchFamily="49" charset="0"/>
                 <a:cs typeface="Courier New" panose="02070309020205020404" pitchFamily="49" charset="0"/>
               </a:rPr>
-              <a:t>rdd.sort()</a:t>
-            </a:r>
-            <a:r>
-              <a:rPr lang="en-US" sz="1750" dirty="0">
-                <a:latin typeface="+mj-lt"/>
-                <a:cs typeface="Courier New" panose="02070309020205020404" pitchFamily="49" charset="0"/>
-              </a:rPr>
-              <a:t> </a:t>
-            </a:r>
-            <a:r>
-              <a:rPr lang="en-US" sz="1750" dirty="0">
-                <a:latin typeface="+mn-lt"/>
-                <a:cs typeface="Courier New" panose="02070309020205020404" pitchFamily="49" charset="0"/>
-              </a:rPr>
-              <a:t>–</a:t>
-            </a:r>
-            <a:r>
-              <a:rPr lang="en-US" sz="1750" dirty="0">
-                <a:latin typeface="+mn-lt"/>
-              </a:rPr>
-              <a:t> </a:t>
-            </a:r>
-            <a:r>
-              <a:rPr lang="en-US" sz="1750" dirty="0"/>
-              <a:t>orders the RDD</a:t>
-            </a:r>
-          </a:p>
-          <a:p>
-            <a:pPr lvl="2"/>
-            <a:r>
-              <a:rPr lang="en-US" sz="1750" dirty="0">
+            </a:br>
+            <a:r>
+              <a:rPr lang="en-US" dirty="0">
                 <a:latin typeface="Courier New" panose="02070309020205020404" pitchFamily="49" charset="0"/>
                 <a:cs typeface="Courier New" panose="02070309020205020404" pitchFamily="49" charset="0"/>
               </a:rPr>
-              <a:t>rdd.groupBy()</a:t>
-            </a:r>
-            <a:r>
-              <a:rPr lang="en-US" sz="1750" dirty="0">
-                <a:latin typeface="+mj-lt"/>
-                <a:cs typeface="Courier New" panose="02070309020205020404" pitchFamily="49" charset="0"/>
-              </a:rPr>
-              <a:t> </a:t>
-            </a:r>
-            <a:r>
-              <a:rPr lang="en-US" sz="1750" dirty="0">
-                <a:latin typeface="+mn-lt"/>
-                <a:cs typeface="Courier New" panose="02070309020205020404" pitchFamily="49" charset="0"/>
-              </a:rPr>
-              <a:t>–</a:t>
-            </a:r>
-            <a:r>
-              <a:rPr lang="en-US" sz="1750" dirty="0"/>
-              <a:t> accumulates items with a key into a tuple of the key and list of the items</a:t>
-            </a:r>
-          </a:p>
-          <a:p>
-            <a:pPr lvl="2"/>
-            <a:r>
-              <a:rPr lang="en-US" sz="1750" dirty="0">
+              <a:t>  isEven = lambda x : x % 2</a:t>
+            </a:r>
+          </a:p>
+          <a:p>
+            <a:pPr marL="0" indent="0">
+              <a:buNone/>
+            </a:pPr>
+            <a:r>
+              <a:rPr lang="en-US" dirty="0">
                 <a:latin typeface="Courier New" panose="02070309020205020404" pitchFamily="49" charset="0"/>
                 <a:cs typeface="Courier New" panose="02070309020205020404" pitchFamily="49" charset="0"/>
               </a:rPr>
-              <a:t>rdd.reduce()</a:t>
-            </a:r>
-            <a:r>
-              <a:rPr lang="en-US" sz="1750" dirty="0">
-                <a:latin typeface="+mj-lt"/>
-                <a:cs typeface="Courier New" panose="02070309020205020404" pitchFamily="49" charset="0"/>
-              </a:rPr>
-              <a:t> </a:t>
-            </a:r>
-            <a:r>
-              <a:rPr lang="en-US" sz="1750" dirty="0">
-                <a:latin typeface="+mn-lt"/>
-                <a:cs typeface="Courier New" panose="02070309020205020404" pitchFamily="49" charset="0"/>
-              </a:rPr>
-              <a:t>–</a:t>
-            </a:r>
-            <a:r>
-              <a:rPr lang="en-US" sz="1750" dirty="0">
-                <a:latin typeface="+mn-lt"/>
-              </a:rPr>
-              <a:t> </a:t>
-            </a:r>
-            <a:r>
-              <a:rPr lang="en-US" sz="1750" dirty="0"/>
-              <a:t>runs a function on items for a key to return an aggregated value</a:t>
-            </a:r>
-          </a:p>
-          <a:p>
-            <a:pPr lvl="2"/>
-            <a:r>
-              <a:rPr lang="en-US" sz="1750" dirty="0">
+              <a:t>  rdd.filter(isEven)</a:t>
+            </a:r>
+            <a:br>
+              <a:rPr lang="en-US" dirty="0">
                 <a:latin typeface="Courier New" panose="02070309020205020404" pitchFamily="49" charset="0"/>
                 <a:cs typeface="Courier New" panose="02070309020205020404" pitchFamily="49" charset="0"/>
               </a:rPr>
-              <a:t>rdd.join()</a:t>
-            </a:r>
-            <a:r>
-              <a:rPr lang="en-US" sz="1750" dirty="0">
-                <a:latin typeface="+mj-lt"/>
+            </a:br>
+            <a:r>
+              <a:rPr lang="en-US" dirty="0">
+                <a:latin typeface="Courier New" panose="02070309020205020404" pitchFamily="49" charset="0"/>
                 <a:cs typeface="Courier New" panose="02070309020205020404" pitchFamily="49" charset="0"/>
               </a:rPr>
-              <a:t> </a:t>
-            </a:r>
-            <a:r>
-              <a:rPr lang="en-US" sz="1750" dirty="0">
-                <a:latin typeface="+mn-lt"/>
+              <a:t>  rdd.filter(lambda x: x % 2)</a:t>
+            </a:r>
+            <a:br>
+              <a:rPr lang="en-US" dirty="0">
+                <a:latin typeface="Courier New" panose="02070309020205020404" pitchFamily="49" charset="0"/>
                 <a:cs typeface="Courier New" panose="02070309020205020404" pitchFamily="49" charset="0"/>
               </a:rPr>
-              <a:t>–</a:t>
-            </a:r>
-            <a:r>
-              <a:rPr lang="en-US" sz="1750" dirty="0">
-                <a:latin typeface="+mn-lt"/>
+            </a:br>
+            <a:r>
+              <a:rPr lang="en-US" dirty="0">
+                <a:latin typeface="Courier New" panose="02070309020205020404" pitchFamily="49" charset="0"/>
+                <a:cs typeface="Courier New" panose="02070309020205020404" pitchFamily="49" charset="0"/>
               </a:rPr>
-              <a:t> </a:t>
-            </a:r>
-            <a:r>
-              <a:rPr lang="en-US" sz="1750" dirty="0"/>
-              <a:t>matches elements in one RDD to another</a:t>
-            </a:r>
-          </a:p>
-          <a:p>
-            <a:pPr lvl="2"/>
-            <a:endParaRPr lang="en-US" sz="1750" dirty="0"/>
+              <a:t>  sc.parallelize(range(1, 11)).sortBy(lambda x : (x % 2, x))</a:t>
+            </a:r>
+          </a:p>
+          <a:p>
+            <a:endParaRPr lang="en-US" dirty="0"/>
           </a:p>
         </p:txBody>
       </p:sp>
@@ -12597,7 +12607,7 @@
           <a:p>
             <a:r>
               <a:rPr lang="en-US" dirty="0"/>
-              <a:t>Transformations</a:t>
+              <a:t>Lambda</a:t>
             </a:r>
           </a:p>
         </p:txBody>
@@ -12605,7 +12615,7 @@
     </p:spTree>
     <p:extLst>
       <p:ext uri="{BB962C8B-B14F-4D97-AF65-F5344CB8AC3E}">
-        <p14:creationId xmlns:p14="http://schemas.microsoft.com/office/powerpoint/2010/main" val="3750436909"/>
+        <p14:creationId xmlns:p14="http://schemas.microsoft.com/office/powerpoint/2010/main" val="3129580946"/>
       </p:ext>
     </p:extLst>
   </p:cSld>
@@ -12634,142 +12644,12 @@
       </p:grpSpPr>
       <p:sp>
         <p:nvSpPr>
-          <p:cNvPr id="5" name="Content Placeholder 4">
-            <a:extLst>
-              <a:ext uri="{FF2B5EF4-FFF2-40B4-BE49-F238E27FC236}">
-                <a16:creationId xmlns:a16="http://schemas.microsoft.com/office/drawing/2014/main" id="{2D70B215-4C26-49BB-8FE4-7D1CDCD1728C}"/>
-              </a:ext>
-            </a:extLst>
-          </p:cNvPr>
+          <p:cNvPr id="3" name="Content Placeholder 2"/>
           <p:cNvSpPr>
             <a:spLocks noGrp="1"/>
           </p:cNvSpPr>
           <p:nvPr>
             <p:ph idx="1"/>
-          </p:nvPr>
-        </p:nvSpPr>
-        <p:spPr>
-          <a:xfrm>
-            <a:off x="581025" y="1155614"/>
-            <a:ext cx="8458472" cy="5072616"/>
-          </a:xfrm>
-        </p:spPr>
-        <p:txBody>
-          <a:bodyPr/>
-          <a:lstStyle/>
-          <a:p>
-            <a:r>
-              <a:rPr lang="en-US" dirty="0"/>
-              <a:t>Many actions and transformations take a function as a parameter to allow customization of how the method works</a:t>
-            </a:r>
-          </a:p>
-          <a:p>
-            <a:r>
-              <a:rPr lang="en-US" dirty="0"/>
-              <a:t>You could pass it a function name if you have one defined, but in many cases the functions are trivial</a:t>
-            </a:r>
-          </a:p>
-          <a:p>
-            <a:r>
-              <a:rPr lang="en-US" dirty="0"/>
-              <a:t>Python allows you to create a function on the fly that can be passed as a parameter without the need to create the function in advance</a:t>
-            </a:r>
-          </a:p>
-          <a:p>
-            <a:r>
-              <a:rPr lang="en-US" dirty="0"/>
-              <a:t>If all you need to do is create a simple function that takes one or more parameters and return a calculation that can be done in a single statement, then a lambda is a good choice</a:t>
-            </a:r>
-          </a:p>
-          <a:p>
-            <a:pPr marL="0" indent="0">
-              <a:buNone/>
-            </a:pPr>
-            <a:r>
-              <a:rPr lang="en-US" dirty="0">
-                <a:latin typeface="Courier New" panose="02070309020205020404" pitchFamily="49" charset="0"/>
-                <a:cs typeface="Courier New" panose="02070309020205020404" pitchFamily="49" charset="0"/>
-              </a:rPr>
-              <a:t>  def isEven(x):</a:t>
-            </a:r>
-            <a:br>
-              <a:rPr lang="en-US" dirty="0">
-                <a:latin typeface="Courier New" panose="02070309020205020404" pitchFamily="49" charset="0"/>
-                <a:cs typeface="Courier New" panose="02070309020205020404" pitchFamily="49" charset="0"/>
-              </a:rPr>
-            </a:br>
-            <a:r>
-              <a:rPr lang="en-US" dirty="0">
-                <a:latin typeface="Courier New" panose="02070309020205020404" pitchFamily="49" charset="0"/>
-                <a:cs typeface="Courier New" panose="02070309020205020404" pitchFamily="49" charset="0"/>
-              </a:rPr>
-              <a:t>      return x % 2</a:t>
-            </a:r>
-            <a:br>
-              <a:rPr lang="en-US" dirty="0">
-                <a:latin typeface="Courier New" panose="02070309020205020404" pitchFamily="49" charset="0"/>
-                <a:cs typeface="Courier New" panose="02070309020205020404" pitchFamily="49" charset="0"/>
-              </a:rPr>
-            </a:br>
-            <a:r>
-              <a:rPr lang="en-US" dirty="0">
-                <a:latin typeface="Courier New" panose="02070309020205020404" pitchFamily="49" charset="0"/>
-                <a:cs typeface="Courier New" panose="02070309020205020404" pitchFamily="49" charset="0"/>
-              </a:rPr>
-              <a:t>  isEven = lambda x : x % 2</a:t>
-            </a:r>
-          </a:p>
-          <a:p>
-            <a:pPr marL="0" indent="0">
-              <a:buNone/>
-            </a:pPr>
-            <a:r>
-              <a:rPr lang="en-US" dirty="0">
-                <a:latin typeface="Courier New" panose="02070309020205020404" pitchFamily="49" charset="0"/>
-                <a:cs typeface="Courier New" panose="02070309020205020404" pitchFamily="49" charset="0"/>
-              </a:rPr>
-              <a:t>  rdd.filter(isEven)</a:t>
-            </a:r>
-            <a:br>
-              <a:rPr lang="en-US" dirty="0">
-                <a:latin typeface="Courier New" panose="02070309020205020404" pitchFamily="49" charset="0"/>
-                <a:cs typeface="Courier New" panose="02070309020205020404" pitchFamily="49" charset="0"/>
-              </a:rPr>
-            </a:br>
-            <a:r>
-              <a:rPr lang="en-US" dirty="0">
-                <a:latin typeface="Courier New" panose="02070309020205020404" pitchFamily="49" charset="0"/>
-                <a:cs typeface="Courier New" panose="02070309020205020404" pitchFamily="49" charset="0"/>
-              </a:rPr>
-              <a:t>  rdd.filter(lambda x: x % 2)</a:t>
-            </a:r>
-            <a:br>
-              <a:rPr lang="en-US" dirty="0">
-                <a:latin typeface="Courier New" panose="02070309020205020404" pitchFamily="49" charset="0"/>
-                <a:cs typeface="Courier New" panose="02070309020205020404" pitchFamily="49" charset="0"/>
-              </a:rPr>
-            </a:br>
-            <a:r>
-              <a:rPr lang="en-US" dirty="0">
-                <a:latin typeface="Courier New" panose="02070309020205020404" pitchFamily="49" charset="0"/>
-                <a:cs typeface="Courier New" panose="02070309020205020404" pitchFamily="49" charset="0"/>
-              </a:rPr>
-              <a:t>  sc.parallelize(range(1, 11)).sortBy(lambda x : (x % 2, x))</a:t>
-            </a:r>
-          </a:p>
-          <a:p>
-            <a:endParaRPr lang="en-US" dirty="0"/>
-          </a:p>
-        </p:txBody>
-      </p:sp>
-      <p:sp>
-        <p:nvSpPr>
-          <p:cNvPr id="2" name="Title 1"/>
-          <p:cNvSpPr>
-            <a:spLocks noGrp="1"/>
-          </p:cNvSpPr>
-          <p:nvPr>
-            <p:ph type="title"/>
           </p:nvPr>
         </p:nvSpPr>
         <p:spPr/>
@@ -12777,9 +12657,67 @@
           <a:bodyPr/>
           <a:lstStyle/>
           <a:p>
-            <a:r>
-              <a:rPr lang="en-US" dirty="0"/>
-              <a:t>Lambda</a:t>
+            <a:pPr marL="0" indent="0">
+              <a:buNone/>
+            </a:pPr>
+            <a:r>
+              <a:rPr lang="en-US" dirty="0"/>
+              <a:t>In this chapter, we have:</a:t>
+            </a:r>
+          </a:p>
+          <a:p>
+            <a:r>
+              <a:rPr lang="en-US" dirty="0"/>
+              <a:t>Reviewed the basics of Hadoop</a:t>
+            </a:r>
+          </a:p>
+          <a:p>
+            <a:r>
+              <a:rPr lang="en-US" dirty="0"/>
+              <a:t>Reviewed the history of Apache Spark</a:t>
+            </a:r>
+          </a:p>
+          <a:p>
+            <a:r>
+              <a:rPr lang="en-US" dirty="0"/>
+              <a:t>Looked at the architecture and components of Apache Spark</a:t>
+            </a:r>
+          </a:p>
+          <a:p>
+            <a:r>
+              <a:rPr lang="en-US" dirty="0"/>
+              <a:t>Loaded files into RDD</a:t>
+            </a:r>
+          </a:p>
+          <a:p>
+            <a:r>
+              <a:rPr lang="en-US" dirty="0"/>
+              <a:t>Processed RDD using actions and transformation</a:t>
+            </a:r>
+          </a:p>
+          <a:p>
+            <a:endParaRPr lang="en-US" dirty="0"/>
+          </a:p>
+        </p:txBody>
+      </p:sp>
+      <p:sp>
+        <p:nvSpPr>
+          <p:cNvPr id="2" name="Title 1"/>
+          <p:cNvSpPr>
+            <a:spLocks noGrp="1"/>
+          </p:cNvSpPr>
+          <p:nvPr>
+            <p:ph type="title"/>
+          </p:nvPr>
+        </p:nvSpPr>
+        <p:spPr/>
+        <p:txBody>
+          <a:bodyPr/>
+          <a:lstStyle/>
+          <a:p>
+            <a:r>
+              <a:rPr lang="en-US" dirty="0"/>
+              <a:t>Chapter Summary</a:t>
             </a:r>
           </a:p>
         </p:txBody>
@@ -12787,7 +12725,7 @@
     </p:spTree>
     <p:extLst>
       <p:ext uri="{BB962C8B-B14F-4D97-AF65-F5344CB8AC3E}">
-        <p14:creationId xmlns:p14="http://schemas.microsoft.com/office/powerpoint/2010/main" val="3129580946"/>
+        <p14:creationId xmlns:p14="http://schemas.microsoft.com/office/powerpoint/2010/main" val="649727605"/>
       </p:ext>
     </p:extLst>
   </p:cSld>
@@ -12929,116 +12867,6 @@
     <p:extLst>
       <p:ext uri="{BB962C8B-B14F-4D97-AF65-F5344CB8AC3E}">
         <p14:creationId xmlns:p14="http://schemas.microsoft.com/office/powerpoint/2010/main" val="1302897557"/>
-      </p:ext>
-    </p:extLst>
-  </p:cSld>
-  <p:clrMapOvr>
-    <a:masterClrMapping/>
-  </p:clrMapOvr>
-</p:sld>
-</file>
-
-<file path=ppt/slides/slide30.xml><?xml version="1.0" encoding="utf-8"?>
-<p:sld xmlns:a="http://schemas.openxmlformats.org/drawingml/2006/main" xmlns:r="http://schemas.openxmlformats.org/officeDocument/2006/relationships" xmlns:p="http://schemas.openxmlformats.org/presentationml/2006/main">
-  <p:cSld>
-    <p:spTree>
-      <p:nvGrpSpPr>
-        <p:cNvPr id="1" name=""/>
-        <p:cNvGrpSpPr/>
-        <p:nvPr/>
-      </p:nvGrpSpPr>
-      <p:grpSpPr>
-        <a:xfrm>
-          <a:off x="0" y="0"/>
-          <a:ext cx="0" cy="0"/>
-          <a:chOff x="0" y="0"/>
-          <a:chExt cx="0" cy="0"/>
-        </a:xfrm>
-      </p:grpSpPr>
-      <p:sp>
-        <p:nvSpPr>
-          <p:cNvPr id="3" name="Content Placeholder 2"/>
-          <p:cNvSpPr>
-            <a:spLocks noGrp="1"/>
-          </p:cNvSpPr>
-          <p:nvPr>
-            <p:ph idx="1"/>
-          </p:nvPr>
-        </p:nvSpPr>
-        <p:spPr/>
-        <p:txBody>
-          <a:bodyPr/>
-          <a:lstStyle/>
-          <a:p>
-            <a:pPr marL="0" indent="0">
-              <a:buNone/>
-            </a:pPr>
-            <a:r>
-              <a:rPr lang="en-US" dirty="0"/>
-              <a:t>In this chapter, we have:</a:t>
-            </a:r>
-          </a:p>
-          <a:p>
-            <a:r>
-              <a:rPr lang="en-US" dirty="0"/>
-              <a:t>Reviewed the basics of Hadoop</a:t>
-            </a:r>
-          </a:p>
-          <a:p>
-            <a:r>
-              <a:rPr lang="en-US" dirty="0"/>
-              <a:t>Reviewed the history of Apache Spark</a:t>
-            </a:r>
-          </a:p>
-          <a:p>
-            <a:r>
-              <a:rPr lang="en-US" dirty="0"/>
-              <a:t>Looked at the architecture and components of Apache Spark</a:t>
-            </a:r>
-          </a:p>
-          <a:p>
-            <a:r>
-              <a:rPr lang="en-US" dirty="0"/>
-              <a:t>Loaded files into RDD</a:t>
-            </a:r>
-          </a:p>
-          <a:p>
-            <a:r>
-              <a:rPr lang="en-US" dirty="0"/>
-              <a:t>Processed RDD using actions and transformation</a:t>
-            </a:r>
-          </a:p>
-          <a:p>
-            <a:endParaRPr lang="en-US" dirty="0"/>
-          </a:p>
-        </p:txBody>
-      </p:sp>
-      <p:sp>
-        <p:nvSpPr>
-          <p:cNvPr id="2" name="Title 1"/>
-          <p:cNvSpPr>
-            <a:spLocks noGrp="1"/>
-          </p:cNvSpPr>
-          <p:nvPr>
-            <p:ph type="title"/>
-          </p:nvPr>
-        </p:nvSpPr>
-        <p:spPr/>
-        <p:txBody>
-          <a:bodyPr/>
-          <a:lstStyle/>
-          <a:p>
-            <a:r>
-              <a:rPr lang="en-US" dirty="0"/>
-              <a:t>Chapter Summary</a:t>
-            </a:r>
-          </a:p>
-        </p:txBody>
-      </p:sp>
-    </p:spTree>
-    <p:extLst>
-      <p:ext uri="{BB962C8B-B14F-4D97-AF65-F5344CB8AC3E}">
-        <p14:creationId xmlns:p14="http://schemas.microsoft.com/office/powerpoint/2010/main" val="649727605"/>
       </p:ext>
     </p:extLst>
   </p:cSld>
@@ -13832,123 +13660,7 @@
       </p:grpSpPr>
       <p:sp>
         <p:nvSpPr>
-          <p:cNvPr id="3" name="Content Placeholder 2"/>
-          <p:cNvSpPr>
-            <a:spLocks noGrp="1"/>
-          </p:cNvSpPr>
-          <p:nvPr>
-            <p:ph idx="1"/>
-          </p:nvPr>
-        </p:nvSpPr>
-        <p:spPr>
-          <a:xfrm>
-            <a:off x="581025" y="1155614"/>
-            <a:ext cx="8285884" cy="5072616"/>
-          </a:xfrm>
-        </p:spPr>
-        <p:txBody>
-          <a:bodyPr/>
-          <a:lstStyle/>
-          <a:p>
-            <a:r>
-              <a:rPr lang="en-US" dirty="0"/>
-              <a:t>As we have seen, HDFS provides a command line interface </a:t>
-            </a:r>
-          </a:p>
-          <a:p>
-            <a:pPr>
-              <a:spcAft>
-                <a:spcPts val="600"/>
-              </a:spcAft>
-            </a:pPr>
-            <a:r>
-              <a:rPr lang="en-US" dirty="0"/>
-              <a:t>From a command line, enter the following commands:</a:t>
-            </a:r>
-          </a:p>
-          <a:p>
-            <a:pPr marL="228600" lvl="1" indent="0">
-              <a:buNone/>
-            </a:pPr>
-            <a:r>
-              <a:rPr lang="en-US" dirty="0">
-                <a:latin typeface="Courier New" panose="02070309020205020404" pitchFamily="49" charset="0"/>
-                <a:cs typeface="Courier New" panose="02070309020205020404" pitchFamily="49" charset="0"/>
-              </a:rPr>
-              <a:t>hdfs</a:t>
-            </a:r>
-          </a:p>
-          <a:p>
-            <a:pPr marL="228600" lvl="1" indent="0">
-              <a:buNone/>
-            </a:pPr>
-            <a:r>
-              <a:rPr lang="en-US" dirty="0">
-                <a:latin typeface="Courier New" panose="02070309020205020404" pitchFamily="49" charset="0"/>
-                <a:cs typeface="Courier New" panose="02070309020205020404" pitchFamily="49" charset="0"/>
-              </a:rPr>
-              <a:t>hdfs dfs</a:t>
-            </a:r>
-          </a:p>
-          <a:p>
-            <a:pPr marL="228600" lvl="1" indent="0">
-              <a:buNone/>
-            </a:pPr>
-            <a:r>
-              <a:rPr lang="en-US" dirty="0">
-                <a:latin typeface="Courier New" panose="02070309020205020404" pitchFamily="49" charset="0"/>
-                <a:cs typeface="Courier New" panose="02070309020205020404" pitchFamily="49" charset="0"/>
-              </a:rPr>
-              <a:t>hdfs dfs –ls /</a:t>
-            </a:r>
-          </a:p>
-          <a:p>
-            <a:pPr marL="228600" lvl="1" indent="0">
-              <a:buNone/>
-            </a:pPr>
-            <a:r>
-              <a:rPr lang="en-US" dirty="0">
-                <a:latin typeface="Courier New" panose="02070309020205020404" pitchFamily="49" charset="0"/>
-                <a:cs typeface="Courier New" panose="02070309020205020404" pitchFamily="49" charset="0"/>
-              </a:rPr>
-              <a:t>hdfs dfs –put ~/ROI/datasets/northwind/CSV/categories /</a:t>
-            </a:r>
-          </a:p>
-          <a:p>
-            <a:pPr marL="228600" lvl="1" indent="0">
-              <a:buNone/>
-            </a:pPr>
-            <a:r>
-              <a:rPr lang="en-US" dirty="0">
-                <a:latin typeface="Courier New" panose="02070309020205020404" pitchFamily="49" charset="0"/>
-                <a:cs typeface="Courier New" panose="02070309020205020404" pitchFamily="49" charset="0"/>
-              </a:rPr>
-              <a:t>hdfs dfs –ls /</a:t>
-            </a:r>
-          </a:p>
-          <a:p>
-            <a:pPr marL="457200" lvl="2" indent="0">
-              <a:buNone/>
-            </a:pPr>
-            <a:endParaRPr lang="en-US" dirty="0"/>
-          </a:p>
-          <a:p>
-            <a:pPr marL="457200" lvl="2" indent="0">
-              <a:buNone/>
-            </a:pPr>
-            <a:endParaRPr lang="en-US" dirty="0"/>
-          </a:p>
-          <a:p>
-            <a:pPr marL="511175" lvl="3" indent="0">
-              <a:buNone/>
-            </a:pPr>
-            <a:endParaRPr lang="en-US" dirty="0"/>
-          </a:p>
-        </p:txBody>
-      </p:sp>
-      <p:sp>
-        <p:nvSpPr>
-          <p:cNvPr id="2" name="Title 1"/>
+          <p:cNvPr id="4" name="Title 3"/>
           <p:cNvSpPr>
             <a:spLocks noGrp="1"/>
           </p:cNvSpPr>
@@ -13963,15 +13675,137 @@
           <a:p>
             <a:r>
               <a:rPr lang="en-US" dirty="0"/>
-              <a:t>Command Line Examples</a:t>
-            </a:r>
+              <a:t>Introduction to Apache Spark</a:t>
+            </a:r>
+          </a:p>
+        </p:txBody>
+      </p:sp>
+      <p:sp>
+        <p:nvSpPr>
+          <p:cNvPr id="5" name="Content Placeholder 4"/>
+          <p:cNvSpPr>
+            <a:spLocks noGrp="1"/>
+          </p:cNvSpPr>
+          <p:nvPr>
+            <p:ph idx="1"/>
+          </p:nvPr>
+        </p:nvSpPr>
+        <p:spPr/>
+        <p:txBody>
+          <a:bodyPr>
+            <a:normAutofit/>
+          </a:bodyPr>
+          <a:lstStyle/>
+          <a:p>
+            <a:r>
+              <a:rPr lang="en-US" dirty="0"/>
+              <a:t>Apache Spark is a computing engine that can be used for large-scale data processing</a:t>
+            </a:r>
+          </a:p>
+          <a:p>
+            <a:pPr lvl="1"/>
+            <a:r>
+              <a:rPr lang="en-US" dirty="0"/>
+              <a:t>Spark 2 can perform between 100X and 1000X faster than Hadoop’s default computing engine (MapReduce)</a:t>
+            </a:r>
+          </a:p>
+          <a:p>
+            <a:pPr lvl="1"/>
+            <a:r>
+              <a:rPr lang="en-US" dirty="0"/>
+              <a:t>Created by Matei Zaharia at UC Berkley in 2009</a:t>
+            </a:r>
+          </a:p>
+          <a:p>
+            <a:pPr lvl="1"/>
+            <a:r>
+              <a:rPr lang="en-US" dirty="0"/>
+              <a:t>Donated to Apache Software Foundation in 2013</a:t>
+            </a:r>
+          </a:p>
+          <a:p>
+            <a:pPr lvl="1"/>
+            <a:r>
+              <a:rPr lang="en-US" dirty="0"/>
+              <a:t>Apache Spark has seen immense growth over the past several years </a:t>
+            </a:r>
+          </a:p>
+          <a:p>
+            <a:r>
+              <a:rPr lang="en-US" dirty="0"/>
+              <a:t>Spark functionality includes the ability to:</a:t>
+            </a:r>
+          </a:p>
+          <a:p>
+            <a:pPr lvl="1"/>
+            <a:r>
+              <a:rPr lang="en-US" dirty="0"/>
+              <a:t>Perform iterative processing</a:t>
+            </a:r>
+          </a:p>
+          <a:p>
+            <a:pPr lvl="1"/>
+            <a:r>
+              <a:rPr lang="en-US" dirty="0"/>
+              <a:t>Work with structured data via SQL</a:t>
+            </a:r>
+          </a:p>
+          <a:p>
+            <a:pPr lvl="1"/>
+            <a:r>
+              <a:rPr lang="en-US" dirty="0"/>
+              <a:t>Support Hive Query Language (HQL)</a:t>
+            </a:r>
+          </a:p>
+          <a:p>
+            <a:pPr lvl="1"/>
+            <a:r>
+              <a:rPr lang="en-US" dirty="0"/>
+              <a:t>Interact with it via a command-line shell</a:t>
+            </a:r>
+          </a:p>
+          <a:p>
+            <a:pPr lvl="1"/>
+            <a:r>
+              <a:rPr lang="en-US" dirty="0"/>
+              <a:t>Support near real-time processing using in-memory data structure </a:t>
+            </a:r>
+          </a:p>
+          <a:p>
+            <a:pPr marL="228600" lvl="1">
+              <a:spcBef>
+                <a:spcPts val="1200"/>
+              </a:spcBef>
+              <a:buBlip>
+                <a:blip r:embed="rId3"/>
+              </a:buBlip>
+            </a:pPr>
+            <a:r>
+              <a:rPr lang="en-US" dirty="0"/>
+              <a:t>See </a:t>
+            </a:r>
+            <a:r>
+              <a:rPr lang="en-US" dirty="0">
+                <a:hlinkClick r:id="rId4"/>
+              </a:rPr>
+              <a:t>https://spark.apache.org/</a:t>
+            </a:r>
+            <a:endParaRPr lang="en-US" dirty="0"/>
+          </a:p>
+          <a:p>
+            <a:pPr lvl="1"/>
+            <a:endParaRPr lang="en-US" dirty="0"/>
+          </a:p>
+          <a:p>
+            <a:pPr lvl="1"/>
+            <a:endParaRPr lang="en-US" dirty="0"/>
           </a:p>
         </p:txBody>
       </p:sp>
     </p:spTree>
     <p:extLst>
       <p:ext uri="{BB962C8B-B14F-4D97-AF65-F5344CB8AC3E}">
-        <p14:creationId xmlns:p14="http://schemas.microsoft.com/office/powerpoint/2010/main" val="3347478634"/>
+        <p14:creationId xmlns:p14="http://schemas.microsoft.com/office/powerpoint/2010/main" val="1690163072"/>
       </p:ext>
     </p:extLst>
   </p:cSld>
@@ -14000,12 +13834,12 @@
       </p:grpSpPr>
       <p:sp>
         <p:nvSpPr>
-          <p:cNvPr id="4" name="Title 3"/>
+          <p:cNvPr id="2" name="Content Placeholder 1"/>
           <p:cNvSpPr>
             <a:spLocks noGrp="1"/>
           </p:cNvSpPr>
           <p:nvPr>
-            <p:ph type="title"/>
+            <p:ph idx="1"/>
           </p:nvPr>
         </p:nvSpPr>
         <p:spPr/>
@@ -14014,138 +13848,69 @@
           <a:lstStyle/>
           <a:p>
             <a:r>
-              <a:rPr lang="en-US" dirty="0"/>
-              <a:t>Introduction to Apache Spark</a:t>
+              <a:rPr lang="en-US" dirty="0">
+                <a:hlinkClick r:id="rId3"/>
+              </a:rPr>
+              <a:t>Apache Spark</a:t>
+            </a:r>
+            <a:r>
+              <a:rPr lang="en-US" dirty="0"/>
+              <a:t> provides high-level APIs in Java, Scala, Python, and R and has an optimized engine that supports general execution graphs </a:t>
+            </a:r>
+          </a:p>
+          <a:p>
+            <a:r>
+              <a:rPr lang="en-US" dirty="0"/>
+              <a:t>Two important use cases for Apache Spark are data processing and AI</a:t>
+            </a:r>
+          </a:p>
+          <a:p>
+            <a:r>
+              <a:rPr lang="en-US" dirty="0"/>
+              <a:t>Spark unifies data processing and AI by providing a powerful in-memory execution engine</a:t>
+            </a:r>
+          </a:p>
+          <a:p>
+            <a:r>
+              <a:rPr lang="en-US" dirty="0"/>
+              <a:t>It also offers popular AI frameworks and libraries such as TensorFlow, R, and SciKit-Learn</a:t>
             </a:r>
           </a:p>
         </p:txBody>
       </p:sp>
       <p:sp>
         <p:nvSpPr>
-          <p:cNvPr id="5" name="Content Placeholder 4"/>
+          <p:cNvPr id="3" name="Title 2"/>
           <p:cNvSpPr>
             <a:spLocks noGrp="1"/>
           </p:cNvSpPr>
           <p:nvPr>
-            <p:ph idx="1"/>
+            <p:ph type="title"/>
           </p:nvPr>
         </p:nvSpPr>
         <p:spPr/>
         <p:txBody>
-          <a:bodyPr>
-            <a:normAutofit/>
-          </a:bodyPr>
+          <a:bodyPr/>
           <a:lstStyle/>
           <a:p>
             <a:r>
               <a:rPr lang="en-US" dirty="0"/>
-              <a:t>Apache Spark is a computing engine that can be used for large-scale data processing</a:t>
-            </a:r>
-          </a:p>
-          <a:p>
-            <a:pPr lvl="1"/>
-            <a:r>
-              <a:rPr lang="en-US" dirty="0"/>
-              <a:t>Spark 2 can perform between 100X and 1000X faster than Hadoop’s default computing engine (MapReduce)</a:t>
-            </a:r>
-          </a:p>
-          <a:p>
-            <a:pPr lvl="1"/>
-            <a:r>
-              <a:rPr lang="en-US" dirty="0"/>
-              <a:t>Created by Matei Zaharia at UC Berkley in 2009</a:t>
-            </a:r>
-          </a:p>
-          <a:p>
-            <a:pPr lvl="1"/>
-            <a:r>
-              <a:rPr lang="en-US" dirty="0"/>
-              <a:t>Donated to Apache Software Foundation in 2013</a:t>
-            </a:r>
-          </a:p>
-          <a:p>
-            <a:pPr lvl="1"/>
-            <a:r>
-              <a:rPr lang="en-US" dirty="0"/>
-              <a:t>Apache Spark has seen immense growth over the past several years </a:t>
-            </a:r>
-          </a:p>
-          <a:p>
-            <a:r>
-              <a:rPr lang="en-US" dirty="0"/>
-              <a:t>Spark functionality includes the ability to:</a:t>
-            </a:r>
-          </a:p>
-          <a:p>
-            <a:pPr lvl="1"/>
-            <a:r>
-              <a:rPr lang="en-US" dirty="0"/>
-              <a:t>Perform iterative processing</a:t>
-            </a:r>
-          </a:p>
-          <a:p>
-            <a:pPr lvl="1"/>
-            <a:r>
-              <a:rPr lang="en-US" dirty="0"/>
-              <a:t>Work with structured data via SQL</a:t>
-            </a:r>
-          </a:p>
-          <a:p>
-            <a:pPr lvl="1"/>
-            <a:r>
-              <a:rPr lang="en-US" dirty="0"/>
-              <a:t>Support Hive Query Language (HQL)</a:t>
-            </a:r>
-          </a:p>
-          <a:p>
-            <a:pPr lvl="1"/>
-            <a:r>
-              <a:rPr lang="en-US" dirty="0"/>
-              <a:t>Interact with it via a command-line shell</a:t>
-            </a:r>
-          </a:p>
-          <a:p>
-            <a:pPr lvl="1"/>
-            <a:r>
-              <a:rPr lang="en-US" dirty="0"/>
-              <a:t>Support near real-time processing using in-memory data structure </a:t>
-            </a:r>
-          </a:p>
-          <a:p>
-            <a:pPr marL="228600" lvl="1">
-              <a:spcBef>
-                <a:spcPts val="1200"/>
-              </a:spcBef>
-              <a:buBlip>
-                <a:blip r:embed="rId3"/>
-              </a:buBlip>
-            </a:pPr>
-            <a:r>
-              <a:rPr lang="en-US" dirty="0"/>
-              <a:t>See </a:t>
-            </a:r>
-            <a:r>
-              <a:rPr lang="en-US" dirty="0">
-                <a:hlinkClick r:id="rId4"/>
-              </a:rPr>
-              <a:t>https://spark.apache.org/</a:t>
-            </a:r>
-            <a:endParaRPr lang="en-US" dirty="0"/>
-          </a:p>
-          <a:p>
-            <a:pPr lvl="1"/>
-            <a:endParaRPr lang="en-US" dirty="0"/>
-          </a:p>
-          <a:p>
-            <a:pPr lvl="1"/>
-            <a:endParaRPr lang="en-US" dirty="0"/>
+              <a:t>Introduction to Apache Spark</a:t>
+            </a:r>
+            <a:br>
+              <a:rPr lang="en-US" dirty="0"/>
+            </a:br>
+            <a:r>
+              <a:rPr lang="en-US" dirty="0"/>
+              <a:t>(continued)</a:t>
+            </a:r>
           </a:p>
         </p:txBody>
       </p:sp>
     </p:spTree>
     <p:extLst>
       <p:ext uri="{BB962C8B-B14F-4D97-AF65-F5344CB8AC3E}">
-        <p14:creationId xmlns:p14="http://schemas.microsoft.com/office/powerpoint/2010/main" val="1690163072"/>
+        <p14:creationId xmlns:p14="http://schemas.microsoft.com/office/powerpoint/2010/main" val="163825996"/>
       </p:ext>
     </p:extLst>
   </p:cSld>

--- a/455DE-Ch01_IntroToSpark.pptx
+++ b/455DE-Ch01_IntroToSpark.pptx
@@ -12004,18 +12004,11 @@
           <a:p>
             <a:pPr lvl="1"/>
             <a:r>
-              <a:rPr lang="en-US" dirty="0" err="1">
-                <a:latin typeface="Courier New" panose="02070309020205020404" pitchFamily="49" charset="0"/>
-                <a:cs typeface="Courier New" panose="02070309020205020404" pitchFamily="49" charset="0"/>
-              </a:rPr>
-              <a:t>rdd.saveAsPickleFile</a:t>
-            </a:r>
-            <a:r>
               <a:rPr lang="en-US" dirty="0">
                 <a:latin typeface="Courier New" panose="02070309020205020404" pitchFamily="49" charset="0"/>
                 <a:cs typeface="Courier New" panose="02070309020205020404" pitchFamily="49" charset="0"/>
               </a:rPr>
-              <a:t>()</a:t>
+              <a:t>rdd.saveAsPickleFile()</a:t>
             </a:r>
             <a:r>
               <a:rPr lang="en-US" dirty="0">
@@ -12279,7 +12272,7 @@
                 <a:latin typeface="Courier New" panose="02070309020205020404" pitchFamily="49" charset="0"/>
                 <a:cs typeface="Courier New" panose="02070309020205020404" pitchFamily="49" charset="0"/>
               </a:rPr>
-              <a:t>rdd.sort()</a:t>
+              <a:t>rdd.sortBy()</a:t>
             </a:r>
             <a:r>
               <a:rPr lang="en-US" sz="1750" dirty="0">
